--- a/verteidigung.pptx
+++ b/verteidigung.pptx
@@ -5,25 +5,48 @@
     <p:sldMasterId id="2147483891" r:id="rId1"/>
   </p:sldMasterIdLst>
   <p:notesMasterIdLst>
-    <p:notesMasterId r:id="rId5"/>
+    <p:notesMasterId r:id="rId24"/>
   </p:notesMasterIdLst>
   <p:handoutMasterIdLst>
-    <p:handoutMasterId r:id="rId6"/>
+    <p:handoutMasterId r:id="rId25"/>
   </p:handoutMasterIdLst>
   <p:sldIdLst>
     <p:sldId id="256" r:id="rId2"/>
     <p:sldId id="319" r:id="rId3"/>
-    <p:sldId id="320" r:id="rId4"/>
+    <p:sldId id="333" r:id="rId4"/>
+    <p:sldId id="330" r:id="rId5"/>
+    <p:sldId id="335" r:id="rId6"/>
+    <p:sldId id="336" r:id="rId7"/>
+    <p:sldId id="337" r:id="rId8"/>
+    <p:sldId id="338" r:id="rId9"/>
+    <p:sldId id="339" r:id="rId10"/>
+    <p:sldId id="340" r:id="rId11"/>
+    <p:sldId id="341" r:id="rId12"/>
+    <p:sldId id="325" r:id="rId13"/>
+    <p:sldId id="328" r:id="rId14"/>
+    <p:sldId id="329" r:id="rId15"/>
+    <p:sldId id="326" r:id="rId16"/>
+    <p:sldId id="327" r:id="rId17"/>
+    <p:sldId id="324" r:id="rId18"/>
+    <p:sldId id="323" r:id="rId19"/>
+    <p:sldId id="322" r:id="rId20"/>
+    <p:sldId id="331" r:id="rId21"/>
+    <p:sldId id="321" r:id="rId22"/>
+    <p:sldId id="320" r:id="rId23"/>
   </p:sldIdLst>
   <p:sldSz cx="12192000" cy="6858000"/>
   <p:notesSz cx="6858000" cy="9144000"/>
   <p:embeddedFontLst>
     <p:embeddedFont>
+      <p:font typeface="Cambria Math" panose="02040503050406030204" pitchFamily="18" charset="0"/>
+      <p:regular r:id="rId26"/>
+    </p:embeddedFont>
+    <p:embeddedFont>
       <p:font typeface="Open Sans" panose="020B0606030504020204" pitchFamily="34" charset="0"/>
-      <p:regular r:id="rId7"/>
-      <p:bold r:id="rId8"/>
-      <p:italic r:id="rId9"/>
-      <p:boldItalic r:id="rId10"/>
+      <p:regular r:id="rId27"/>
+      <p:bold r:id="rId28"/>
+      <p:italic r:id="rId29"/>
+      <p:boldItalic r:id="rId30"/>
     </p:embeddedFont>
   </p:embeddedFontLst>
   <p:defaultTextStyle>
@@ -128,11 +151,31 @@
           <p14:sldIdLst>
             <p14:sldId id="256"/>
             <p14:sldId id="319"/>
-            <p14:sldId id="320"/>
+            <p14:sldId id="333"/>
+            <p14:sldId id="330"/>
+            <p14:sldId id="335"/>
+            <p14:sldId id="336"/>
+            <p14:sldId id="337"/>
+            <p14:sldId id="338"/>
+            <p14:sldId id="339"/>
+            <p14:sldId id="340"/>
+            <p14:sldId id="341"/>
+            <p14:sldId id="325"/>
+            <p14:sldId id="328"/>
+            <p14:sldId id="329"/>
+            <p14:sldId id="326"/>
+            <p14:sldId id="327"/>
+            <p14:sldId id="324"/>
+            <p14:sldId id="323"/>
+            <p14:sldId id="322"/>
+            <p14:sldId id="331"/>
+            <p14:sldId id="321"/>
           </p14:sldIdLst>
         </p14:section>
         <p14:section name="Elemente des Corporate Design" id="{9B15DDF1-0A1C-4450-A2F2-FA4F67CF33BE}">
-          <p14:sldIdLst/>
+          <p14:sldIdLst>
+            <p14:sldId id="320"/>
+          </p14:sldIdLst>
         </p14:section>
         <p14:section name="weitere Beispielseiten mit Inhalten der TU Dresden" id="{AD708181-2670-4EDC-AA8D-5A3C3905AC8F}">
           <p14:sldIdLst/>
@@ -141,6 +184,9 @@
     </p:ext>
     <p:ext uri="{EFAFB233-063F-42B5-8137-9DF3F51BA10A}">
       <p15:sldGuideLst xmlns:p15="http://schemas.microsoft.com/office/powerpoint/2012/main"/>
+    </p:ext>
+    <p:ext uri="{2D200454-40CA-4A62-9FC3-DE9A4176ACB9}">
+      <p15:notesGuideLst xmlns:p15="http://schemas.microsoft.com/office/powerpoint/2012/main"/>
     </p:ext>
   </p:extLst>
 </p:presentation>
@@ -240,7 +286,7 @@
           <a:p>
             <a:fld id="{C6AC6211-610F-44E5-BF19-D3CDF6EDD281}" type="datetimeFigureOut">
               <a:rPr lang="de-DE" smtClean="0"/>
-              <a:t>29.12.2025</a:t>
+              <a:t>05.01.2026</a:t>
             </a:fld>
             <a:endParaRPr lang="de-DE" dirty="0"/>
           </a:p>
@@ -306,7 +352,7 @@
           <a:p>
             <a:fld id="{2AD61AA8-FB04-42D1-9939-D1A1356F8086}" type="slidenum">
               <a:rPr lang="de-DE" smtClean="0"/>
-              <a:t>‹#›</a:t>
+              <a:t>‹Nr.›</a:t>
             </a:fld>
             <a:endParaRPr lang="de-DE" dirty="0"/>
           </a:p>
@@ -406,7 +452,7 @@
           <a:p>
             <a:fld id="{347435D3-23A6-45D3-8DFA-7317DC1E7A64}" type="datetimeFigureOut">
               <a:rPr lang="de-DE" smtClean="0"/>
-              <a:t>29.12.2025</a:t>
+              <a:t>05.01.2026</a:t>
             </a:fld>
             <a:endParaRPr lang="de-DE" dirty="0"/>
           </a:p>
@@ -564,7 +610,7 @@
           <a:p>
             <a:fld id="{2969AC09-DF60-43F4-96BF-67D4D9A74094}" type="slidenum">
               <a:rPr lang="de-DE" smtClean="0"/>
-              <a:t>‹#›</a:t>
+              <a:t>‹Nr.›</a:t>
             </a:fld>
             <a:endParaRPr lang="de-DE" dirty="0"/>
           </a:p>
@@ -2886,7 +2932,7 @@
             <a:spLocks noGrp="1"/>
           </p:cNvSpPr>
           <p:nvPr>
-            <p:ph type="title"/>
+            <p:ph type="title" hasCustomPrompt="1"/>
           </p:nvPr>
         </p:nvSpPr>
         <p:spPr/>
@@ -2899,10 +2945,9 @@
           </a:lstStyle>
           <a:p>
             <a:r>
-              <a:rPr lang="de-DE"/>
+              <a:rPr lang="de-DE" dirty="0"/>
               <a:t>Titelmasterformat durch Klicken bearbeiten</a:t>
             </a:r>
-            <a:endParaRPr lang="de-DE" dirty="0"/>
           </a:p>
         </p:txBody>
       </p:sp>
@@ -2963,6 +3008,148 @@
 
 <file path=ppt/slideLayouts/slideLayout13.xml><?xml version="1.0" encoding="utf-8"?>
 <p:sldLayout xmlns:a="http://schemas.openxmlformats.org/drawingml/2006/main" xmlns:r="http://schemas.openxmlformats.org/officeDocument/2006/relationships" xmlns:p="http://schemas.openxmlformats.org/presentationml/2006/main" preserve="1" userDrawn="1">
+  <p:cSld name="3_Titel und ein Inhalt">
+    <p:spTree>
+      <p:nvGrpSpPr>
+        <p:cNvPr id="1" name=""/>
+        <p:cNvGrpSpPr/>
+        <p:nvPr/>
+      </p:nvGrpSpPr>
+      <p:grpSpPr>
+        <a:xfrm>
+          <a:off x="0" y="0"/>
+          <a:ext cx="0" cy="0"/>
+          <a:chOff x="0" y="0"/>
+          <a:chExt cx="0" cy="0"/>
+        </a:xfrm>
+      </p:grpSpPr>
+      <p:sp>
+        <p:nvSpPr>
+          <p:cNvPr id="6" name="Inhaltsplatzhalter 5"/>
+          <p:cNvSpPr>
+            <a:spLocks noGrp="1"/>
+          </p:cNvSpPr>
+          <p:nvPr>
+            <p:ph sz="quarter" idx="10" hasCustomPrompt="1"/>
+          </p:nvPr>
+        </p:nvSpPr>
+        <p:spPr>
+          <a:xfrm>
+            <a:off x="874711" y="1341967"/>
+            <a:ext cx="10580688" cy="4540277"/>
+          </a:xfrm>
+        </p:spPr>
+        <p:txBody>
+          <a:bodyPr/>
+          <a:lstStyle>
+            <a:lvl1pPr>
+              <a:spcBef>
+                <a:spcPts val="1200"/>
+              </a:spcBef>
+              <a:defRPr sz="2400" b="0"/>
+            </a:lvl1pPr>
+            <a:lvl3pPr>
+              <a:spcBef>
+                <a:spcPts val="1200"/>
+              </a:spcBef>
+              <a:defRPr/>
+            </a:lvl3pPr>
+          </a:lstStyle>
+          <a:p>
+            <a:pPr lvl="0"/>
+            <a:r>
+              <a:rPr lang="de-DE" dirty="0"/>
+              <a:t>Formatvorlagen des Textmasters bearbeiten</a:t>
+            </a:r>
+          </a:p>
+        </p:txBody>
+      </p:sp>
+      <p:sp>
+        <p:nvSpPr>
+          <p:cNvPr id="5" name="Textplatzhalter 4">
+            <a:extLst>
+              <a:ext uri="{FF2B5EF4-FFF2-40B4-BE49-F238E27FC236}">
+                <a16:creationId xmlns:a16="http://schemas.microsoft.com/office/drawing/2014/main" id="{251B65DF-A76A-6B22-FC71-8C4199A24F3F}"/>
+              </a:ext>
+            </a:extLst>
+          </p:cNvPr>
+          <p:cNvSpPr>
+            <a:spLocks noGrp="1"/>
+          </p:cNvSpPr>
+          <p:nvPr>
+            <p:ph type="body" sz="quarter" idx="11" hasCustomPrompt="1"/>
+          </p:nvPr>
+        </p:nvSpPr>
+        <p:spPr>
+          <a:xfrm>
+            <a:off x="874711" y="374941"/>
+            <a:ext cx="10580688" cy="526760"/>
+          </a:xfrm>
+        </p:spPr>
+        <p:txBody>
+          <a:bodyPr/>
+          <a:lstStyle>
+            <a:lvl1pPr>
+              <a:defRPr sz="4000"/>
+            </a:lvl1pPr>
+          </a:lstStyle>
+          <a:p>
+            <a:pPr lvl="0"/>
+            <a:r>
+              <a:rPr lang="en-GB" dirty="0" err="1"/>
+              <a:t>Slideüberschrift</a:t>
+            </a:r>
+            <a:endParaRPr lang="en-DE" dirty="0"/>
+          </a:p>
+        </p:txBody>
+      </p:sp>
+      <p:sp>
+        <p:nvSpPr>
+          <p:cNvPr id="7" name="Titel 3"/>
+          <p:cNvSpPr>
+            <a:spLocks noGrp="1"/>
+          </p:cNvSpPr>
+          <p:nvPr>
+            <p:ph type="title" hasCustomPrompt="1"/>
+          </p:nvPr>
+        </p:nvSpPr>
+        <p:spPr>
+          <a:xfrm>
+            <a:off x="8051471" y="6252784"/>
+            <a:ext cx="3403928" cy="402070"/>
+          </a:xfrm>
+        </p:spPr>
+        <p:txBody>
+          <a:bodyPr/>
+          <a:lstStyle>
+            <a:lvl1pPr algn="r">
+              <a:defRPr sz="2200" b="0" i="1"/>
+            </a:lvl1pPr>
+          </a:lstStyle>
+          <a:p>
+            <a:r>
+              <a:rPr lang="de-DE" dirty="0"/>
+              <a:t>Kapitel</a:t>
+            </a:r>
+          </a:p>
+        </p:txBody>
+      </p:sp>
+    </p:spTree>
+    <p:extLst>
+      <p:ext uri="{BB962C8B-B14F-4D97-AF65-F5344CB8AC3E}">
+        <p14:creationId xmlns:p14="http://schemas.microsoft.com/office/powerpoint/2010/main" val="1023948224"/>
+      </p:ext>
+    </p:extLst>
+  </p:cSld>
+  <p:clrMapOvr>
+    <a:masterClrMapping/>
+  </p:clrMapOvr>
+  <p:hf hdr="0"/>
+</p:sldLayout>
+</file>
+
+<file path=ppt/slideLayouts/slideLayout14.xml><?xml version="1.0" encoding="utf-8"?>
+<p:sldLayout xmlns:a="http://schemas.openxmlformats.org/drawingml/2006/main" xmlns:r="http://schemas.openxmlformats.org/officeDocument/2006/relationships" xmlns:p="http://schemas.openxmlformats.org/presentationml/2006/main" preserve="1" userDrawn="1">
   <p:cSld name="2_Titel und 2 Inhalte_">
     <p:spTree>
       <p:nvGrpSpPr>
@@ -3129,7 +3316,7 @@
 </p:sldLayout>
 </file>
 
-<file path=ppt/slideLayouts/slideLayout14.xml><?xml version="1.0" encoding="utf-8"?>
+<file path=ppt/slideLayouts/slideLayout15.xml><?xml version="1.0" encoding="utf-8"?>
 <p:sldLayout xmlns:a="http://schemas.openxmlformats.org/drawingml/2006/main" xmlns:r="http://schemas.openxmlformats.org/officeDocument/2006/relationships" xmlns:p="http://schemas.openxmlformats.org/presentationml/2006/main" preserve="1" userDrawn="1">
   <p:cSld name="2_Titel und 2 Inhalte">
     <p:spTree>
@@ -3266,7 +3453,7 @@
 </p:sldLayout>
 </file>
 
-<file path=ppt/slideLayouts/slideLayout15.xml><?xml version="1.0" encoding="utf-8"?>
+<file path=ppt/slideLayouts/slideLayout16.xml><?xml version="1.0" encoding="utf-8"?>
 <p:sldLayout xmlns:a="http://schemas.openxmlformats.org/drawingml/2006/main" xmlns:r="http://schemas.openxmlformats.org/officeDocument/2006/relationships" xmlns:p="http://schemas.openxmlformats.org/presentationml/2006/main" preserve="1" userDrawn="1">
   <p:cSld name="2_Titel und Inhalt und Bild">
     <p:spTree>
@@ -3403,7 +3590,7 @@
 </p:sldLayout>
 </file>
 
-<file path=ppt/slideLayouts/slideLayout16.xml><?xml version="1.0" encoding="utf-8"?>
+<file path=ppt/slideLayouts/slideLayout17.xml><?xml version="1.0" encoding="utf-8"?>
 <p:sldLayout xmlns:a="http://schemas.openxmlformats.org/drawingml/2006/main" xmlns:r="http://schemas.openxmlformats.org/officeDocument/2006/relationships" xmlns:p="http://schemas.openxmlformats.org/presentationml/2006/main" preserve="1" userDrawn="1">
   <p:cSld name="2_Titel und Inhalt und Bild_quer">
     <p:spTree>
@@ -3541,7 +3728,7 @@
 </p:sldLayout>
 </file>
 
-<file path=ppt/slideLayouts/slideLayout17.xml><?xml version="1.0" encoding="utf-8"?>
+<file path=ppt/slideLayouts/slideLayout18.xml><?xml version="1.0" encoding="utf-8"?>
 <p:sldLayout xmlns:a="http://schemas.openxmlformats.org/drawingml/2006/main" xmlns:r="http://schemas.openxmlformats.org/officeDocument/2006/relationships" xmlns:p="http://schemas.openxmlformats.org/presentationml/2006/main" preserve="1" userDrawn="1">
   <p:cSld name="2_Titel und Inhalt und Bild_">
     <p:spTree>
@@ -3678,7 +3865,7 @@
 </p:sldLayout>
 </file>
 
-<file path=ppt/slideLayouts/slideLayout18.xml><?xml version="1.0" encoding="utf-8"?>
+<file path=ppt/slideLayouts/slideLayout19.xml><?xml version="1.0" encoding="utf-8"?>
 <p:sldLayout xmlns:a="http://schemas.openxmlformats.org/drawingml/2006/main" xmlns:r="http://schemas.openxmlformats.org/officeDocument/2006/relationships" xmlns:p="http://schemas.openxmlformats.org/presentationml/2006/main" preserve="1" userDrawn="1">
   <p:cSld name="3_Titel und 3 Inhalte">
     <p:spTree>
@@ -3898,197 +4085,6 @@
     <p:extLst>
       <p:ext uri="{BB962C8B-B14F-4D97-AF65-F5344CB8AC3E}">
         <p14:creationId xmlns:p14="http://schemas.microsoft.com/office/powerpoint/2010/main" val="3543359633"/>
-      </p:ext>
-    </p:extLst>
-  </p:cSld>
-  <p:clrMapOvr>
-    <a:masterClrMapping/>
-  </p:clrMapOvr>
-  <p:hf hdr="0"/>
-</p:sldLayout>
-</file>
-
-<file path=ppt/slideLayouts/slideLayout19.xml><?xml version="1.0" encoding="utf-8"?>
-<p:sldLayout xmlns:a="http://schemas.openxmlformats.org/drawingml/2006/main" xmlns:r="http://schemas.openxmlformats.org/officeDocument/2006/relationships" xmlns:p="http://schemas.openxmlformats.org/presentationml/2006/main" preserve="1" userDrawn="1">
-  <p:cSld name="4_Titel und 4 Inhalte">
-    <p:spTree>
-      <p:nvGrpSpPr>
-        <p:cNvPr id="1" name=""/>
-        <p:cNvGrpSpPr/>
-        <p:nvPr/>
-      </p:nvGrpSpPr>
-      <p:grpSpPr>
-        <a:xfrm>
-          <a:off x="0" y="0"/>
-          <a:ext cx="0" cy="0"/>
-          <a:chOff x="0" y="0"/>
-          <a:chExt cx="0" cy="0"/>
-        </a:xfrm>
-      </p:grpSpPr>
-      <p:sp>
-        <p:nvSpPr>
-          <p:cNvPr id="9" name="Bildplatzhalter 7"/>
-          <p:cNvSpPr>
-            <a:spLocks noGrp="1"/>
-          </p:cNvSpPr>
-          <p:nvPr>
-            <p:ph type="pic" sz="quarter" idx="13"/>
-          </p:nvPr>
-        </p:nvSpPr>
-        <p:spPr>
-          <a:xfrm>
-            <a:off x="874711" y="1484313"/>
-            <a:ext cx="4300539" cy="1332000"/>
-          </a:xfrm>
-        </p:spPr>
-        <p:txBody>
-          <a:bodyPr/>
-          <a:lstStyle/>
-          <a:p>
-            <a:r>
-              <a:rPr lang="de-DE" dirty="0"/>
-              <a:t>Bild durch Klicken auf Symbol hinzufügen</a:t>
-            </a:r>
-          </a:p>
-        </p:txBody>
-      </p:sp>
-      <p:sp>
-        <p:nvSpPr>
-          <p:cNvPr id="10" name="Bildplatzhalter 7"/>
-          <p:cNvSpPr>
-            <a:spLocks noGrp="1"/>
-          </p:cNvSpPr>
-          <p:nvPr>
-            <p:ph type="pic" sz="quarter" idx="14"/>
-          </p:nvPr>
-        </p:nvSpPr>
-        <p:spPr>
-          <a:xfrm>
-            <a:off x="874712" y="2943181"/>
-            <a:ext cx="4300537" cy="1332000"/>
-          </a:xfrm>
-        </p:spPr>
-        <p:txBody>
-          <a:bodyPr/>
-          <a:lstStyle/>
-          <a:p>
-            <a:r>
-              <a:rPr lang="de-DE" dirty="0"/>
-              <a:t>Bild durch Klicken auf Symbol hinzufügen</a:t>
-            </a:r>
-          </a:p>
-        </p:txBody>
-      </p:sp>
-      <p:sp>
-        <p:nvSpPr>
-          <p:cNvPr id="11" name="Bildplatzhalter 7"/>
-          <p:cNvSpPr>
-            <a:spLocks noGrp="1"/>
-          </p:cNvSpPr>
-          <p:nvPr>
-            <p:ph type="pic" sz="quarter" idx="15"/>
-          </p:nvPr>
-        </p:nvSpPr>
-        <p:spPr>
-          <a:xfrm>
-            <a:off x="874710" y="4402050"/>
-            <a:ext cx="4300537" cy="1427249"/>
-          </a:xfrm>
-        </p:spPr>
-        <p:txBody>
-          <a:bodyPr/>
-          <a:lstStyle/>
-          <a:p>
-            <a:r>
-              <a:rPr lang="de-DE" dirty="0"/>
-              <a:t>Bild durch Klicken auf Symbol hinzufügen</a:t>
-            </a:r>
-          </a:p>
-        </p:txBody>
-      </p:sp>
-      <p:sp>
-        <p:nvSpPr>
-          <p:cNvPr id="4" name="Titel 3"/>
-          <p:cNvSpPr>
-            <a:spLocks noGrp="1"/>
-          </p:cNvSpPr>
-          <p:nvPr>
-            <p:ph type="title"/>
-          </p:nvPr>
-        </p:nvSpPr>
-        <p:spPr/>
-        <p:txBody>
-          <a:bodyPr/>
-          <a:lstStyle/>
-          <a:p>
-            <a:r>
-              <a:rPr lang="de-DE"/>
-              <a:t>Titelmasterformat durch Klicken bearbeiten</a:t>
-            </a:r>
-          </a:p>
-        </p:txBody>
-      </p:sp>
-      <p:sp>
-        <p:nvSpPr>
-          <p:cNvPr id="5" name="Inhaltsplatzhalter 4"/>
-          <p:cNvSpPr>
-            <a:spLocks noGrp="1"/>
-          </p:cNvSpPr>
-          <p:nvPr>
-            <p:ph sz="quarter" idx="16"/>
-          </p:nvPr>
-        </p:nvSpPr>
-        <p:spPr>
-          <a:xfrm>
-            <a:off x="5365750" y="1484313"/>
-            <a:ext cx="6089650" cy="4357687"/>
-          </a:xfrm>
-        </p:spPr>
-        <p:txBody>
-          <a:bodyPr/>
-          <a:lstStyle/>
-          <a:p>
-            <a:pPr lvl="0"/>
-            <a:r>
-              <a:rPr lang="de-DE"/>
-              <a:t>Formatvorlagen des Textmasters bearbeiten</a:t>
-            </a:r>
-          </a:p>
-          <a:p>
-            <a:pPr lvl="1"/>
-            <a:r>
-              <a:rPr lang="de-DE"/>
-              <a:t>Zweite Ebene</a:t>
-            </a:r>
-          </a:p>
-          <a:p>
-            <a:pPr lvl="2"/>
-            <a:r>
-              <a:rPr lang="de-DE"/>
-              <a:t>Dritte Ebene</a:t>
-            </a:r>
-          </a:p>
-          <a:p>
-            <a:pPr lvl="3"/>
-            <a:r>
-              <a:rPr lang="de-DE"/>
-              <a:t>Vierte Ebene</a:t>
-            </a:r>
-          </a:p>
-          <a:p>
-            <a:pPr lvl="4"/>
-            <a:r>
-              <a:rPr lang="de-DE"/>
-              <a:t>Fünfte Ebene</a:t>
-            </a:r>
-            <a:endParaRPr lang="de-DE" dirty="0"/>
-          </a:p>
-        </p:txBody>
-      </p:sp>
-    </p:spTree>
-    <p:extLst>
-      <p:ext uri="{BB962C8B-B14F-4D97-AF65-F5344CB8AC3E}">
-        <p14:creationId xmlns:p14="http://schemas.microsoft.com/office/powerpoint/2010/main" val="1291138792"/>
       </p:ext>
     </p:extLst>
   </p:cSld>
@@ -4615,6 +4611,197 @@
 
 <file path=ppt/slideLayouts/slideLayout20.xml><?xml version="1.0" encoding="utf-8"?>
 <p:sldLayout xmlns:a="http://schemas.openxmlformats.org/drawingml/2006/main" xmlns:r="http://schemas.openxmlformats.org/officeDocument/2006/relationships" xmlns:p="http://schemas.openxmlformats.org/presentationml/2006/main" preserve="1" userDrawn="1">
+  <p:cSld name="4_Titel und 4 Inhalte">
+    <p:spTree>
+      <p:nvGrpSpPr>
+        <p:cNvPr id="1" name=""/>
+        <p:cNvGrpSpPr/>
+        <p:nvPr/>
+      </p:nvGrpSpPr>
+      <p:grpSpPr>
+        <a:xfrm>
+          <a:off x="0" y="0"/>
+          <a:ext cx="0" cy="0"/>
+          <a:chOff x="0" y="0"/>
+          <a:chExt cx="0" cy="0"/>
+        </a:xfrm>
+      </p:grpSpPr>
+      <p:sp>
+        <p:nvSpPr>
+          <p:cNvPr id="9" name="Bildplatzhalter 7"/>
+          <p:cNvSpPr>
+            <a:spLocks noGrp="1"/>
+          </p:cNvSpPr>
+          <p:nvPr>
+            <p:ph type="pic" sz="quarter" idx="13"/>
+          </p:nvPr>
+        </p:nvSpPr>
+        <p:spPr>
+          <a:xfrm>
+            <a:off x="874711" y="1484313"/>
+            <a:ext cx="4300539" cy="1332000"/>
+          </a:xfrm>
+        </p:spPr>
+        <p:txBody>
+          <a:bodyPr/>
+          <a:lstStyle/>
+          <a:p>
+            <a:r>
+              <a:rPr lang="de-DE" dirty="0"/>
+              <a:t>Bild durch Klicken auf Symbol hinzufügen</a:t>
+            </a:r>
+          </a:p>
+        </p:txBody>
+      </p:sp>
+      <p:sp>
+        <p:nvSpPr>
+          <p:cNvPr id="10" name="Bildplatzhalter 7"/>
+          <p:cNvSpPr>
+            <a:spLocks noGrp="1"/>
+          </p:cNvSpPr>
+          <p:nvPr>
+            <p:ph type="pic" sz="quarter" idx="14"/>
+          </p:nvPr>
+        </p:nvSpPr>
+        <p:spPr>
+          <a:xfrm>
+            <a:off x="874712" y="2943181"/>
+            <a:ext cx="4300537" cy="1332000"/>
+          </a:xfrm>
+        </p:spPr>
+        <p:txBody>
+          <a:bodyPr/>
+          <a:lstStyle/>
+          <a:p>
+            <a:r>
+              <a:rPr lang="de-DE" dirty="0"/>
+              <a:t>Bild durch Klicken auf Symbol hinzufügen</a:t>
+            </a:r>
+          </a:p>
+        </p:txBody>
+      </p:sp>
+      <p:sp>
+        <p:nvSpPr>
+          <p:cNvPr id="11" name="Bildplatzhalter 7"/>
+          <p:cNvSpPr>
+            <a:spLocks noGrp="1"/>
+          </p:cNvSpPr>
+          <p:nvPr>
+            <p:ph type="pic" sz="quarter" idx="15"/>
+          </p:nvPr>
+        </p:nvSpPr>
+        <p:spPr>
+          <a:xfrm>
+            <a:off x="874710" y="4402050"/>
+            <a:ext cx="4300537" cy="1427249"/>
+          </a:xfrm>
+        </p:spPr>
+        <p:txBody>
+          <a:bodyPr/>
+          <a:lstStyle/>
+          <a:p>
+            <a:r>
+              <a:rPr lang="de-DE" dirty="0"/>
+              <a:t>Bild durch Klicken auf Symbol hinzufügen</a:t>
+            </a:r>
+          </a:p>
+        </p:txBody>
+      </p:sp>
+      <p:sp>
+        <p:nvSpPr>
+          <p:cNvPr id="4" name="Titel 3"/>
+          <p:cNvSpPr>
+            <a:spLocks noGrp="1"/>
+          </p:cNvSpPr>
+          <p:nvPr>
+            <p:ph type="title"/>
+          </p:nvPr>
+        </p:nvSpPr>
+        <p:spPr/>
+        <p:txBody>
+          <a:bodyPr/>
+          <a:lstStyle/>
+          <a:p>
+            <a:r>
+              <a:rPr lang="de-DE"/>
+              <a:t>Titelmasterformat durch Klicken bearbeiten</a:t>
+            </a:r>
+          </a:p>
+        </p:txBody>
+      </p:sp>
+      <p:sp>
+        <p:nvSpPr>
+          <p:cNvPr id="5" name="Inhaltsplatzhalter 4"/>
+          <p:cNvSpPr>
+            <a:spLocks noGrp="1"/>
+          </p:cNvSpPr>
+          <p:nvPr>
+            <p:ph sz="quarter" idx="16"/>
+          </p:nvPr>
+        </p:nvSpPr>
+        <p:spPr>
+          <a:xfrm>
+            <a:off x="5365750" y="1484313"/>
+            <a:ext cx="6089650" cy="4357687"/>
+          </a:xfrm>
+        </p:spPr>
+        <p:txBody>
+          <a:bodyPr/>
+          <a:lstStyle/>
+          <a:p>
+            <a:pPr lvl="0"/>
+            <a:r>
+              <a:rPr lang="de-DE"/>
+              <a:t>Formatvorlagen des Textmasters bearbeiten</a:t>
+            </a:r>
+          </a:p>
+          <a:p>
+            <a:pPr lvl="1"/>
+            <a:r>
+              <a:rPr lang="de-DE"/>
+              <a:t>Zweite Ebene</a:t>
+            </a:r>
+          </a:p>
+          <a:p>
+            <a:pPr lvl="2"/>
+            <a:r>
+              <a:rPr lang="de-DE"/>
+              <a:t>Dritte Ebene</a:t>
+            </a:r>
+          </a:p>
+          <a:p>
+            <a:pPr lvl="3"/>
+            <a:r>
+              <a:rPr lang="de-DE"/>
+              <a:t>Vierte Ebene</a:t>
+            </a:r>
+          </a:p>
+          <a:p>
+            <a:pPr lvl="4"/>
+            <a:r>
+              <a:rPr lang="de-DE"/>
+              <a:t>Fünfte Ebene</a:t>
+            </a:r>
+            <a:endParaRPr lang="de-DE" dirty="0"/>
+          </a:p>
+        </p:txBody>
+      </p:sp>
+    </p:spTree>
+    <p:extLst>
+      <p:ext uri="{BB962C8B-B14F-4D97-AF65-F5344CB8AC3E}">
+        <p14:creationId xmlns:p14="http://schemas.microsoft.com/office/powerpoint/2010/main" val="1291138792"/>
+      </p:ext>
+    </p:extLst>
+  </p:cSld>
+  <p:clrMapOvr>
+    <a:masterClrMapping/>
+  </p:clrMapOvr>
+  <p:hf hdr="0"/>
+</p:sldLayout>
+</file>
+
+<file path=ppt/slideLayouts/slideLayout21.xml><?xml version="1.0" encoding="utf-8"?>
+<p:sldLayout xmlns:a="http://schemas.openxmlformats.org/drawingml/2006/main" xmlns:r="http://schemas.openxmlformats.org/officeDocument/2006/relationships" xmlns:p="http://schemas.openxmlformats.org/presentationml/2006/main" preserve="1" userDrawn="1">
   <p:cSld name="5_2 Titel und 2 Inhalte">
     <p:spTree>
       <p:nvGrpSpPr>
@@ -4836,7 +5023,7 @@
 </p:sldLayout>
 </file>
 
-<file path=ppt/slideLayouts/slideLayout21.xml><?xml version="1.0" encoding="utf-8"?>
+<file path=ppt/slideLayouts/slideLayout22.xml><?xml version="1.0" encoding="utf-8"?>
 <p:sldLayout xmlns:a="http://schemas.openxmlformats.org/drawingml/2006/main" xmlns:r="http://schemas.openxmlformats.org/officeDocument/2006/relationships" xmlns:p="http://schemas.openxmlformats.org/presentationml/2006/main" preserve="1" userDrawn="1">
   <p:cSld name="6_Titel und 18 Bilder">
     <p:spTree>
@@ -5525,7 +5712,7 @@
 </p:sldLayout>
 </file>
 
-<file path=ppt/slideLayouts/slideLayout22.xml><?xml version="1.0" encoding="utf-8"?>
+<file path=ppt/slideLayouts/slideLayout23.xml><?xml version="1.0" encoding="utf-8"?>
 <p:sldLayout xmlns:a="http://schemas.openxmlformats.org/drawingml/2006/main" xmlns:r="http://schemas.openxmlformats.org/officeDocument/2006/relationships" xmlns:p="http://schemas.openxmlformats.org/presentationml/2006/main" preserve="1" userDrawn="1">
   <p:cSld name="6_Titel und 8 Bilder">
     <p:spTree>
@@ -5864,7 +6051,7 @@
 </p:sldLayout>
 </file>
 
-<file path=ppt/slideLayouts/slideLayout23.xml><?xml version="1.0" encoding="utf-8"?>
+<file path=ppt/slideLayouts/slideLayout24.xml><?xml version="1.0" encoding="utf-8"?>
 <p:sldLayout xmlns:a="http://schemas.openxmlformats.org/drawingml/2006/main" xmlns:r="http://schemas.openxmlformats.org/officeDocument/2006/relationships" xmlns:p="http://schemas.openxmlformats.org/presentationml/2006/main" preserve="1" userDrawn="1">
   <p:cSld name="6_Titel und 6 Bilder_">
     <p:spTree>
@@ -6133,7 +6320,7 @@
 </p:sldLayout>
 </file>
 
-<file path=ppt/slideLayouts/slideLayout24.xml><?xml version="1.0" encoding="utf-8"?>
+<file path=ppt/slideLayouts/slideLayout25.xml><?xml version="1.0" encoding="utf-8"?>
 <p:sldLayout xmlns:a="http://schemas.openxmlformats.org/drawingml/2006/main" xmlns:r="http://schemas.openxmlformats.org/officeDocument/2006/relationships" xmlns:p="http://schemas.openxmlformats.org/presentationml/2006/main" preserve="1">
   <p:cSld name="2_Nur Titel">
     <p:spTree>
@@ -6192,7 +6379,7 @@
 </p:sldLayout>
 </file>
 
-<file path=ppt/slideLayouts/slideLayout25.xml><?xml version="1.0" encoding="utf-8"?>
+<file path=ppt/slideLayouts/slideLayout26.xml><?xml version="1.0" encoding="utf-8"?>
 <p:sldLayout xmlns:a="http://schemas.openxmlformats.org/drawingml/2006/main" xmlns:r="http://schemas.openxmlformats.org/officeDocument/2006/relationships" xmlns:p="http://schemas.openxmlformats.org/presentationml/2006/main" preserve="1">
   <p:cSld name="1_Nur Titel">
     <p:spTree>
@@ -6278,7 +6465,7 @@
 </p:sldLayout>
 </file>
 
-<file path=ppt/slideLayouts/slideLayout26.xml><?xml version="1.0" encoding="utf-8"?>
+<file path=ppt/slideLayouts/slideLayout27.xml><?xml version="1.0" encoding="utf-8"?>
 <p:sldLayout xmlns:a="http://schemas.openxmlformats.org/drawingml/2006/main" xmlns:r="http://schemas.openxmlformats.org/officeDocument/2006/relationships" xmlns:p="http://schemas.openxmlformats.org/presentationml/2006/main" preserve="1">
   <p:cSld name="Leer">
     <p:spTree>
@@ -6336,7 +6523,7 @@
 </p:sldLayout>
 </file>
 
-<file path=ppt/slideLayouts/slideLayout27.xml><?xml version="1.0" encoding="utf-8"?>
+<file path=ppt/slideLayouts/slideLayout28.xml><?xml version="1.0" encoding="utf-8"?>
 <p:sldLayout xmlns:a="http://schemas.openxmlformats.org/drawingml/2006/main" xmlns:r="http://schemas.openxmlformats.org/officeDocument/2006/relationships" xmlns:p="http://schemas.openxmlformats.org/presentationml/2006/main" preserve="1" userDrawn="1">
   <p:cSld name="Benutzerdefiniertes Layout">
     <p:spTree>
@@ -6517,7 +6704,7 @@
 </p:sldLayout>
 </file>
 
-<file path=ppt/slideLayouts/slideLayout28.xml><?xml version="1.0" encoding="utf-8"?>
+<file path=ppt/slideLayouts/slideLayout29.xml><?xml version="1.0" encoding="utf-8"?>
 <p:sldLayout xmlns:a="http://schemas.openxmlformats.org/drawingml/2006/main" xmlns:r="http://schemas.openxmlformats.org/officeDocument/2006/relationships" xmlns:p="http://schemas.openxmlformats.org/presentationml/2006/main" preserve="1" userDrawn="1">
   <p:cSld name="1_Benutzerdefiniertes Layout">
     <p:spTree>
@@ -6697,187 +6884,6 @@
     <p:extLst>
       <p:ext uri="{BB962C8B-B14F-4D97-AF65-F5344CB8AC3E}">
         <p14:creationId xmlns:p14="http://schemas.microsoft.com/office/powerpoint/2010/main" val="305935932"/>
-      </p:ext>
-    </p:extLst>
-  </p:cSld>
-  <p:clrMapOvr>
-    <a:masterClrMapping/>
-  </p:clrMapOvr>
-</p:sldLayout>
-</file>
-
-<file path=ppt/slideLayouts/slideLayout29.xml><?xml version="1.0" encoding="utf-8"?>
-<p:sldLayout xmlns:a="http://schemas.openxmlformats.org/drawingml/2006/main" xmlns:r="http://schemas.openxmlformats.org/officeDocument/2006/relationships" xmlns:p="http://schemas.openxmlformats.org/presentationml/2006/main" preserve="1" userDrawn="1">
-  <p:cSld name="2_Benutzerdefiniertes Layout">
-    <p:spTree>
-      <p:nvGrpSpPr>
-        <p:cNvPr id="1" name=""/>
-        <p:cNvGrpSpPr/>
-        <p:nvPr/>
-      </p:nvGrpSpPr>
-      <p:grpSpPr>
-        <a:xfrm>
-          <a:off x="0" y="0"/>
-          <a:ext cx="0" cy="0"/>
-          <a:chOff x="0" y="0"/>
-          <a:chExt cx="0" cy="0"/>
-        </a:xfrm>
-      </p:grpSpPr>
-      <p:sp>
-        <p:nvSpPr>
-          <p:cNvPr id="3" name="Rechteck 2"/>
-          <p:cNvSpPr/>
-          <p:nvPr/>
-        </p:nvSpPr>
-        <p:spPr>
-          <a:xfrm>
-            <a:off x="0" y="2"/>
-            <a:ext cx="12192000" cy="6129336"/>
-          </a:xfrm>
-          <a:prstGeom prst="rect">
-            <a:avLst/>
-          </a:prstGeom>
-          <a:gradFill>
-            <a:gsLst>
-              <a:gs pos="14000">
-                <a:schemeClr val="accent5"/>
-              </a:gs>
-              <a:gs pos="100000">
-                <a:schemeClr val="accent4"/>
-              </a:gs>
-            </a:gsLst>
-            <a:lin ang="15000000" scaled="0"/>
-          </a:gradFill>
-          <a:ln>
-            <a:noFill/>
-          </a:ln>
-        </p:spPr>
-        <p:style>
-          <a:lnRef idx="2">
-            <a:schemeClr val="accent1">
-              <a:shade val="50000"/>
-            </a:schemeClr>
-          </a:lnRef>
-          <a:fillRef idx="1">
-            <a:schemeClr val="accent1"/>
-          </a:fillRef>
-          <a:effectRef idx="0">
-            <a:schemeClr val="accent1"/>
-          </a:effectRef>
-          <a:fontRef idx="minor">
-            <a:schemeClr val="lt1"/>
-          </a:fontRef>
-        </p:style>
-        <p:txBody>
-          <a:bodyPr rtlCol="0" anchor="ctr"/>
-          <a:lstStyle/>
-          <a:p>
-            <a:pPr algn="ctr"/>
-            <a:endParaRPr lang="de-DE" sz="1800" dirty="0"/>
-          </a:p>
-        </p:txBody>
-      </p:sp>
-      <p:sp>
-        <p:nvSpPr>
-          <p:cNvPr id="4" name="Titel 1"/>
-          <p:cNvSpPr>
-            <a:spLocks noGrp="1"/>
-          </p:cNvSpPr>
-          <p:nvPr>
-            <p:ph type="title" hasCustomPrompt="1"/>
-          </p:nvPr>
-        </p:nvSpPr>
-        <p:spPr>
-          <a:xfrm>
-            <a:off x="882771" y="3835706"/>
-            <a:ext cx="3881437" cy="492443"/>
-          </a:xfrm>
-          <a:noFill/>
-          <a:ln>
-            <a:noFill/>
-          </a:ln>
-        </p:spPr>
-        <p:txBody>
-          <a:bodyPr wrap="none" lIns="0">
-            <a:spAutoFit/>
-          </a:bodyPr>
-          <a:lstStyle>
-            <a:lvl1pPr>
-              <a:defRPr sz="3200" b="1">
-                <a:solidFill>
-                  <a:schemeClr val="bg1"/>
-                </a:solidFill>
-              </a:defRPr>
-            </a:lvl1pPr>
-          </a:lstStyle>
-          <a:p>
-            <a:r>
-              <a:rPr lang="de-DE" dirty="0"/>
-              <a:t>Titelmasterformat</a:t>
-            </a:r>
-          </a:p>
-        </p:txBody>
-      </p:sp>
-      <p:sp>
-        <p:nvSpPr>
-          <p:cNvPr id="5" name="Textplatzhalter 5">
-            <a:extLst>
-              <a:ext uri="{FF2B5EF4-FFF2-40B4-BE49-F238E27FC236}">
-                <a16:creationId xmlns:a16="http://schemas.microsoft.com/office/drawing/2014/main" id="{AB2194A4-CBE4-4A84-B1E9-D417CDD94A30}"/>
-              </a:ext>
-            </a:extLst>
-          </p:cNvPr>
-          <p:cNvSpPr>
-            <a:spLocks noGrp="1"/>
-          </p:cNvSpPr>
-          <p:nvPr>
-            <p:ph type="body" sz="quarter" idx="12" hasCustomPrompt="1"/>
-          </p:nvPr>
-        </p:nvSpPr>
-        <p:spPr>
-          <a:xfrm>
-            <a:off x="882770" y="4375609"/>
-            <a:ext cx="4694293" cy="492443"/>
-          </a:xfrm>
-          <a:prstGeom prst="rect">
-            <a:avLst/>
-          </a:prstGeom>
-          <a:noFill/>
-        </p:spPr>
-        <p:txBody>
-          <a:bodyPr wrap="none" lIns="0">
-            <a:spAutoFit/>
-          </a:bodyPr>
-          <a:lstStyle>
-            <a:lvl1pPr>
-              <a:defRPr sz="3200" b="0">
-                <a:solidFill>
-                  <a:schemeClr val="bg1"/>
-                </a:solidFill>
-              </a:defRPr>
-            </a:lvl1pPr>
-            <a:lvl3pPr marL="72000" indent="0">
-              <a:buNone/>
-              <a:defRPr/>
-            </a:lvl3pPr>
-            <a:lvl4pPr marL="180000" indent="0">
-              <a:buNone/>
-              <a:defRPr/>
-            </a:lvl4pPr>
-          </a:lstStyle>
-          <a:p>
-            <a:pPr lvl="0"/>
-            <a:r>
-              <a:rPr lang="de-DE" dirty="0"/>
-              <a:t>durch Kicken bearbeiten</a:t>
-            </a:r>
-          </a:p>
-        </p:txBody>
-      </p:sp>
-    </p:spTree>
-    <p:extLst>
-      <p:ext uri="{BB962C8B-B14F-4D97-AF65-F5344CB8AC3E}">
-        <p14:creationId xmlns:p14="http://schemas.microsoft.com/office/powerpoint/2010/main" val="1742841881"/>
       </p:ext>
     </p:extLst>
   </p:cSld>
@@ -7410,6 +7416,187 @@
 </file>
 
 <file path=ppt/slideLayouts/slideLayout30.xml><?xml version="1.0" encoding="utf-8"?>
+<p:sldLayout xmlns:a="http://schemas.openxmlformats.org/drawingml/2006/main" xmlns:r="http://schemas.openxmlformats.org/officeDocument/2006/relationships" xmlns:p="http://schemas.openxmlformats.org/presentationml/2006/main" preserve="1" userDrawn="1">
+  <p:cSld name="2_Benutzerdefiniertes Layout">
+    <p:spTree>
+      <p:nvGrpSpPr>
+        <p:cNvPr id="1" name=""/>
+        <p:cNvGrpSpPr/>
+        <p:nvPr/>
+      </p:nvGrpSpPr>
+      <p:grpSpPr>
+        <a:xfrm>
+          <a:off x="0" y="0"/>
+          <a:ext cx="0" cy="0"/>
+          <a:chOff x="0" y="0"/>
+          <a:chExt cx="0" cy="0"/>
+        </a:xfrm>
+      </p:grpSpPr>
+      <p:sp>
+        <p:nvSpPr>
+          <p:cNvPr id="3" name="Rechteck 2"/>
+          <p:cNvSpPr/>
+          <p:nvPr/>
+        </p:nvSpPr>
+        <p:spPr>
+          <a:xfrm>
+            <a:off x="0" y="2"/>
+            <a:ext cx="12192000" cy="6129336"/>
+          </a:xfrm>
+          <a:prstGeom prst="rect">
+            <a:avLst/>
+          </a:prstGeom>
+          <a:gradFill>
+            <a:gsLst>
+              <a:gs pos="14000">
+                <a:schemeClr val="accent5"/>
+              </a:gs>
+              <a:gs pos="100000">
+                <a:schemeClr val="accent4"/>
+              </a:gs>
+            </a:gsLst>
+            <a:lin ang="15000000" scaled="0"/>
+          </a:gradFill>
+          <a:ln>
+            <a:noFill/>
+          </a:ln>
+        </p:spPr>
+        <p:style>
+          <a:lnRef idx="2">
+            <a:schemeClr val="accent1">
+              <a:shade val="50000"/>
+            </a:schemeClr>
+          </a:lnRef>
+          <a:fillRef idx="1">
+            <a:schemeClr val="accent1"/>
+          </a:fillRef>
+          <a:effectRef idx="0">
+            <a:schemeClr val="accent1"/>
+          </a:effectRef>
+          <a:fontRef idx="minor">
+            <a:schemeClr val="lt1"/>
+          </a:fontRef>
+        </p:style>
+        <p:txBody>
+          <a:bodyPr rtlCol="0" anchor="ctr"/>
+          <a:lstStyle/>
+          <a:p>
+            <a:pPr algn="ctr"/>
+            <a:endParaRPr lang="de-DE" sz="1800" dirty="0"/>
+          </a:p>
+        </p:txBody>
+      </p:sp>
+      <p:sp>
+        <p:nvSpPr>
+          <p:cNvPr id="4" name="Titel 1"/>
+          <p:cNvSpPr>
+            <a:spLocks noGrp="1"/>
+          </p:cNvSpPr>
+          <p:nvPr>
+            <p:ph type="title" hasCustomPrompt="1"/>
+          </p:nvPr>
+        </p:nvSpPr>
+        <p:spPr>
+          <a:xfrm>
+            <a:off x="882771" y="3835706"/>
+            <a:ext cx="3881437" cy="492443"/>
+          </a:xfrm>
+          <a:noFill/>
+          <a:ln>
+            <a:noFill/>
+          </a:ln>
+        </p:spPr>
+        <p:txBody>
+          <a:bodyPr wrap="none" lIns="0">
+            <a:spAutoFit/>
+          </a:bodyPr>
+          <a:lstStyle>
+            <a:lvl1pPr>
+              <a:defRPr sz="3200" b="1">
+                <a:solidFill>
+                  <a:schemeClr val="bg1"/>
+                </a:solidFill>
+              </a:defRPr>
+            </a:lvl1pPr>
+          </a:lstStyle>
+          <a:p>
+            <a:r>
+              <a:rPr lang="de-DE" dirty="0"/>
+              <a:t>Titelmasterformat</a:t>
+            </a:r>
+          </a:p>
+        </p:txBody>
+      </p:sp>
+      <p:sp>
+        <p:nvSpPr>
+          <p:cNvPr id="5" name="Textplatzhalter 5">
+            <a:extLst>
+              <a:ext uri="{FF2B5EF4-FFF2-40B4-BE49-F238E27FC236}">
+                <a16:creationId xmlns:a16="http://schemas.microsoft.com/office/drawing/2014/main" id="{AB2194A4-CBE4-4A84-B1E9-D417CDD94A30}"/>
+              </a:ext>
+            </a:extLst>
+          </p:cNvPr>
+          <p:cNvSpPr>
+            <a:spLocks noGrp="1"/>
+          </p:cNvSpPr>
+          <p:nvPr>
+            <p:ph type="body" sz="quarter" idx="12" hasCustomPrompt="1"/>
+          </p:nvPr>
+        </p:nvSpPr>
+        <p:spPr>
+          <a:xfrm>
+            <a:off x="882770" y="4375609"/>
+            <a:ext cx="4694293" cy="492443"/>
+          </a:xfrm>
+          <a:prstGeom prst="rect">
+            <a:avLst/>
+          </a:prstGeom>
+          <a:noFill/>
+        </p:spPr>
+        <p:txBody>
+          <a:bodyPr wrap="none" lIns="0">
+            <a:spAutoFit/>
+          </a:bodyPr>
+          <a:lstStyle>
+            <a:lvl1pPr>
+              <a:defRPr sz="3200" b="0">
+                <a:solidFill>
+                  <a:schemeClr val="bg1"/>
+                </a:solidFill>
+              </a:defRPr>
+            </a:lvl1pPr>
+            <a:lvl3pPr marL="72000" indent="0">
+              <a:buNone/>
+              <a:defRPr/>
+            </a:lvl3pPr>
+            <a:lvl4pPr marL="180000" indent="0">
+              <a:buNone/>
+              <a:defRPr/>
+            </a:lvl4pPr>
+          </a:lstStyle>
+          <a:p>
+            <a:pPr lvl="0"/>
+            <a:r>
+              <a:rPr lang="de-DE" dirty="0"/>
+              <a:t>durch Kicken bearbeiten</a:t>
+            </a:r>
+          </a:p>
+        </p:txBody>
+      </p:sp>
+    </p:spTree>
+    <p:extLst>
+      <p:ext uri="{BB962C8B-B14F-4D97-AF65-F5344CB8AC3E}">
+        <p14:creationId xmlns:p14="http://schemas.microsoft.com/office/powerpoint/2010/main" val="1742841881"/>
+      </p:ext>
+    </p:extLst>
+  </p:cSld>
+  <p:clrMapOvr>
+    <a:masterClrMapping/>
+  </p:clrMapOvr>
+</p:sldLayout>
+</file>
+
+<file path=ppt/slideLayouts/slideLayout31.xml><?xml version="1.0" encoding="utf-8"?>
 <p:sldLayout xmlns:a="http://schemas.openxmlformats.org/drawingml/2006/main" xmlns:r="http://schemas.openxmlformats.org/officeDocument/2006/relationships" xmlns:p="http://schemas.openxmlformats.org/presentationml/2006/main" preserve="1" userDrawn="1">
   <p:cSld name="3_Benutzerdefiniertes Layout">
     <p:spTree>
@@ -11194,7 +11381,7 @@
                 <a:tabLst/>
                 <a:defRPr/>
               </a:pPr>
-              <a:t>‹#›</a:t>
+              <a:t>‹Nr.›</a:t>
             </a:fld>
             <a:endParaRPr lang="de-DE" sz="800" baseline="0" dirty="0">
               <a:solidFill>
@@ -11243,7 +11430,7 @@
           <p:nvPr userDrawn="1"/>
         </p:nvPicPr>
         <p:blipFill>
-          <a:blip r:embed="rId32" cstate="print">
+          <a:blip r:embed="rId33" cstate="print">
             <a:extLst>
               <a:ext uri="{28A0092B-C50C-407E-A947-70E740481C1C}">
                 <a14:useLocalDpi xmlns:a14="http://schemas.microsoft.com/office/drawing/2010/main" val="0"/>
@@ -11285,24 +11472,25 @@
     <p:sldLayoutId id="2147483911" r:id="rId10"/>
     <p:sldLayoutId id="2147483912" r:id="rId11"/>
     <p:sldLayoutId id="2147483894" r:id="rId12"/>
-    <p:sldLayoutId id="2147483913" r:id="rId13"/>
-    <p:sldLayoutId id="2147483897" r:id="rId14"/>
-    <p:sldLayoutId id="2147483914" r:id="rId15"/>
-    <p:sldLayoutId id="2147483915" r:id="rId16"/>
-    <p:sldLayoutId id="2147483916" r:id="rId17"/>
-    <p:sldLayoutId id="2147483899" r:id="rId18"/>
-    <p:sldLayoutId id="2147483896" r:id="rId19"/>
-    <p:sldLayoutId id="2147483900" r:id="rId20"/>
-    <p:sldLayoutId id="2147483901" r:id="rId21"/>
-    <p:sldLayoutId id="2147483918" r:id="rId22"/>
-    <p:sldLayoutId id="2147483919" r:id="rId23"/>
-    <p:sldLayoutId id="2147483917" r:id="rId24"/>
-    <p:sldLayoutId id="2147483902" r:id="rId25"/>
-    <p:sldLayoutId id="2147483903" r:id="rId26"/>
-    <p:sldLayoutId id="2147483895" r:id="rId27"/>
-    <p:sldLayoutId id="2147483920" r:id="rId28"/>
-    <p:sldLayoutId id="2147483921" r:id="rId29"/>
-    <p:sldLayoutId id="2147483922" r:id="rId30"/>
+    <p:sldLayoutId id="2147483923" r:id="rId13"/>
+    <p:sldLayoutId id="2147483913" r:id="rId14"/>
+    <p:sldLayoutId id="2147483897" r:id="rId15"/>
+    <p:sldLayoutId id="2147483914" r:id="rId16"/>
+    <p:sldLayoutId id="2147483915" r:id="rId17"/>
+    <p:sldLayoutId id="2147483916" r:id="rId18"/>
+    <p:sldLayoutId id="2147483899" r:id="rId19"/>
+    <p:sldLayoutId id="2147483896" r:id="rId20"/>
+    <p:sldLayoutId id="2147483900" r:id="rId21"/>
+    <p:sldLayoutId id="2147483901" r:id="rId22"/>
+    <p:sldLayoutId id="2147483918" r:id="rId23"/>
+    <p:sldLayoutId id="2147483919" r:id="rId24"/>
+    <p:sldLayoutId id="2147483917" r:id="rId25"/>
+    <p:sldLayoutId id="2147483902" r:id="rId26"/>
+    <p:sldLayoutId id="2147483903" r:id="rId27"/>
+    <p:sldLayoutId id="2147483895" r:id="rId28"/>
+    <p:sldLayoutId id="2147483920" r:id="rId29"/>
+    <p:sldLayoutId id="2147483921" r:id="rId30"/>
+    <p:sldLayoutId id="2147483922" r:id="rId31"/>
   </p:sldLayoutIdLst>
   <p:hf hdr="0"/>
   <p:txStyles>
@@ -11999,6 +12187,2782 @@
 </p:sld>
 </file>
 
+<file path=ppt/slides/slide10.xml><?xml version="1.0" encoding="utf-8"?>
+<p:sld xmlns:a="http://schemas.openxmlformats.org/drawingml/2006/main" xmlns:r="http://schemas.openxmlformats.org/officeDocument/2006/relationships" xmlns:p="http://schemas.openxmlformats.org/presentationml/2006/main">
+  <p:cSld>
+    <p:spTree>
+      <p:nvGrpSpPr>
+        <p:cNvPr id="1" name=""/>
+        <p:cNvGrpSpPr/>
+        <p:nvPr/>
+      </p:nvGrpSpPr>
+      <p:grpSpPr>
+        <a:xfrm>
+          <a:off x="0" y="0"/>
+          <a:ext cx="0" cy="0"/>
+          <a:chOff x="0" y="0"/>
+          <a:chExt cx="0" cy="0"/>
+        </a:xfrm>
+      </p:grpSpPr>
+      <p:pic>
+        <p:nvPicPr>
+          <p:cNvPr id="6" name="Inhaltsplatzhalter 5" descr="Ein Bild, das Diagramm, Reihe enthält.&#10;&#10;KI-generierte Inhalte können fehlerhaft sein.">
+            <a:extLst>
+              <a:ext uri="{FF2B5EF4-FFF2-40B4-BE49-F238E27FC236}">
+                <a16:creationId xmlns:a16="http://schemas.microsoft.com/office/drawing/2014/main" id="{E10994A3-7237-85EB-1E22-B6E2DCAF9FA2}"/>
+              </a:ext>
+            </a:extLst>
+          </p:cNvPr>
+          <p:cNvPicPr>
+            <a:picLocks noGrp="1" noChangeAspect="1"/>
+          </p:cNvPicPr>
+          <p:nvPr>
+            <p:ph sz="quarter" idx="10"/>
+          </p:nvPr>
+        </p:nvPicPr>
+        <p:blipFill>
+          <a:blip r:embed="rId2" cstate="print">
+            <a:extLst>
+              <a:ext uri="{28A0092B-C50C-407E-A947-70E740481C1C}">
+                <a14:useLocalDpi xmlns:a14="http://schemas.microsoft.com/office/drawing/2010/main" val="0"/>
+              </a:ext>
+            </a:extLst>
+          </a:blip>
+          <a:srcRect l="12189" r="12289"/>
+          <a:stretch>
+            <a:fillRect/>
+          </a:stretch>
+        </p:blipFill>
+        <p:spPr>
+          <a:xfrm>
+            <a:off x="6903718" y="1420019"/>
+            <a:ext cx="4551680" cy="4017962"/>
+          </a:xfrm>
+        </p:spPr>
+      </p:pic>
+      <p:sp>
+        <p:nvSpPr>
+          <p:cNvPr id="3" name="Textplatzhalter 2">
+            <a:extLst>
+              <a:ext uri="{FF2B5EF4-FFF2-40B4-BE49-F238E27FC236}">
+                <a16:creationId xmlns:a16="http://schemas.microsoft.com/office/drawing/2014/main" id="{91354457-F916-F646-2A39-6791EAEED379}"/>
+              </a:ext>
+            </a:extLst>
+          </p:cNvPr>
+          <p:cNvSpPr>
+            <a:spLocks noGrp="1"/>
+          </p:cNvSpPr>
+          <p:nvPr>
+            <p:ph type="body" sz="quarter" idx="11"/>
+          </p:nvPr>
+        </p:nvSpPr>
+        <p:spPr/>
+        <p:txBody>
+          <a:bodyPr/>
+          <a:lstStyle/>
+          <a:p>
+            <a:r>
+              <a:rPr lang="en-GB" dirty="0"/>
+              <a:t>Shoelace formula</a:t>
+            </a:r>
+            <a:endParaRPr lang="en-DE" dirty="0"/>
+          </a:p>
+        </p:txBody>
+      </p:sp>
+      <p:sp>
+        <p:nvSpPr>
+          <p:cNvPr id="4" name="Titel 3">
+            <a:extLst>
+              <a:ext uri="{FF2B5EF4-FFF2-40B4-BE49-F238E27FC236}">
+                <a16:creationId xmlns:a16="http://schemas.microsoft.com/office/drawing/2014/main" id="{3333B5AF-5A40-ED80-341C-59EB07478ED9}"/>
+              </a:ext>
+            </a:extLst>
+          </p:cNvPr>
+          <p:cNvSpPr>
+            <a:spLocks noGrp="1"/>
+          </p:cNvSpPr>
+          <p:nvPr>
+            <p:ph type="title"/>
+          </p:nvPr>
+        </p:nvSpPr>
+        <p:spPr/>
+        <p:txBody>
+          <a:bodyPr/>
+          <a:lstStyle/>
+          <a:p>
+            <a:r>
+              <a:rPr lang="en-GB" dirty="0"/>
+              <a:t>1. DF model and dynamics</a:t>
+            </a:r>
+            <a:endParaRPr lang="en-DE" dirty="0"/>
+          </a:p>
+        </p:txBody>
+      </p:sp>
+      <mc:AlternateContent xmlns:mc="http://schemas.openxmlformats.org/markup-compatibility/2006" xmlns:a14="http://schemas.microsoft.com/office/drawing/2010/main">
+        <mc:Choice Requires="a14">
+          <p:sp>
+            <p:nvSpPr>
+              <p:cNvPr id="7" name="Textfeld 6">
+                <a:extLst>
+                  <a:ext uri="{FF2B5EF4-FFF2-40B4-BE49-F238E27FC236}">
+                    <a16:creationId xmlns:a16="http://schemas.microsoft.com/office/drawing/2014/main" id="{712B93C2-CF8B-0D6A-3F2E-379258A08F77}"/>
+                  </a:ext>
+                </a:extLst>
+              </p:cNvPr>
+              <p:cNvSpPr txBox="1"/>
+              <p:nvPr/>
+            </p:nvSpPr>
+            <p:spPr>
+              <a:xfrm>
+                <a:off x="884871" y="1676400"/>
+                <a:ext cx="5693729" cy="5865195"/>
+              </a:xfrm>
+              <a:prstGeom prst="rect">
+                <a:avLst/>
+              </a:prstGeom>
+              <a:noFill/>
+            </p:spPr>
+            <p:txBody>
+              <a:bodyPr wrap="square" rtlCol="0">
+                <a:spAutoFit/>
+              </a:bodyPr>
+              <a:lstStyle/>
+              <a:p>
+                <a:pPr marL="285750" indent="-285750">
+                  <a:lnSpc>
+                    <a:spcPct val="150000"/>
+                  </a:lnSpc>
+                  <a:buFont typeface="Arial" panose="020B0604020202020204" pitchFamily="34" charset="0"/>
+                  <a:buChar char="•"/>
+                </a:pPr>
+                <a:r>
+                  <a:rPr lang="en-GB" sz="2400" dirty="0">
+                    <a:solidFill>
+                      <a:schemeClr val="accent1"/>
+                    </a:solidFill>
+                  </a:rPr>
+                  <a:t>Used for computing area of a simple polygon </a:t>
+                </a:r>
+              </a:p>
+              <a:p>
+                <a:pPr marL="285750" indent="-285750">
+                  <a:lnSpc>
+                    <a:spcPct val="150000"/>
+                  </a:lnSpc>
+                  <a:buFont typeface="Arial" panose="020B0604020202020204" pitchFamily="34" charset="0"/>
+                  <a:buChar char="•"/>
+                </a:pPr>
+                <a14:m>
+                  <m:oMath xmlns:m="http://schemas.openxmlformats.org/officeDocument/2006/math">
+                    <m:sSub>
+                      <m:sSubPr>
+                        <m:ctrlPr>
+                          <a:rPr lang="en-GB" sz="2400" b="0" i="1" smtClean="0">
+                            <a:solidFill>
+                              <a:schemeClr val="accent1"/>
+                            </a:solidFill>
+                            <a:latin typeface="Cambria Math" panose="02040503050406030204" pitchFamily="18" charset="0"/>
+                          </a:rPr>
+                        </m:ctrlPr>
+                      </m:sSubPr>
+                      <m:e>
+                        <m:r>
+                          <a:rPr lang="en-GB" sz="2400" b="0" i="1" smtClean="0">
+                            <a:solidFill>
+                              <a:schemeClr val="accent1"/>
+                            </a:solidFill>
+                            <a:latin typeface="Cambria Math" panose="02040503050406030204" pitchFamily="18" charset="0"/>
+                          </a:rPr>
+                          <m:t>𝐴</m:t>
+                        </m:r>
+                      </m:e>
+                      <m:sub>
+                        <m:r>
+                          <a:rPr lang="en-GB" sz="2400" b="0" i="1" smtClean="0">
+                            <a:solidFill>
+                              <a:schemeClr val="accent1"/>
+                            </a:solidFill>
+                            <a:latin typeface="Cambria Math" panose="02040503050406030204" pitchFamily="18" charset="0"/>
+                          </a:rPr>
+                          <m:t>𝑇𝑟𝑎𝑝𝑒𝑧𝑒</m:t>
+                        </m:r>
+                      </m:sub>
+                    </m:sSub>
+                    <m:r>
+                      <a:rPr lang="en-GB" sz="2400" b="0" i="1" smtClean="0">
+                        <a:solidFill>
+                          <a:schemeClr val="accent1"/>
+                        </a:solidFill>
+                        <a:latin typeface="Cambria Math" panose="02040503050406030204" pitchFamily="18" charset="0"/>
+                      </a:rPr>
+                      <m:t>=</m:t>
+                    </m:r>
+                    <m:f>
+                      <m:fPr>
+                        <m:ctrlPr>
+                          <a:rPr lang="en-GB" sz="2400" b="0" i="1" smtClean="0">
+                            <a:solidFill>
+                              <a:schemeClr val="accent1"/>
+                            </a:solidFill>
+                            <a:latin typeface="Cambria Math" panose="02040503050406030204" pitchFamily="18" charset="0"/>
+                          </a:rPr>
+                        </m:ctrlPr>
+                      </m:fPr>
+                      <m:num>
+                        <m:r>
+                          <a:rPr lang="en-GB" sz="2400" b="0" i="1" smtClean="0">
+                            <a:solidFill>
+                              <a:srgbClr val="7030A0"/>
+                            </a:solidFill>
+                            <a:latin typeface="Cambria Math" panose="02040503050406030204" pitchFamily="18" charset="0"/>
+                          </a:rPr>
+                          <m:t>h</m:t>
+                        </m:r>
+                      </m:num>
+                      <m:den>
+                        <m:r>
+                          <a:rPr lang="en-GB" sz="2400" b="0" i="1" smtClean="0">
+                            <a:solidFill>
+                              <a:schemeClr val="accent1"/>
+                            </a:solidFill>
+                            <a:latin typeface="Cambria Math" panose="02040503050406030204" pitchFamily="18" charset="0"/>
+                          </a:rPr>
+                          <m:t>2</m:t>
+                        </m:r>
+                      </m:den>
+                    </m:f>
+                    <m:r>
+                      <a:rPr lang="en-GB" sz="2400" b="0" i="1" smtClean="0">
+                        <a:solidFill>
+                          <a:schemeClr val="accent1"/>
+                        </a:solidFill>
+                        <a:latin typeface="Cambria Math" panose="02040503050406030204" pitchFamily="18" charset="0"/>
+                      </a:rPr>
+                      <m:t>(</m:t>
+                    </m:r>
+                    <m:r>
+                      <a:rPr lang="en-GB" sz="2400" b="0" i="1" smtClean="0">
+                        <a:solidFill>
+                          <a:srgbClr val="00B0F0"/>
+                        </a:solidFill>
+                        <a:latin typeface="Cambria Math" panose="02040503050406030204" pitchFamily="18" charset="0"/>
+                      </a:rPr>
+                      <m:t>𝑎</m:t>
+                    </m:r>
+                    <m:r>
+                      <a:rPr lang="en-GB" sz="2400" b="0" i="1" smtClean="0">
+                        <a:solidFill>
+                          <a:srgbClr val="00B0F0"/>
+                        </a:solidFill>
+                        <a:latin typeface="Cambria Math" panose="02040503050406030204" pitchFamily="18" charset="0"/>
+                      </a:rPr>
+                      <m:t>+</m:t>
+                    </m:r>
+                    <m:r>
+                      <a:rPr lang="en-GB" sz="2400" b="0" i="1" smtClean="0">
+                        <a:solidFill>
+                          <a:srgbClr val="00B0F0"/>
+                        </a:solidFill>
+                        <a:latin typeface="Cambria Math" panose="02040503050406030204" pitchFamily="18" charset="0"/>
+                      </a:rPr>
+                      <m:t>𝑏</m:t>
+                    </m:r>
+                    <m:r>
+                      <a:rPr lang="en-GB" sz="2400" b="0" i="1" smtClean="0">
+                        <a:solidFill>
+                          <a:schemeClr val="accent1"/>
+                        </a:solidFill>
+                        <a:latin typeface="Cambria Math" panose="02040503050406030204" pitchFamily="18" charset="0"/>
+                      </a:rPr>
+                      <m:t>)</m:t>
+                    </m:r>
+                  </m:oMath>
+                </a14:m>
+                <a:endParaRPr lang="en-GB" sz="2400" dirty="0">
+                  <a:solidFill>
+                    <a:schemeClr val="accent1"/>
+                  </a:solidFill>
+                </a:endParaRPr>
+              </a:p>
+              <a:p>
+                <a:pPr marL="285750" indent="-285750">
+                  <a:buFont typeface="Arial" panose="020B0604020202020204" pitchFamily="34" charset="0"/>
+                  <a:buChar char="•"/>
+                </a:pPr>
+                <a14:m>
+                  <m:oMath xmlns:m="http://schemas.openxmlformats.org/officeDocument/2006/math">
+                    <m:r>
+                      <a:rPr lang="en-GB" sz="2400" b="0" i="1" smtClean="0">
+                        <a:solidFill>
+                          <a:srgbClr val="7030A0"/>
+                        </a:solidFill>
+                        <a:latin typeface="Cambria Math" panose="02040503050406030204" pitchFamily="18" charset="0"/>
+                      </a:rPr>
+                      <m:t>h</m:t>
+                    </m:r>
+                    <m:r>
+                      <a:rPr lang="en-GB" sz="2400" b="0" i="1" smtClean="0">
+                        <a:solidFill>
+                          <a:srgbClr val="7030A0"/>
+                        </a:solidFill>
+                        <a:latin typeface="Cambria Math" panose="02040503050406030204" pitchFamily="18" charset="0"/>
+                      </a:rPr>
+                      <m:t>→</m:t>
+                    </m:r>
+                    <m:sSubSup>
+                      <m:sSubSupPr>
+                        <m:ctrlPr>
+                          <a:rPr lang="en-GB" sz="2400" b="0" i="1" smtClean="0">
+                            <a:solidFill>
+                              <a:srgbClr val="7030A0"/>
+                            </a:solidFill>
+                            <a:latin typeface="Cambria Math" panose="02040503050406030204" pitchFamily="18" charset="0"/>
+                          </a:rPr>
+                        </m:ctrlPr>
+                      </m:sSubSupPr>
+                      <m:e>
+                        <m:r>
+                          <a:rPr lang="en-GB" sz="2400" b="0" i="1" smtClean="0">
+                            <a:solidFill>
+                              <a:srgbClr val="7030A0"/>
+                            </a:solidFill>
+                            <a:latin typeface="Cambria Math" panose="02040503050406030204" pitchFamily="18" charset="0"/>
+                          </a:rPr>
+                          <m:t>𝑣</m:t>
+                        </m:r>
+                      </m:e>
+                      <m:sub>
+                        <m:r>
+                          <a:rPr lang="en-GB" sz="2400" b="0" i="1" smtClean="0">
+                            <a:solidFill>
+                              <a:srgbClr val="7030A0"/>
+                            </a:solidFill>
+                            <a:latin typeface="Cambria Math" panose="02040503050406030204" pitchFamily="18" charset="0"/>
+                          </a:rPr>
+                          <m:t>𝑗</m:t>
+                        </m:r>
+                      </m:sub>
+                      <m:sup>
+                        <m:r>
+                          <a:rPr lang="en-GB" sz="2400" b="0" i="1" smtClean="0">
+                            <a:solidFill>
+                              <a:srgbClr val="7030A0"/>
+                            </a:solidFill>
+                            <a:latin typeface="Cambria Math" panose="02040503050406030204" pitchFamily="18" charset="0"/>
+                          </a:rPr>
+                          <m:t>𝑥</m:t>
+                        </m:r>
+                      </m:sup>
+                    </m:sSubSup>
+                    <m:r>
+                      <a:rPr lang="en-GB" sz="2400" b="0" i="1" smtClean="0">
+                        <a:solidFill>
+                          <a:srgbClr val="7030A0"/>
+                        </a:solidFill>
+                        <a:latin typeface="Cambria Math" panose="02040503050406030204" pitchFamily="18" charset="0"/>
+                      </a:rPr>
+                      <m:t>− </m:t>
+                    </m:r>
+                    <m:sSubSup>
+                      <m:sSubSupPr>
+                        <m:ctrlPr>
+                          <a:rPr lang="en-GB" sz="2400" i="1">
+                            <a:solidFill>
+                              <a:srgbClr val="7030A0"/>
+                            </a:solidFill>
+                            <a:latin typeface="Cambria Math" panose="02040503050406030204" pitchFamily="18" charset="0"/>
+                          </a:rPr>
+                        </m:ctrlPr>
+                      </m:sSubSupPr>
+                      <m:e>
+                        <m:r>
+                          <a:rPr lang="en-GB" sz="2400" i="1">
+                            <a:solidFill>
+                              <a:srgbClr val="7030A0"/>
+                            </a:solidFill>
+                            <a:latin typeface="Cambria Math" panose="02040503050406030204" pitchFamily="18" charset="0"/>
+                          </a:rPr>
+                          <m:t>𝑣</m:t>
+                        </m:r>
+                      </m:e>
+                      <m:sub>
+                        <m:r>
+                          <a:rPr lang="en-GB" sz="2400" i="1">
+                            <a:solidFill>
+                              <a:srgbClr val="7030A0"/>
+                            </a:solidFill>
+                            <a:latin typeface="Cambria Math" panose="02040503050406030204" pitchFamily="18" charset="0"/>
+                          </a:rPr>
+                          <m:t>𝑗</m:t>
+                        </m:r>
+                        <m:r>
+                          <a:rPr lang="en-GB" sz="2400" b="0" i="1" smtClean="0">
+                            <a:solidFill>
+                              <a:srgbClr val="7030A0"/>
+                            </a:solidFill>
+                            <a:latin typeface="Cambria Math" panose="02040503050406030204" pitchFamily="18" charset="0"/>
+                          </a:rPr>
+                          <m:t>+1</m:t>
+                        </m:r>
+                      </m:sub>
+                      <m:sup>
+                        <m:r>
+                          <a:rPr lang="en-GB" sz="2400" i="1">
+                            <a:solidFill>
+                              <a:srgbClr val="7030A0"/>
+                            </a:solidFill>
+                            <a:latin typeface="Cambria Math" panose="02040503050406030204" pitchFamily="18" charset="0"/>
+                          </a:rPr>
+                          <m:t>𝑥</m:t>
+                        </m:r>
+                      </m:sup>
+                    </m:sSubSup>
+                  </m:oMath>
+                </a14:m>
+                <a:r>
+                  <a:rPr lang="en-GB" sz="2400" dirty="0">
+                    <a:solidFill>
+                      <a:schemeClr val="accent1"/>
+                    </a:solidFill>
+                  </a:rPr>
+                  <a:t>,</a:t>
+                </a:r>
+              </a:p>
+              <a:p>
+                <a:pPr marL="285750" indent="-285750">
+                  <a:buFont typeface="Arial" panose="020B0604020202020204" pitchFamily="34" charset="0"/>
+                  <a:buChar char="•"/>
+                </a:pPr>
+                <a14:m>
+                  <m:oMath xmlns:m="http://schemas.openxmlformats.org/officeDocument/2006/math">
+                    <m:r>
+                      <a:rPr lang="en-GB" sz="2400" b="0" i="1" smtClean="0">
+                        <a:solidFill>
+                          <a:srgbClr val="00B0F0"/>
+                        </a:solidFill>
+                        <a:latin typeface="Cambria Math" panose="02040503050406030204" pitchFamily="18" charset="0"/>
+                      </a:rPr>
+                      <m:t>𝑎</m:t>
+                    </m:r>
+                    <m:r>
+                      <a:rPr lang="en-GB" sz="2400" b="0" i="1" smtClean="0">
+                        <a:solidFill>
+                          <a:srgbClr val="00B0F0"/>
+                        </a:solidFill>
+                        <a:latin typeface="Cambria Math" panose="02040503050406030204" pitchFamily="18" charset="0"/>
+                      </a:rPr>
+                      <m:t>→</m:t>
+                    </m:r>
+                    <m:sSubSup>
+                      <m:sSubSupPr>
+                        <m:ctrlPr>
+                          <a:rPr lang="en-GB" sz="2400" i="1">
+                            <a:solidFill>
+                              <a:srgbClr val="00B0F0"/>
+                            </a:solidFill>
+                            <a:latin typeface="Cambria Math" panose="02040503050406030204" pitchFamily="18" charset="0"/>
+                          </a:rPr>
+                        </m:ctrlPr>
+                      </m:sSubSupPr>
+                      <m:e>
+                        <m:r>
+                          <a:rPr lang="en-GB" sz="2400" i="1">
+                            <a:solidFill>
+                              <a:srgbClr val="00B0F0"/>
+                            </a:solidFill>
+                            <a:latin typeface="Cambria Math" panose="02040503050406030204" pitchFamily="18" charset="0"/>
+                          </a:rPr>
+                          <m:t>𝑣</m:t>
+                        </m:r>
+                      </m:e>
+                      <m:sub>
+                        <m:r>
+                          <a:rPr lang="en-GB" sz="2400" i="1">
+                            <a:solidFill>
+                              <a:srgbClr val="00B0F0"/>
+                            </a:solidFill>
+                            <a:latin typeface="Cambria Math" panose="02040503050406030204" pitchFamily="18" charset="0"/>
+                          </a:rPr>
+                          <m:t>𝑗</m:t>
+                        </m:r>
+                      </m:sub>
+                      <m:sup>
+                        <m:r>
+                          <a:rPr lang="en-GB" sz="2400" b="0" i="1" smtClean="0">
+                            <a:solidFill>
+                              <a:srgbClr val="00B0F0"/>
+                            </a:solidFill>
+                            <a:latin typeface="Cambria Math" panose="02040503050406030204" pitchFamily="18" charset="0"/>
+                          </a:rPr>
+                          <m:t>𝑦</m:t>
+                        </m:r>
+                      </m:sup>
+                    </m:sSubSup>
+                  </m:oMath>
+                </a14:m>
+                <a:r>
+                  <a:rPr lang="en-GB" sz="2400" dirty="0">
+                    <a:solidFill>
+                      <a:schemeClr val="accent1"/>
+                    </a:solidFill>
+                  </a:rPr>
+                  <a:t>, </a:t>
+                </a:r>
+                <a14:m>
+                  <m:oMath xmlns:m="http://schemas.openxmlformats.org/officeDocument/2006/math">
+                    <m:r>
+                      <m:rPr>
+                        <m:sty m:val="p"/>
+                      </m:rPr>
+                      <a:rPr lang="en-GB" sz="2400" b="0" i="0" smtClean="0">
+                        <a:solidFill>
+                          <a:srgbClr val="00B0F0"/>
+                        </a:solidFill>
+                        <a:latin typeface="Cambria Math" panose="02040503050406030204" pitchFamily="18" charset="0"/>
+                      </a:rPr>
+                      <m:t>b</m:t>
+                    </m:r>
+                    <m:r>
+                      <a:rPr lang="en-GB" sz="2400" i="1">
+                        <a:solidFill>
+                          <a:srgbClr val="00B0F0"/>
+                        </a:solidFill>
+                        <a:latin typeface="Cambria Math" panose="02040503050406030204" pitchFamily="18" charset="0"/>
+                      </a:rPr>
+                      <m:t>→</m:t>
+                    </m:r>
+                    <m:sSubSup>
+                      <m:sSubSupPr>
+                        <m:ctrlPr>
+                          <a:rPr lang="en-GB" sz="2400" i="1">
+                            <a:solidFill>
+                              <a:srgbClr val="00B0F0"/>
+                            </a:solidFill>
+                            <a:latin typeface="Cambria Math" panose="02040503050406030204" pitchFamily="18" charset="0"/>
+                          </a:rPr>
+                        </m:ctrlPr>
+                      </m:sSubSupPr>
+                      <m:e>
+                        <m:r>
+                          <a:rPr lang="en-GB" sz="2400" i="1">
+                            <a:solidFill>
+                              <a:srgbClr val="00B0F0"/>
+                            </a:solidFill>
+                            <a:latin typeface="Cambria Math" panose="02040503050406030204" pitchFamily="18" charset="0"/>
+                          </a:rPr>
+                          <m:t>𝑣</m:t>
+                        </m:r>
+                      </m:e>
+                      <m:sub>
+                        <m:r>
+                          <a:rPr lang="en-GB" sz="2400" i="1">
+                            <a:solidFill>
+                              <a:srgbClr val="00B0F0"/>
+                            </a:solidFill>
+                            <a:latin typeface="Cambria Math" panose="02040503050406030204" pitchFamily="18" charset="0"/>
+                          </a:rPr>
+                          <m:t>𝑗</m:t>
+                        </m:r>
+                        <m:r>
+                          <a:rPr lang="en-GB" sz="2400" b="0" i="1" smtClean="0">
+                            <a:solidFill>
+                              <a:srgbClr val="00B0F0"/>
+                            </a:solidFill>
+                            <a:latin typeface="Cambria Math" panose="02040503050406030204" pitchFamily="18" charset="0"/>
+                          </a:rPr>
+                          <m:t>+1</m:t>
+                        </m:r>
+                      </m:sub>
+                      <m:sup>
+                        <m:r>
+                          <a:rPr lang="en-GB" sz="2400" i="1">
+                            <a:solidFill>
+                              <a:srgbClr val="00B0F0"/>
+                            </a:solidFill>
+                            <a:latin typeface="Cambria Math" panose="02040503050406030204" pitchFamily="18" charset="0"/>
+                          </a:rPr>
+                          <m:t>𝑦</m:t>
+                        </m:r>
+                      </m:sup>
+                    </m:sSubSup>
+                  </m:oMath>
+                </a14:m>
+                <a:r>
+                  <a:rPr lang="en-GB" sz="2400" dirty="0">
+                    <a:solidFill>
+                      <a:schemeClr val="accent1"/>
+                    </a:solidFill>
+                  </a:rPr>
+                  <a:t> </a:t>
+                </a:r>
+              </a:p>
+              <a:p>
+                <a:endParaRPr lang="en-GB" sz="2400" dirty="0">
+                  <a:solidFill>
+                    <a:schemeClr val="accent1"/>
+                  </a:solidFill>
+                </a:endParaRPr>
+              </a:p>
+              <a:p>
+                <a:pPr marL="285750" indent="-285750">
+                  <a:buFont typeface="Arial" panose="020B0604020202020204" pitchFamily="34" charset="0"/>
+                  <a:buChar char="•"/>
+                </a:pPr>
+                <a14:m>
+                  <m:oMath xmlns:m="http://schemas.openxmlformats.org/officeDocument/2006/math">
+                    <m:sSub>
+                      <m:sSubPr>
+                        <m:ctrlPr>
+                          <a:rPr lang="en-GB" sz="2400" b="0" i="1" smtClean="0">
+                            <a:solidFill>
+                              <a:schemeClr val="accent1"/>
+                            </a:solidFill>
+                            <a:latin typeface="Cambria Math" panose="02040503050406030204" pitchFamily="18" charset="0"/>
+                          </a:rPr>
+                        </m:ctrlPr>
+                      </m:sSubPr>
+                      <m:e>
+                        <m:r>
+                          <a:rPr lang="en-GB" sz="2400" b="0" i="1" smtClean="0">
+                            <a:solidFill>
+                              <a:schemeClr val="accent1"/>
+                            </a:solidFill>
+                            <a:latin typeface="Cambria Math" panose="02040503050406030204" pitchFamily="18" charset="0"/>
+                          </a:rPr>
+                          <m:t>𝐴</m:t>
+                        </m:r>
+                      </m:e>
+                      <m:sub>
+                        <m:r>
+                          <a:rPr lang="en-GB" sz="2400" b="0" i="1" smtClean="0">
+                            <a:solidFill>
+                              <a:schemeClr val="accent1"/>
+                            </a:solidFill>
+                            <a:latin typeface="Cambria Math" panose="02040503050406030204" pitchFamily="18" charset="0"/>
+                          </a:rPr>
+                          <m:t>𝐶</m:t>
+                        </m:r>
+                      </m:sub>
+                    </m:sSub>
+                    <m:r>
+                      <a:rPr lang="en-GB" sz="2400" b="0" i="1" smtClean="0">
+                        <a:solidFill>
+                          <a:schemeClr val="accent1"/>
+                        </a:solidFill>
+                        <a:latin typeface="Cambria Math" panose="02040503050406030204" pitchFamily="18" charset="0"/>
+                      </a:rPr>
+                      <m:t>=</m:t>
+                    </m:r>
+                    <m:f>
+                      <m:fPr>
+                        <m:ctrlPr>
+                          <a:rPr lang="en-GB" sz="2400" b="0" i="1" smtClean="0">
+                            <a:solidFill>
+                              <a:schemeClr val="accent1"/>
+                            </a:solidFill>
+                            <a:latin typeface="Cambria Math" panose="02040503050406030204" pitchFamily="18" charset="0"/>
+                          </a:rPr>
+                        </m:ctrlPr>
+                      </m:fPr>
+                      <m:num>
+                        <m:r>
+                          <a:rPr lang="en-GB" sz="2400" b="0" i="1" smtClean="0">
+                            <a:solidFill>
+                              <a:schemeClr val="accent1"/>
+                            </a:solidFill>
+                            <a:latin typeface="Cambria Math" panose="02040503050406030204" pitchFamily="18" charset="0"/>
+                          </a:rPr>
+                          <m:t>1</m:t>
+                        </m:r>
+                      </m:num>
+                      <m:den>
+                        <m:r>
+                          <a:rPr lang="en-GB" sz="2400" b="0" i="1" smtClean="0">
+                            <a:solidFill>
+                              <a:schemeClr val="accent1"/>
+                            </a:solidFill>
+                            <a:latin typeface="Cambria Math" panose="02040503050406030204" pitchFamily="18" charset="0"/>
+                          </a:rPr>
+                          <m:t>2</m:t>
+                        </m:r>
+                      </m:den>
+                    </m:f>
+                    <m:nary>
+                      <m:naryPr>
+                        <m:chr m:val="∑"/>
+                        <m:supHide m:val="on"/>
+                        <m:ctrlPr>
+                          <a:rPr lang="en-GB" sz="2400" b="0" i="1" smtClean="0">
+                            <a:solidFill>
+                              <a:schemeClr val="accent1"/>
+                            </a:solidFill>
+                            <a:latin typeface="Cambria Math" panose="02040503050406030204" pitchFamily="18" charset="0"/>
+                          </a:rPr>
+                        </m:ctrlPr>
+                      </m:naryPr>
+                      <m:sub>
+                        <m:r>
+                          <m:rPr>
+                            <m:brk m:alnAt="7"/>
+                          </m:rPr>
+                          <a:rPr lang="en-GB" sz="2400" b="0" i="1" smtClean="0">
+                            <a:solidFill>
+                              <a:schemeClr val="accent1"/>
+                            </a:solidFill>
+                            <a:latin typeface="Cambria Math" panose="02040503050406030204" pitchFamily="18" charset="0"/>
+                          </a:rPr>
+                          <m:t>𝑗</m:t>
+                        </m:r>
+                      </m:sub>
+                      <m:sup/>
+                      <m:e>
+                        <m:r>
+                          <a:rPr lang="en-GB" sz="2400" b="0" i="1" smtClean="0">
+                            <a:solidFill>
+                              <a:schemeClr val="accent1"/>
+                            </a:solidFill>
+                            <a:latin typeface="Cambria Math" panose="02040503050406030204" pitchFamily="18" charset="0"/>
+                          </a:rPr>
+                          <m:t>(</m:t>
+                        </m:r>
+                        <m:sSubSup>
+                          <m:sSubSupPr>
+                            <m:ctrlPr>
+                              <a:rPr lang="en-GB" sz="2400" i="1" smtClean="0">
+                                <a:solidFill>
+                                  <a:srgbClr val="7030A0"/>
+                                </a:solidFill>
+                                <a:latin typeface="Cambria Math" panose="02040503050406030204" pitchFamily="18" charset="0"/>
+                              </a:rPr>
+                            </m:ctrlPr>
+                          </m:sSubSupPr>
+                          <m:e>
+                            <m:r>
+                              <a:rPr lang="en-GB" sz="2400" i="1">
+                                <a:solidFill>
+                                  <a:srgbClr val="7030A0"/>
+                                </a:solidFill>
+                                <a:latin typeface="Cambria Math" panose="02040503050406030204" pitchFamily="18" charset="0"/>
+                              </a:rPr>
+                              <m:t>𝑣</m:t>
+                            </m:r>
+                          </m:e>
+                          <m:sub>
+                            <m:r>
+                              <a:rPr lang="en-GB" sz="2400" i="1">
+                                <a:solidFill>
+                                  <a:srgbClr val="7030A0"/>
+                                </a:solidFill>
+                                <a:latin typeface="Cambria Math" panose="02040503050406030204" pitchFamily="18" charset="0"/>
+                              </a:rPr>
+                              <m:t>𝑗</m:t>
+                            </m:r>
+                          </m:sub>
+                          <m:sup>
+                            <m:r>
+                              <a:rPr lang="en-GB" sz="2400" i="1">
+                                <a:solidFill>
+                                  <a:srgbClr val="7030A0"/>
+                                </a:solidFill>
+                                <a:latin typeface="Cambria Math" panose="02040503050406030204" pitchFamily="18" charset="0"/>
+                              </a:rPr>
+                              <m:t>𝑥</m:t>
+                            </m:r>
+                          </m:sup>
+                        </m:sSubSup>
+                        <m:r>
+                          <a:rPr lang="en-GB" sz="2400" i="1">
+                            <a:solidFill>
+                              <a:srgbClr val="7030A0"/>
+                            </a:solidFill>
+                            <a:latin typeface="Cambria Math" panose="02040503050406030204" pitchFamily="18" charset="0"/>
+                          </a:rPr>
+                          <m:t>− </m:t>
+                        </m:r>
+                        <m:sSubSup>
+                          <m:sSubSupPr>
+                            <m:ctrlPr>
+                              <a:rPr lang="en-GB" sz="2400" i="1" smtClean="0">
+                                <a:solidFill>
+                                  <a:srgbClr val="7030A0"/>
+                                </a:solidFill>
+                                <a:latin typeface="Cambria Math" panose="02040503050406030204" pitchFamily="18" charset="0"/>
+                              </a:rPr>
+                            </m:ctrlPr>
+                          </m:sSubSupPr>
+                          <m:e>
+                            <m:r>
+                              <a:rPr lang="en-GB" sz="2400" i="1">
+                                <a:solidFill>
+                                  <a:srgbClr val="7030A0"/>
+                                </a:solidFill>
+                                <a:latin typeface="Cambria Math" panose="02040503050406030204" pitchFamily="18" charset="0"/>
+                              </a:rPr>
+                              <m:t>𝑣</m:t>
+                            </m:r>
+                          </m:e>
+                          <m:sub>
+                            <m:r>
+                              <a:rPr lang="en-GB" sz="2400" i="1">
+                                <a:solidFill>
+                                  <a:srgbClr val="7030A0"/>
+                                </a:solidFill>
+                                <a:latin typeface="Cambria Math" panose="02040503050406030204" pitchFamily="18" charset="0"/>
+                              </a:rPr>
+                              <m:t>𝑗</m:t>
+                            </m:r>
+                            <m:r>
+                              <a:rPr lang="en-GB" sz="2400" i="1">
+                                <a:solidFill>
+                                  <a:srgbClr val="7030A0"/>
+                                </a:solidFill>
+                                <a:latin typeface="Cambria Math" panose="02040503050406030204" pitchFamily="18" charset="0"/>
+                              </a:rPr>
+                              <m:t>+1</m:t>
+                            </m:r>
+                          </m:sub>
+                          <m:sup>
+                            <m:r>
+                              <a:rPr lang="en-GB" sz="2400" i="1">
+                                <a:solidFill>
+                                  <a:srgbClr val="7030A0"/>
+                                </a:solidFill>
+                                <a:latin typeface="Cambria Math" panose="02040503050406030204" pitchFamily="18" charset="0"/>
+                              </a:rPr>
+                              <m:t>𝑥</m:t>
+                            </m:r>
+                          </m:sup>
+                        </m:sSubSup>
+                        <m:r>
+                          <a:rPr lang="en-GB" sz="2400" b="0" i="1" smtClean="0">
+                            <a:solidFill>
+                              <a:schemeClr val="accent1"/>
+                            </a:solidFill>
+                            <a:latin typeface="Cambria Math" panose="02040503050406030204" pitchFamily="18" charset="0"/>
+                          </a:rPr>
+                          <m:t>)(</m:t>
+                        </m:r>
+                        <m:sSubSup>
+                          <m:sSubSupPr>
+                            <m:ctrlPr>
+                              <a:rPr lang="en-GB" sz="2400" i="1" smtClean="0">
+                                <a:solidFill>
+                                  <a:srgbClr val="00B0F0"/>
+                                </a:solidFill>
+                                <a:latin typeface="Cambria Math" panose="02040503050406030204" pitchFamily="18" charset="0"/>
+                              </a:rPr>
+                            </m:ctrlPr>
+                          </m:sSubSupPr>
+                          <m:e>
+                            <m:r>
+                              <a:rPr lang="en-GB" sz="2400" i="1">
+                                <a:solidFill>
+                                  <a:srgbClr val="00B0F0"/>
+                                </a:solidFill>
+                                <a:latin typeface="Cambria Math" panose="02040503050406030204" pitchFamily="18" charset="0"/>
+                              </a:rPr>
+                              <m:t>𝑣</m:t>
+                            </m:r>
+                          </m:e>
+                          <m:sub>
+                            <m:r>
+                              <a:rPr lang="en-GB" sz="2400" i="1">
+                                <a:solidFill>
+                                  <a:srgbClr val="00B0F0"/>
+                                </a:solidFill>
+                                <a:latin typeface="Cambria Math" panose="02040503050406030204" pitchFamily="18" charset="0"/>
+                              </a:rPr>
+                              <m:t>𝑗</m:t>
+                            </m:r>
+                          </m:sub>
+                          <m:sup>
+                            <m:r>
+                              <a:rPr lang="en-GB" sz="2400" i="1">
+                                <a:solidFill>
+                                  <a:srgbClr val="00B0F0"/>
+                                </a:solidFill>
+                                <a:latin typeface="Cambria Math" panose="02040503050406030204" pitchFamily="18" charset="0"/>
+                              </a:rPr>
+                              <m:t>𝑦</m:t>
+                            </m:r>
+                          </m:sup>
+                        </m:sSubSup>
+                        <m:r>
+                          <a:rPr lang="en-GB" sz="2400" b="0" i="1" smtClean="0">
+                            <a:solidFill>
+                              <a:srgbClr val="00B0F0"/>
+                            </a:solidFill>
+                            <a:latin typeface="Cambria Math" panose="02040503050406030204" pitchFamily="18" charset="0"/>
+                          </a:rPr>
+                          <m:t>+</m:t>
+                        </m:r>
+                        <m:sSubSup>
+                          <m:sSubSupPr>
+                            <m:ctrlPr>
+                              <a:rPr lang="en-GB" sz="2400" i="1">
+                                <a:solidFill>
+                                  <a:srgbClr val="00B0F0"/>
+                                </a:solidFill>
+                                <a:latin typeface="Cambria Math" panose="02040503050406030204" pitchFamily="18" charset="0"/>
+                              </a:rPr>
+                            </m:ctrlPr>
+                          </m:sSubSupPr>
+                          <m:e>
+                            <m:r>
+                              <a:rPr lang="en-GB" sz="2400" i="1">
+                                <a:solidFill>
+                                  <a:srgbClr val="00B0F0"/>
+                                </a:solidFill>
+                                <a:latin typeface="Cambria Math" panose="02040503050406030204" pitchFamily="18" charset="0"/>
+                              </a:rPr>
+                              <m:t>𝑣</m:t>
+                            </m:r>
+                          </m:e>
+                          <m:sub>
+                            <m:r>
+                              <a:rPr lang="en-GB" sz="2400" i="1">
+                                <a:solidFill>
+                                  <a:srgbClr val="00B0F0"/>
+                                </a:solidFill>
+                                <a:latin typeface="Cambria Math" panose="02040503050406030204" pitchFamily="18" charset="0"/>
+                              </a:rPr>
+                              <m:t>𝑗</m:t>
+                            </m:r>
+                            <m:r>
+                              <a:rPr lang="en-GB" sz="2400" i="1">
+                                <a:solidFill>
+                                  <a:srgbClr val="00B0F0"/>
+                                </a:solidFill>
+                                <a:latin typeface="Cambria Math" panose="02040503050406030204" pitchFamily="18" charset="0"/>
+                              </a:rPr>
+                              <m:t>+1</m:t>
+                            </m:r>
+                          </m:sub>
+                          <m:sup>
+                            <m:r>
+                              <a:rPr lang="en-GB" sz="2400" i="1">
+                                <a:solidFill>
+                                  <a:srgbClr val="00B0F0"/>
+                                </a:solidFill>
+                                <a:latin typeface="Cambria Math" panose="02040503050406030204" pitchFamily="18" charset="0"/>
+                              </a:rPr>
+                              <m:t>𝑦</m:t>
+                            </m:r>
+                          </m:sup>
+                        </m:sSubSup>
+                        <m:r>
+                          <a:rPr lang="en-GB" sz="2400" b="0" i="1" smtClean="0">
+                            <a:solidFill>
+                              <a:schemeClr val="accent1"/>
+                            </a:solidFill>
+                            <a:latin typeface="Cambria Math" panose="02040503050406030204" pitchFamily="18" charset="0"/>
+                          </a:rPr>
+                          <m:t>)</m:t>
+                        </m:r>
+                      </m:e>
+                    </m:nary>
+                  </m:oMath>
+                </a14:m>
+                <a:endParaRPr lang="en-GB" sz="2400" b="0" dirty="0">
+                  <a:solidFill>
+                    <a:schemeClr val="accent1"/>
+                  </a:solidFill>
+                </a:endParaRPr>
+              </a:p>
+              <a:p>
+                <a:endParaRPr lang="en-GB" sz="2400" dirty="0">
+                  <a:solidFill>
+                    <a:schemeClr val="accent1"/>
+                  </a:solidFill>
+                </a:endParaRPr>
+              </a:p>
+              <a:p>
+                <a:pPr marL="285750" indent="-285750">
+                  <a:buFont typeface="Arial" panose="020B0604020202020204" pitchFamily="34" charset="0"/>
+                  <a:buChar char="•"/>
+                </a:pPr>
+                <a:endParaRPr lang="en-GB" sz="2400" dirty="0">
+                  <a:solidFill>
+                    <a:schemeClr val="accent1"/>
+                  </a:solidFill>
+                </a:endParaRPr>
+              </a:p>
+              <a:p>
+                <a:pPr marL="285750" indent="-285750">
+                  <a:lnSpc>
+                    <a:spcPct val="200000"/>
+                  </a:lnSpc>
+                  <a:buFont typeface="Arial" panose="020B0604020202020204" pitchFamily="34" charset="0"/>
+                  <a:buChar char="•"/>
+                </a:pPr>
+                <a:endParaRPr lang="en-GB" sz="2400" dirty="0">
+                  <a:solidFill>
+                    <a:schemeClr val="accent1"/>
+                  </a:solidFill>
+                </a:endParaRPr>
+              </a:p>
+              <a:p>
+                <a:pPr>
+                  <a:lnSpc>
+                    <a:spcPct val="200000"/>
+                  </a:lnSpc>
+                </a:pPr>
+                <a:r>
+                  <a:rPr lang="en-GB" sz="2400" dirty="0">
+                    <a:solidFill>
+                      <a:schemeClr val="accent1"/>
+                    </a:solidFill>
+                  </a:rPr>
+                  <a:t> </a:t>
+                </a:r>
+                <a:endParaRPr lang="en-DE" sz="2400" dirty="0">
+                  <a:solidFill>
+                    <a:schemeClr val="accent1"/>
+                  </a:solidFill>
+                </a:endParaRPr>
+              </a:p>
+            </p:txBody>
+          </p:sp>
+        </mc:Choice>
+        <mc:Fallback xmlns="">
+          <p:sp>
+            <p:nvSpPr>
+              <p:cNvPr id="7" name="Textfeld 6">
+                <a:extLst>
+                  <a:ext uri="{FF2B5EF4-FFF2-40B4-BE49-F238E27FC236}">
+                    <a16:creationId xmlns:a16="http://schemas.microsoft.com/office/drawing/2014/main" id="{712B93C2-CF8B-0D6A-3F2E-379258A08F77}"/>
+                  </a:ext>
+                </a:extLst>
+              </p:cNvPr>
+              <p:cNvSpPr txBox="1">
+                <a:spLocks noRot="1" noChangeAspect="1" noMove="1" noResize="1" noEditPoints="1" noAdjustHandles="1" noChangeArrowheads="1" noChangeShapeType="1" noTextEdit="1"/>
+              </p:cNvSpPr>
+              <p:nvPr/>
+            </p:nvSpPr>
+            <p:spPr>
+              <a:xfrm>
+                <a:off x="884871" y="1676400"/>
+                <a:ext cx="5693729" cy="5865195"/>
+              </a:xfrm>
+              <a:prstGeom prst="rect">
+                <a:avLst/>
+              </a:prstGeom>
+              <a:blipFill>
+                <a:blip r:embed="rId3"/>
+                <a:stretch>
+                  <a:fillRect l="-1392" r="-2141"/>
+                </a:stretch>
+              </a:blipFill>
+            </p:spPr>
+            <p:txBody>
+              <a:bodyPr/>
+              <a:lstStyle/>
+              <a:p>
+                <a:r>
+                  <a:rPr lang="en-DE">
+                    <a:noFill/>
+                  </a:rPr>
+                  <a:t> </a:t>
+                </a:r>
+              </a:p>
+            </p:txBody>
+          </p:sp>
+        </mc:Fallback>
+      </mc:AlternateContent>
+    </p:spTree>
+    <p:extLst>
+      <p:ext uri="{BB962C8B-B14F-4D97-AF65-F5344CB8AC3E}">
+        <p14:creationId xmlns:p14="http://schemas.microsoft.com/office/powerpoint/2010/main" val="1143599945"/>
+      </p:ext>
+    </p:extLst>
+  </p:cSld>
+  <p:clrMapOvr>
+    <a:masterClrMapping/>
+  </p:clrMapOvr>
+</p:sld>
+</file>
+
+<file path=ppt/slides/slide11.xml><?xml version="1.0" encoding="utf-8"?>
+<p:sld xmlns:a="http://schemas.openxmlformats.org/drawingml/2006/main" xmlns:r="http://schemas.openxmlformats.org/officeDocument/2006/relationships" xmlns:p="http://schemas.openxmlformats.org/presentationml/2006/main">
+  <p:cSld>
+    <p:spTree>
+      <p:nvGrpSpPr>
+        <p:cNvPr id="1" name=""/>
+        <p:cNvGrpSpPr/>
+        <p:nvPr/>
+      </p:nvGrpSpPr>
+      <p:grpSpPr>
+        <a:xfrm>
+          <a:off x="0" y="0"/>
+          <a:ext cx="0" cy="0"/>
+          <a:chOff x="0" y="0"/>
+          <a:chExt cx="0" cy="0"/>
+        </a:xfrm>
+      </p:grpSpPr>
+      <mc:AlternateContent xmlns:mc="http://schemas.openxmlformats.org/markup-compatibility/2006" xmlns:a14="http://schemas.microsoft.com/office/drawing/2010/main">
+        <mc:Choice Requires="a14">
+          <p:sp>
+            <p:nvSpPr>
+              <p:cNvPr id="2" name="Inhaltsplatzhalter 1">
+                <a:extLst>
+                  <a:ext uri="{FF2B5EF4-FFF2-40B4-BE49-F238E27FC236}">
+                    <a16:creationId xmlns:a16="http://schemas.microsoft.com/office/drawing/2014/main" id="{E7139FDA-F53F-5A7D-F4EA-51E794EB50A0}"/>
+                  </a:ext>
+                </a:extLst>
+              </p:cNvPr>
+              <p:cNvSpPr>
+                <a:spLocks noGrp="1"/>
+              </p:cNvSpPr>
+              <p:nvPr>
+                <p:ph sz="quarter" idx="10"/>
+              </p:nvPr>
+            </p:nvSpPr>
+            <p:spPr/>
+            <p:txBody>
+              <a:bodyPr/>
+              <a:lstStyle/>
+              <a:p>
+                <a:pPr marL="342900" indent="-342900">
+                  <a:buFont typeface="Arial" panose="020B0604020202020204" pitchFamily="34" charset="0"/>
+                  <a:buChar char="•"/>
+                </a:pPr>
+                <a14:m>
+                  <m:oMath xmlns:m="http://schemas.openxmlformats.org/officeDocument/2006/math">
+                    <m:sSubSup>
+                      <m:sSubSupPr>
+                        <m:ctrlPr>
+                          <a:rPr lang="en-GB" b="0" i="1" smtClean="0">
+                            <a:latin typeface="Cambria Math" panose="02040503050406030204" pitchFamily="18" charset="0"/>
+                          </a:rPr>
+                        </m:ctrlPr>
+                      </m:sSubSupPr>
+                      <m:e>
+                        <m:r>
+                          <a:rPr lang="en-GB" b="0" i="1" smtClean="0">
+                            <a:latin typeface="Cambria Math" panose="02040503050406030204" pitchFamily="18" charset="0"/>
+                          </a:rPr>
+                          <m:t>𝐹</m:t>
+                        </m:r>
+                      </m:e>
+                      <m:sub>
+                        <m:r>
+                          <a:rPr lang="en-GB" b="0" i="1" smtClean="0">
+                            <a:latin typeface="Cambria Math" panose="02040503050406030204" pitchFamily="18" charset="0"/>
+                          </a:rPr>
+                          <m:t>𝑗</m:t>
+                        </m:r>
+                      </m:sub>
+                      <m:sup>
+                        <m:r>
+                          <a:rPr lang="en-GB" b="0" i="1" smtClean="0">
+                            <a:latin typeface="Cambria Math" panose="02040503050406030204" pitchFamily="18" charset="0"/>
+                          </a:rPr>
+                          <m:t>(</m:t>
+                        </m:r>
+                        <m:r>
+                          <a:rPr lang="en-GB" b="0" i="1" smtClean="0">
+                            <a:latin typeface="Cambria Math" panose="02040503050406030204" pitchFamily="18" charset="0"/>
+                          </a:rPr>
+                          <m:t>𝐴</m:t>
+                        </m:r>
+                        <m:r>
+                          <a:rPr lang="en-GB" b="0" i="1" smtClean="0">
+                            <a:latin typeface="Cambria Math" panose="02040503050406030204" pitchFamily="18" charset="0"/>
+                          </a:rPr>
+                          <m:t>)</m:t>
+                        </m:r>
+                      </m:sup>
+                    </m:sSubSup>
+                    <m:d>
+                      <m:dPr>
+                        <m:ctrlPr>
+                          <a:rPr lang="en-GB" b="0" i="1" smtClean="0">
+                            <a:latin typeface="Cambria Math" panose="02040503050406030204" pitchFamily="18" charset="0"/>
+                          </a:rPr>
+                        </m:ctrlPr>
+                      </m:dPr>
+                      <m:e>
+                        <m:r>
+                          <a:rPr lang="en-GB" b="0" i="1" smtClean="0">
+                            <a:latin typeface="Cambria Math" panose="02040503050406030204" pitchFamily="18" charset="0"/>
+                          </a:rPr>
+                          <m:t>𝐶</m:t>
+                        </m:r>
+                      </m:e>
+                    </m:d>
+                    <m:r>
+                      <a:rPr lang="en-GB" b="0" i="1" smtClean="0">
+                        <a:latin typeface="Cambria Math" panose="02040503050406030204" pitchFamily="18" charset="0"/>
+                      </a:rPr>
+                      <m:t>=−</m:t>
+                    </m:r>
+                    <m:sSub>
+                      <m:sSubPr>
+                        <m:ctrlPr>
+                          <a:rPr lang="en-GB" b="0" i="1" smtClean="0">
+                            <a:latin typeface="Cambria Math" panose="02040503050406030204" pitchFamily="18" charset="0"/>
+                          </a:rPr>
+                        </m:ctrlPr>
+                      </m:sSubPr>
+                      <m:e>
+                        <m:r>
+                          <m:rPr>
+                            <m:sty m:val="p"/>
+                          </m:rPr>
+                          <a:rPr lang="en-GB" b="0" i="0" smtClean="0">
+                            <a:latin typeface="Cambria Math" panose="02040503050406030204" pitchFamily="18" charset="0"/>
+                          </a:rPr>
+                          <m:t>∇</m:t>
+                        </m:r>
+                      </m:e>
+                      <m:sub>
+                        <m:sSub>
+                          <m:sSubPr>
+                            <m:ctrlPr>
+                              <a:rPr lang="en-GB" b="0" i="1" smtClean="0">
+                                <a:latin typeface="Cambria Math" panose="02040503050406030204" pitchFamily="18" charset="0"/>
+                              </a:rPr>
+                            </m:ctrlPr>
+                          </m:sSubPr>
+                          <m:e>
+                            <m:acc>
+                              <m:accPr>
+                                <m:chr m:val="⃗"/>
+                                <m:ctrlPr>
+                                  <a:rPr lang="en-GB" b="0" i="1" smtClean="0">
+                                    <a:latin typeface="Cambria Math" panose="02040503050406030204" pitchFamily="18" charset="0"/>
+                                  </a:rPr>
+                                </m:ctrlPr>
+                              </m:accPr>
+                              <m:e>
+                                <m:r>
+                                  <a:rPr lang="en-GB" b="0" i="1" smtClean="0">
+                                    <a:latin typeface="Cambria Math" panose="02040503050406030204" pitchFamily="18" charset="0"/>
+                                  </a:rPr>
+                                  <m:t>𝑣</m:t>
+                                </m:r>
+                              </m:e>
+                            </m:acc>
+                          </m:e>
+                          <m:sub>
+                            <m:r>
+                              <a:rPr lang="en-GB" b="0" i="1" smtClean="0">
+                                <a:latin typeface="Cambria Math" panose="02040503050406030204" pitchFamily="18" charset="0"/>
+                              </a:rPr>
+                              <m:t>𝑗</m:t>
+                            </m:r>
+                          </m:sub>
+                        </m:sSub>
+                      </m:sub>
+                    </m:sSub>
+                    <m:r>
+                      <a:rPr lang="en-GB" b="0" i="1" smtClean="0">
+                        <a:latin typeface="Cambria Math" panose="02040503050406030204" pitchFamily="18" charset="0"/>
+                      </a:rPr>
+                      <m:t> </m:t>
+                    </m:r>
+                    <m:sSub>
+                      <m:sSubPr>
+                        <m:ctrlPr>
+                          <a:rPr lang="en-GB" b="0" i="1" smtClean="0">
+                            <a:latin typeface="Cambria Math" panose="02040503050406030204" pitchFamily="18" charset="0"/>
+                          </a:rPr>
+                        </m:ctrlPr>
+                      </m:sSubPr>
+                      <m:e>
+                        <m:r>
+                          <a:rPr lang="en-GB" b="0" i="1" smtClean="0">
+                            <a:latin typeface="Cambria Math" panose="02040503050406030204" pitchFamily="18" charset="0"/>
+                          </a:rPr>
+                          <m:t>𝐴</m:t>
+                        </m:r>
+                      </m:e>
+                      <m:sub>
+                        <m:r>
+                          <a:rPr lang="en-GB" b="0" i="1" smtClean="0">
+                            <a:latin typeface="Cambria Math" panose="02040503050406030204" pitchFamily="18" charset="0"/>
+                          </a:rPr>
+                          <m:t>𝑘</m:t>
+                        </m:r>
+                      </m:sub>
+                    </m:sSub>
+                    <m:d>
+                      <m:dPr>
+                        <m:ctrlPr>
+                          <a:rPr lang="en-GB" b="0" i="1" smtClean="0">
+                            <a:latin typeface="Cambria Math" panose="02040503050406030204" pitchFamily="18" charset="0"/>
+                          </a:rPr>
+                        </m:ctrlPr>
+                      </m:dPr>
+                      <m:e>
+                        <m:r>
+                          <a:rPr lang="en-GB" b="0" i="1" smtClean="0">
+                            <a:latin typeface="Cambria Math" panose="02040503050406030204" pitchFamily="18" charset="0"/>
+                          </a:rPr>
+                          <m:t>𝐶</m:t>
+                        </m:r>
+                      </m:e>
+                    </m:d>
+                  </m:oMath>
+                </a14:m>
+                <a:endParaRPr lang="en-GB" b="0" i="1" dirty="0">
+                  <a:latin typeface="Cambria Math" panose="02040503050406030204" pitchFamily="18" charset="0"/>
+                </a:endParaRPr>
+              </a:p>
+              <a:p>
+                <a:r>
+                  <a:rPr lang="en-GB" b="0" dirty="0"/>
+                  <a:t>	      </a:t>
+                </a:r>
+                <a14:m>
+                  <m:oMath xmlns:m="http://schemas.openxmlformats.org/officeDocument/2006/math">
+                    <m:r>
+                      <a:rPr lang="en-GB" b="0" i="1" smtClean="0">
+                        <a:latin typeface="Cambria Math" panose="02040503050406030204" pitchFamily="18" charset="0"/>
+                      </a:rPr>
+                      <m:t>=</m:t>
+                    </m:r>
+                    <m:f>
+                      <m:fPr>
+                        <m:ctrlPr>
+                          <a:rPr lang="en-GB" b="0" i="1" smtClean="0">
+                            <a:latin typeface="Cambria Math" panose="02040503050406030204" pitchFamily="18" charset="0"/>
+                          </a:rPr>
+                        </m:ctrlPr>
+                      </m:fPr>
+                      <m:num>
+                        <m:r>
+                          <a:rPr lang="en-GB" b="0" i="1" smtClean="0">
+                            <a:latin typeface="Cambria Math" panose="02040503050406030204" pitchFamily="18" charset="0"/>
+                          </a:rPr>
+                          <m:t>1</m:t>
+                        </m:r>
+                      </m:num>
+                      <m:den>
+                        <m:r>
+                          <a:rPr lang="en-GB" b="0" i="1" smtClean="0">
+                            <a:latin typeface="Cambria Math" panose="02040503050406030204" pitchFamily="18" charset="0"/>
+                          </a:rPr>
+                          <m:t>2</m:t>
+                        </m:r>
+                      </m:den>
+                    </m:f>
+                    <m:func>
+                      <m:funcPr>
+                        <m:ctrlPr>
+                          <a:rPr lang="en-GB" b="0" i="1" smtClean="0">
+                            <a:latin typeface="Cambria Math" panose="02040503050406030204" pitchFamily="18" charset="0"/>
+                          </a:rPr>
+                        </m:ctrlPr>
+                      </m:funcPr>
+                      <m:fName>
+                        <m:r>
+                          <m:rPr>
+                            <m:sty m:val="p"/>
+                          </m:rPr>
+                          <a:rPr lang="en-GB" b="0" i="0" smtClean="0">
+                            <a:latin typeface="Cambria Math" panose="02040503050406030204" pitchFamily="18" charset="0"/>
+                          </a:rPr>
+                          <m:t>sgn</m:t>
+                        </m:r>
+                      </m:fName>
+                      <m:e>
+                        <m:d>
+                          <m:dPr>
+                            <m:ctrlPr>
+                              <a:rPr lang="en-GB" b="0" i="1" smtClean="0">
+                                <a:latin typeface="Cambria Math" panose="02040503050406030204" pitchFamily="18" charset="0"/>
+                              </a:rPr>
+                            </m:ctrlPr>
+                          </m:dPr>
+                          <m:e>
+                            <m:sSub>
+                              <m:sSubPr>
+                                <m:ctrlPr>
+                                  <a:rPr lang="en-GB" b="0" i="1" smtClean="0">
+                                    <a:latin typeface="Cambria Math" panose="02040503050406030204" pitchFamily="18" charset="0"/>
+                                  </a:rPr>
+                                </m:ctrlPr>
+                              </m:sSubPr>
+                              <m:e>
+                                <m:r>
+                                  <a:rPr lang="en-GB" b="0" i="1" smtClean="0">
+                                    <a:latin typeface="Cambria Math" panose="02040503050406030204" pitchFamily="18" charset="0"/>
+                                  </a:rPr>
+                                  <m:t>𝐴</m:t>
+                                </m:r>
+                              </m:e>
+                              <m:sub>
+                                <m:r>
+                                  <a:rPr lang="en-GB" b="0" i="1" smtClean="0">
+                                    <a:latin typeface="Cambria Math" panose="02040503050406030204" pitchFamily="18" charset="0"/>
+                                  </a:rPr>
+                                  <m:t>𝐶</m:t>
+                                </m:r>
+                              </m:sub>
+                            </m:sSub>
+                            <m:r>
+                              <a:rPr lang="en-GB" b="0" i="1" smtClean="0">
+                                <a:latin typeface="Cambria Math" panose="02040503050406030204" pitchFamily="18" charset="0"/>
+                              </a:rPr>
+                              <m:t>−</m:t>
+                            </m:r>
+                            <m:sSub>
+                              <m:sSubPr>
+                                <m:ctrlPr>
+                                  <a:rPr lang="en-GB" b="0" i="1" smtClean="0">
+                                    <a:latin typeface="Cambria Math" panose="02040503050406030204" pitchFamily="18" charset="0"/>
+                                  </a:rPr>
+                                </m:ctrlPr>
+                              </m:sSubPr>
+                              <m:e>
+                                <m:r>
+                                  <a:rPr lang="en-GB" b="0" i="1" smtClean="0">
+                                    <a:latin typeface="Cambria Math" panose="02040503050406030204" pitchFamily="18" charset="0"/>
+                                  </a:rPr>
+                                  <m:t>𝐴</m:t>
+                                </m:r>
+                              </m:e>
+                              <m:sub>
+                                <m:r>
+                                  <a:rPr lang="en-GB" b="0" i="1" smtClean="0">
+                                    <a:latin typeface="Cambria Math" panose="02040503050406030204" pitchFamily="18" charset="0"/>
+                                  </a:rPr>
+                                  <m:t>𝑑</m:t>
+                                </m:r>
+                              </m:sub>
+                            </m:sSub>
+                          </m:e>
+                        </m:d>
+                      </m:e>
+                    </m:func>
+                    <m:sSup>
+                      <m:sSupPr>
+                        <m:ctrlPr>
+                          <a:rPr lang="en-GB" b="0" i="1" smtClean="0">
+                            <a:latin typeface="Cambria Math" panose="02040503050406030204" pitchFamily="18" charset="0"/>
+                          </a:rPr>
+                        </m:ctrlPr>
+                      </m:sSupPr>
+                      <m:e>
+                        <m:d>
+                          <m:dPr>
+                            <m:begChr m:val="|"/>
+                            <m:endChr m:val="|"/>
+                            <m:ctrlPr>
+                              <a:rPr lang="en-GB" b="0" i="1" smtClean="0">
+                                <a:latin typeface="Cambria Math" panose="02040503050406030204" pitchFamily="18" charset="0"/>
+                              </a:rPr>
+                            </m:ctrlPr>
+                          </m:dPr>
+                          <m:e>
+                            <m:sSub>
+                              <m:sSubPr>
+                                <m:ctrlPr>
+                                  <a:rPr lang="en-GB" i="1">
+                                    <a:latin typeface="Cambria Math" panose="02040503050406030204" pitchFamily="18" charset="0"/>
+                                  </a:rPr>
+                                </m:ctrlPr>
+                              </m:sSubPr>
+                              <m:e>
+                                <m:r>
+                                  <a:rPr lang="en-GB" i="1">
+                                    <a:latin typeface="Cambria Math" panose="02040503050406030204" pitchFamily="18" charset="0"/>
+                                  </a:rPr>
+                                  <m:t>𝐴</m:t>
+                                </m:r>
+                              </m:e>
+                              <m:sub>
+                                <m:r>
+                                  <a:rPr lang="en-GB" i="1">
+                                    <a:latin typeface="Cambria Math" panose="02040503050406030204" pitchFamily="18" charset="0"/>
+                                  </a:rPr>
+                                  <m:t>𝐶</m:t>
+                                </m:r>
+                              </m:sub>
+                            </m:sSub>
+                            <m:r>
+                              <a:rPr lang="en-GB" i="1">
+                                <a:latin typeface="Cambria Math" panose="02040503050406030204" pitchFamily="18" charset="0"/>
+                              </a:rPr>
+                              <m:t>−</m:t>
+                            </m:r>
+                            <m:sSub>
+                              <m:sSubPr>
+                                <m:ctrlPr>
+                                  <a:rPr lang="en-GB" i="1">
+                                    <a:latin typeface="Cambria Math" panose="02040503050406030204" pitchFamily="18" charset="0"/>
+                                  </a:rPr>
+                                </m:ctrlPr>
+                              </m:sSubPr>
+                              <m:e>
+                                <m:r>
+                                  <a:rPr lang="en-GB" i="1">
+                                    <a:latin typeface="Cambria Math" panose="02040503050406030204" pitchFamily="18" charset="0"/>
+                                  </a:rPr>
+                                  <m:t>𝐴</m:t>
+                                </m:r>
+                              </m:e>
+                              <m:sub>
+                                <m:r>
+                                  <a:rPr lang="en-GB" i="1">
+                                    <a:latin typeface="Cambria Math" panose="02040503050406030204" pitchFamily="18" charset="0"/>
+                                  </a:rPr>
+                                  <m:t>𝑑</m:t>
+                                </m:r>
+                              </m:sub>
+                            </m:sSub>
+                          </m:e>
+                        </m:d>
+                      </m:e>
+                      <m:sup>
+                        <m:r>
+                          <a:rPr lang="en-GB" b="0" i="1" smtClean="0">
+                            <a:latin typeface="Cambria Math" panose="02040503050406030204" pitchFamily="18" charset="0"/>
+                          </a:rPr>
+                          <m:t>𝑘</m:t>
+                        </m:r>
+                        <m:r>
+                          <a:rPr lang="en-GB" b="0" i="1" smtClean="0">
+                            <a:latin typeface="Cambria Math" panose="02040503050406030204" pitchFamily="18" charset="0"/>
+                          </a:rPr>
+                          <m:t>−1</m:t>
+                        </m:r>
+                      </m:sup>
+                    </m:sSup>
+                    <m:d>
+                      <m:dPr>
+                        <m:ctrlPr>
+                          <a:rPr lang="en-GB" b="0" i="1" smtClean="0">
+                            <a:latin typeface="Cambria Math" panose="02040503050406030204" pitchFamily="18" charset="0"/>
+                          </a:rPr>
+                        </m:ctrlPr>
+                      </m:dPr>
+                      <m:e>
+                        <m:m>
+                          <m:mPr>
+                            <m:mcs>
+                              <m:mc>
+                                <m:mcPr>
+                                  <m:count m:val="1"/>
+                                  <m:mcJc m:val="center"/>
+                                </m:mcPr>
+                              </m:mc>
+                            </m:mcs>
+                            <m:ctrlPr>
+                              <a:rPr lang="en-GB" b="0" i="1" smtClean="0">
+                                <a:latin typeface="Cambria Math" panose="02040503050406030204" pitchFamily="18" charset="0"/>
+                              </a:rPr>
+                            </m:ctrlPr>
+                          </m:mPr>
+                          <m:mr>
+                            <m:e>
+                              <m:sSubSup>
+                                <m:sSubSupPr>
+                                  <m:ctrlPr>
+                                    <a:rPr lang="en-GB" b="0" i="1" smtClean="0">
+                                      <a:latin typeface="Cambria Math" panose="02040503050406030204" pitchFamily="18" charset="0"/>
+                                    </a:rPr>
+                                  </m:ctrlPr>
+                                </m:sSubSupPr>
+                                <m:e>
+                                  <m:r>
+                                    <m:rPr>
+                                      <m:brk m:alnAt="7"/>
+                                    </m:rPr>
+                                    <a:rPr lang="en-GB" b="0" i="1" smtClean="0">
+                                      <a:latin typeface="Cambria Math" panose="02040503050406030204" pitchFamily="18" charset="0"/>
+                                    </a:rPr>
+                                    <m:t>𝑣</m:t>
+                                  </m:r>
+                                </m:e>
+                                <m:sub>
+                                  <m:r>
+                                    <a:rPr lang="en-GB" b="0" i="1" smtClean="0">
+                                      <a:latin typeface="Cambria Math" panose="02040503050406030204" pitchFamily="18" charset="0"/>
+                                    </a:rPr>
+                                    <m:t>𝑗</m:t>
+                                  </m:r>
+                                  <m:r>
+                                    <a:rPr lang="en-GB" b="0" i="1" smtClean="0">
+                                      <a:latin typeface="Cambria Math" panose="02040503050406030204" pitchFamily="18" charset="0"/>
+                                    </a:rPr>
+                                    <m:t>+</m:t>
+                                  </m:r>
+                                  <m:r>
+                                    <m:rPr>
+                                      <m:brk m:alnAt="7"/>
+                                    </m:rPr>
+                                    <a:rPr lang="en-GB" b="0" i="1" smtClean="0">
+                                      <a:latin typeface="Cambria Math" panose="02040503050406030204" pitchFamily="18" charset="0"/>
+                                    </a:rPr>
+                                    <m:t>1</m:t>
+                                  </m:r>
+                                </m:sub>
+                                <m:sup>
+                                  <m:r>
+                                    <a:rPr lang="en-GB" b="0" i="1" smtClean="0">
+                                      <a:latin typeface="Cambria Math" panose="02040503050406030204" pitchFamily="18" charset="0"/>
+                                    </a:rPr>
+                                    <m:t>𝑦</m:t>
+                                  </m:r>
+                                </m:sup>
+                              </m:sSubSup>
+                              <m:r>
+                                <m:rPr>
+                                  <m:brk m:alnAt="7"/>
+                                </m:rPr>
+                                <a:rPr lang="en-GB" b="0" i="1" smtClean="0">
+                                  <a:latin typeface="Cambria Math" panose="02040503050406030204" pitchFamily="18" charset="0"/>
+                                </a:rPr>
+                                <m:t>−</m:t>
+                              </m:r>
+                              <m:sSubSup>
+                                <m:sSubSupPr>
+                                  <m:ctrlPr>
+                                    <a:rPr lang="en-GB" b="0" i="1" smtClean="0">
+                                      <a:latin typeface="Cambria Math" panose="02040503050406030204" pitchFamily="18" charset="0"/>
+                                    </a:rPr>
+                                  </m:ctrlPr>
+                                </m:sSubSupPr>
+                                <m:e>
+                                  <m:r>
+                                    <m:rPr>
+                                      <m:brk m:alnAt="7"/>
+                                    </m:rPr>
+                                    <a:rPr lang="en-GB" b="0" i="1" smtClean="0">
+                                      <a:latin typeface="Cambria Math" panose="02040503050406030204" pitchFamily="18" charset="0"/>
+                                    </a:rPr>
+                                    <m:t>𝑣</m:t>
+                                  </m:r>
+                                </m:e>
+                                <m:sub>
+                                  <m:r>
+                                    <a:rPr lang="en-GB" b="0" i="1" smtClean="0">
+                                      <a:latin typeface="Cambria Math" panose="02040503050406030204" pitchFamily="18" charset="0"/>
+                                    </a:rPr>
+                                    <m:t>𝑗</m:t>
+                                  </m:r>
+                                  <m:r>
+                                    <a:rPr lang="en-GB" b="0" i="1" smtClean="0">
+                                      <a:latin typeface="Cambria Math" panose="02040503050406030204" pitchFamily="18" charset="0"/>
+                                    </a:rPr>
+                                    <m:t>−</m:t>
+                                  </m:r>
+                                  <m:r>
+                                    <m:rPr>
+                                      <m:brk m:alnAt="7"/>
+                                    </m:rPr>
+                                    <a:rPr lang="en-GB" b="0" i="1" smtClean="0">
+                                      <a:latin typeface="Cambria Math" panose="02040503050406030204" pitchFamily="18" charset="0"/>
+                                    </a:rPr>
+                                    <m:t>1</m:t>
+                                  </m:r>
+                                </m:sub>
+                                <m:sup>
+                                  <m:r>
+                                    <a:rPr lang="en-GB" b="0" i="1" smtClean="0">
+                                      <a:latin typeface="Cambria Math" panose="02040503050406030204" pitchFamily="18" charset="0"/>
+                                    </a:rPr>
+                                    <m:t>𝑦</m:t>
+                                  </m:r>
+                                </m:sup>
+                              </m:sSubSup>
+                            </m:e>
+                          </m:mr>
+                          <m:mr>
+                            <m:e>
+                              <m:sSubSup>
+                                <m:sSubSupPr>
+                                  <m:ctrlPr>
+                                    <a:rPr lang="en-GB" i="1">
+                                      <a:latin typeface="Cambria Math" panose="02040503050406030204" pitchFamily="18" charset="0"/>
+                                    </a:rPr>
+                                  </m:ctrlPr>
+                                </m:sSubSupPr>
+                                <m:e>
+                                  <m:r>
+                                    <m:rPr>
+                                      <m:brk m:alnAt="7"/>
+                                    </m:rPr>
+                                    <a:rPr lang="en-GB" i="1">
+                                      <a:latin typeface="Cambria Math" panose="02040503050406030204" pitchFamily="18" charset="0"/>
+                                    </a:rPr>
+                                    <m:t>𝑣</m:t>
+                                  </m:r>
+                                </m:e>
+                                <m:sub>
+                                  <m:r>
+                                    <a:rPr lang="en-GB" i="1">
+                                      <a:latin typeface="Cambria Math" panose="02040503050406030204" pitchFamily="18" charset="0"/>
+                                    </a:rPr>
+                                    <m:t>𝑗</m:t>
+                                  </m:r>
+                                  <m:r>
+                                    <a:rPr lang="en-GB" b="0" i="1" smtClean="0">
+                                      <a:latin typeface="Cambria Math" panose="02040503050406030204" pitchFamily="18" charset="0"/>
+                                    </a:rPr>
+                                    <m:t>−</m:t>
+                                  </m:r>
+                                  <m:r>
+                                    <m:rPr>
+                                      <m:brk m:alnAt="7"/>
+                                    </m:rPr>
+                                    <a:rPr lang="en-GB" i="1">
+                                      <a:latin typeface="Cambria Math" panose="02040503050406030204" pitchFamily="18" charset="0"/>
+                                    </a:rPr>
+                                    <m:t>1</m:t>
+                                  </m:r>
+                                </m:sub>
+                                <m:sup>
+                                  <m:r>
+                                    <a:rPr lang="en-GB" b="0" i="1" smtClean="0">
+                                      <a:latin typeface="Cambria Math" panose="02040503050406030204" pitchFamily="18" charset="0"/>
+                                    </a:rPr>
+                                    <m:t>𝑥</m:t>
+                                  </m:r>
+                                </m:sup>
+                              </m:sSubSup>
+                              <m:r>
+                                <m:rPr>
+                                  <m:brk m:alnAt="7"/>
+                                </m:rPr>
+                                <a:rPr lang="en-GB" i="1">
+                                  <a:latin typeface="Cambria Math" panose="02040503050406030204" pitchFamily="18" charset="0"/>
+                                </a:rPr>
+                                <m:t>−</m:t>
+                              </m:r>
+                              <m:sSubSup>
+                                <m:sSubSupPr>
+                                  <m:ctrlPr>
+                                    <a:rPr lang="en-GB" i="1">
+                                      <a:latin typeface="Cambria Math" panose="02040503050406030204" pitchFamily="18" charset="0"/>
+                                    </a:rPr>
+                                  </m:ctrlPr>
+                                </m:sSubSupPr>
+                                <m:e>
+                                  <m:r>
+                                    <m:rPr>
+                                      <m:brk m:alnAt="7"/>
+                                    </m:rPr>
+                                    <a:rPr lang="en-GB" i="1">
+                                      <a:latin typeface="Cambria Math" panose="02040503050406030204" pitchFamily="18" charset="0"/>
+                                    </a:rPr>
+                                    <m:t>𝑣</m:t>
+                                  </m:r>
+                                </m:e>
+                                <m:sub>
+                                  <m:r>
+                                    <a:rPr lang="en-GB" i="1">
+                                      <a:latin typeface="Cambria Math" panose="02040503050406030204" pitchFamily="18" charset="0"/>
+                                    </a:rPr>
+                                    <m:t>𝑗</m:t>
+                                  </m:r>
+                                  <m:r>
+                                    <a:rPr lang="en-GB" b="0" i="1" smtClean="0">
+                                      <a:latin typeface="Cambria Math" panose="02040503050406030204" pitchFamily="18" charset="0"/>
+                                    </a:rPr>
+                                    <m:t>+</m:t>
+                                  </m:r>
+                                  <m:r>
+                                    <m:rPr>
+                                      <m:brk m:alnAt="7"/>
+                                    </m:rPr>
+                                    <a:rPr lang="en-GB" i="1">
+                                      <a:latin typeface="Cambria Math" panose="02040503050406030204" pitchFamily="18" charset="0"/>
+                                    </a:rPr>
+                                    <m:t>1</m:t>
+                                  </m:r>
+                                </m:sub>
+                                <m:sup>
+                                  <m:r>
+                                    <a:rPr lang="en-GB" b="0" i="1" smtClean="0">
+                                      <a:latin typeface="Cambria Math" panose="02040503050406030204" pitchFamily="18" charset="0"/>
+                                    </a:rPr>
+                                    <m:t>𝑥</m:t>
+                                  </m:r>
+                                </m:sup>
+                              </m:sSubSup>
+                            </m:e>
+                          </m:mr>
+                        </m:m>
+                      </m:e>
+                    </m:d>
+                  </m:oMath>
+                </a14:m>
+                <a:endParaRPr lang="en-DE" dirty="0"/>
+              </a:p>
+            </p:txBody>
+          </p:sp>
+        </mc:Choice>
+        <mc:Fallback xmlns="">
+          <p:sp>
+            <p:nvSpPr>
+              <p:cNvPr id="2" name="Inhaltsplatzhalter 1">
+                <a:extLst>
+                  <a:ext uri="{FF2B5EF4-FFF2-40B4-BE49-F238E27FC236}">
+                    <a16:creationId xmlns:a16="http://schemas.microsoft.com/office/drawing/2014/main" id="{E7139FDA-F53F-5A7D-F4EA-51E794EB50A0}"/>
+                  </a:ext>
+                </a:extLst>
+              </p:cNvPr>
+              <p:cNvSpPr>
+                <a:spLocks noGrp="1" noRot="1" noChangeAspect="1" noMove="1" noResize="1" noEditPoints="1" noAdjustHandles="1" noChangeArrowheads="1" noChangeShapeType="1" noTextEdit="1"/>
+              </p:cNvSpPr>
+              <p:nvPr>
+                <p:ph sz="quarter" idx="10"/>
+              </p:nvPr>
+            </p:nvSpPr>
+            <p:spPr>
+              <a:blipFill>
+                <a:blip r:embed="rId2"/>
+                <a:stretch>
+                  <a:fillRect/>
+                </a:stretch>
+              </a:blipFill>
+            </p:spPr>
+            <p:txBody>
+              <a:bodyPr/>
+              <a:lstStyle/>
+              <a:p>
+                <a:r>
+                  <a:rPr lang="en-DE">
+                    <a:noFill/>
+                  </a:rPr>
+                  <a:t> </a:t>
+                </a:r>
+              </a:p>
+            </p:txBody>
+          </p:sp>
+        </mc:Fallback>
+      </mc:AlternateContent>
+      <p:sp>
+        <p:nvSpPr>
+          <p:cNvPr id="3" name="Textplatzhalter 2">
+            <a:extLst>
+              <a:ext uri="{FF2B5EF4-FFF2-40B4-BE49-F238E27FC236}">
+                <a16:creationId xmlns:a16="http://schemas.microsoft.com/office/drawing/2014/main" id="{F88D0287-D209-703F-7510-0C3C8FA40BBB}"/>
+              </a:ext>
+            </a:extLst>
+          </p:cNvPr>
+          <p:cNvSpPr>
+            <a:spLocks noGrp="1"/>
+          </p:cNvSpPr>
+          <p:nvPr>
+            <p:ph type="body" sz="quarter" idx="11"/>
+          </p:nvPr>
+        </p:nvSpPr>
+        <p:spPr/>
+        <p:txBody>
+          <a:bodyPr/>
+          <a:lstStyle/>
+          <a:p>
+            <a:r>
+              <a:rPr lang="en-GB" dirty="0"/>
+              <a:t>Area force</a:t>
+            </a:r>
+            <a:endParaRPr lang="en-DE" dirty="0"/>
+          </a:p>
+        </p:txBody>
+      </p:sp>
+      <p:sp>
+        <p:nvSpPr>
+          <p:cNvPr id="4" name="Titel 3">
+            <a:extLst>
+              <a:ext uri="{FF2B5EF4-FFF2-40B4-BE49-F238E27FC236}">
+                <a16:creationId xmlns:a16="http://schemas.microsoft.com/office/drawing/2014/main" id="{2B8F220F-C0A1-A576-DE77-F3302EF67EDB}"/>
+              </a:ext>
+            </a:extLst>
+          </p:cNvPr>
+          <p:cNvSpPr>
+            <a:spLocks noGrp="1"/>
+          </p:cNvSpPr>
+          <p:nvPr>
+            <p:ph type="title"/>
+          </p:nvPr>
+        </p:nvSpPr>
+        <p:spPr/>
+        <p:txBody>
+          <a:bodyPr/>
+          <a:lstStyle/>
+          <a:p>
+            <a:r>
+              <a:rPr lang="en-GB" dirty="0"/>
+              <a:t>1. DF model and dynamics</a:t>
+            </a:r>
+            <a:endParaRPr lang="en-DE" dirty="0"/>
+          </a:p>
+        </p:txBody>
+      </p:sp>
+    </p:spTree>
+    <p:extLst>
+      <p:ext uri="{BB962C8B-B14F-4D97-AF65-F5344CB8AC3E}">
+        <p14:creationId xmlns:p14="http://schemas.microsoft.com/office/powerpoint/2010/main" val="1585474465"/>
+      </p:ext>
+    </p:extLst>
+  </p:cSld>
+  <p:clrMapOvr>
+    <a:masterClrMapping/>
+  </p:clrMapOvr>
+</p:sld>
+</file>
+
+<file path=ppt/slides/slide12.xml><?xml version="1.0" encoding="utf-8"?>
+<p:sld xmlns:a="http://schemas.openxmlformats.org/drawingml/2006/main" xmlns:r="http://schemas.openxmlformats.org/officeDocument/2006/relationships" xmlns:p="http://schemas.openxmlformats.org/presentationml/2006/main">
+  <p:cSld>
+    <p:spTree>
+      <p:nvGrpSpPr>
+        <p:cNvPr id="1" name="">
+          <a:extLst>
+            <a:ext uri="{FF2B5EF4-FFF2-40B4-BE49-F238E27FC236}">
+              <a16:creationId xmlns:a16="http://schemas.microsoft.com/office/drawing/2014/main" id="{56E0A4FA-8080-FC8D-80D4-C40BC3C12926}"/>
+            </a:ext>
+          </a:extLst>
+        </p:cNvPr>
+        <p:cNvGrpSpPr/>
+        <p:nvPr/>
+      </p:nvGrpSpPr>
+      <p:grpSpPr>
+        <a:xfrm>
+          <a:off x="0" y="0"/>
+          <a:ext cx="0" cy="0"/>
+          <a:chOff x="0" y="0"/>
+          <a:chExt cx="0" cy="0"/>
+        </a:xfrm>
+      </p:grpSpPr>
+      <p:sp>
+        <p:nvSpPr>
+          <p:cNvPr id="2" name="Titel 1">
+            <a:extLst>
+              <a:ext uri="{FF2B5EF4-FFF2-40B4-BE49-F238E27FC236}">
+                <a16:creationId xmlns:a16="http://schemas.microsoft.com/office/drawing/2014/main" id="{36534B13-B779-343F-252B-FA7C99DA5002}"/>
+              </a:ext>
+            </a:extLst>
+          </p:cNvPr>
+          <p:cNvSpPr>
+            <a:spLocks noGrp="1"/>
+          </p:cNvSpPr>
+          <p:nvPr>
+            <p:ph type="title"/>
+          </p:nvPr>
+        </p:nvSpPr>
+        <p:spPr>
+          <a:xfrm>
+            <a:off x="874712" y="346076"/>
+            <a:ext cx="10580687" cy="402070"/>
+          </a:xfrm>
+        </p:spPr>
+        <p:txBody>
+          <a:bodyPr/>
+          <a:lstStyle/>
+          <a:p>
+            <a:r>
+              <a:rPr lang="de-DE" dirty="0"/>
+              <a:t>Area </a:t>
+            </a:r>
+            <a:r>
+              <a:rPr lang="de-DE" dirty="0" err="1"/>
+              <a:t>force</a:t>
+            </a:r>
+            <a:endParaRPr lang="de-DE" dirty="0"/>
+          </a:p>
+        </p:txBody>
+      </p:sp>
+      <p:pic>
+        <p:nvPicPr>
+          <p:cNvPr id="7" name="Inhaltsplatzhalter 6" descr="Ein Bild, das Text, Screenshot, Diagramm, Reihe enthält.&#10;&#10;KI-generierte Inhalte können fehlerhaft sein.">
+            <a:extLst>
+              <a:ext uri="{FF2B5EF4-FFF2-40B4-BE49-F238E27FC236}">
+                <a16:creationId xmlns:a16="http://schemas.microsoft.com/office/drawing/2014/main" id="{BC6BFAAC-9AE3-D7F4-EC4C-B9DDAEC402A0}"/>
+              </a:ext>
+            </a:extLst>
+          </p:cNvPr>
+          <p:cNvPicPr>
+            <a:picLocks noGrp="1" noChangeAspect="1"/>
+          </p:cNvPicPr>
+          <p:nvPr>
+            <p:ph sz="quarter" idx="10"/>
+          </p:nvPr>
+        </p:nvPicPr>
+        <p:blipFill>
+          <a:blip r:embed="rId2" cstate="print">
+            <a:extLst>
+              <a:ext uri="{28A0092B-C50C-407E-A947-70E740481C1C}">
+                <a14:useLocalDpi xmlns:a14="http://schemas.microsoft.com/office/drawing/2010/main" val="0"/>
+              </a:ext>
+            </a:extLst>
+          </a:blip>
+          <a:stretch>
+            <a:fillRect/>
+          </a:stretch>
+        </p:blipFill>
+        <p:spPr>
+          <a:xfrm>
+            <a:off x="2930129" y="1516063"/>
+            <a:ext cx="6469855" cy="4313237"/>
+          </a:xfrm>
+        </p:spPr>
+      </p:pic>
+    </p:spTree>
+    <p:extLst>
+      <p:ext uri="{BB962C8B-B14F-4D97-AF65-F5344CB8AC3E}">
+        <p14:creationId xmlns:p14="http://schemas.microsoft.com/office/powerpoint/2010/main" val="720606504"/>
+      </p:ext>
+    </p:extLst>
+  </p:cSld>
+  <p:clrMapOvr>
+    <a:masterClrMapping/>
+  </p:clrMapOvr>
+</p:sld>
+</file>
+
+<file path=ppt/slides/slide13.xml><?xml version="1.0" encoding="utf-8"?>
+<p:sld xmlns:a="http://schemas.openxmlformats.org/drawingml/2006/main" xmlns:r="http://schemas.openxmlformats.org/officeDocument/2006/relationships" xmlns:p="http://schemas.openxmlformats.org/presentationml/2006/main">
+  <p:cSld>
+    <p:spTree>
+      <p:nvGrpSpPr>
+        <p:cNvPr id="1" name="">
+          <a:extLst>
+            <a:ext uri="{FF2B5EF4-FFF2-40B4-BE49-F238E27FC236}">
+              <a16:creationId xmlns:a16="http://schemas.microsoft.com/office/drawing/2014/main" id="{B0FDF3C0-E515-C6A6-6E2A-F29C80EECEF1}"/>
+            </a:ext>
+          </a:extLst>
+        </p:cNvPr>
+        <p:cNvGrpSpPr/>
+        <p:nvPr/>
+      </p:nvGrpSpPr>
+      <p:grpSpPr>
+        <a:xfrm>
+          <a:off x="0" y="0"/>
+          <a:ext cx="0" cy="0"/>
+          <a:chOff x="0" y="0"/>
+          <a:chExt cx="0" cy="0"/>
+        </a:xfrm>
+      </p:grpSpPr>
+      <p:sp>
+        <p:nvSpPr>
+          <p:cNvPr id="2" name="Titel 1">
+            <a:extLst>
+              <a:ext uri="{FF2B5EF4-FFF2-40B4-BE49-F238E27FC236}">
+                <a16:creationId xmlns:a16="http://schemas.microsoft.com/office/drawing/2014/main" id="{6632DCB2-86EA-A656-BBE8-A038F7A522FF}"/>
+              </a:ext>
+            </a:extLst>
+          </p:cNvPr>
+          <p:cNvSpPr>
+            <a:spLocks noGrp="1"/>
+          </p:cNvSpPr>
+          <p:nvPr>
+            <p:ph type="title"/>
+          </p:nvPr>
+        </p:nvSpPr>
+        <p:spPr/>
+        <p:txBody>
+          <a:bodyPr/>
+          <a:lstStyle/>
+          <a:p>
+            <a:r>
+              <a:rPr lang="de-DE" dirty="0"/>
+              <a:t>Edge </a:t>
+            </a:r>
+            <a:r>
+              <a:rPr lang="de-DE" dirty="0" err="1"/>
+              <a:t>force</a:t>
+            </a:r>
+            <a:endParaRPr lang="de-DE" dirty="0"/>
+          </a:p>
+        </p:txBody>
+      </p:sp>
+      <p:pic>
+        <p:nvPicPr>
+          <p:cNvPr id="6" name="Inhaltsplatzhalter 5" descr="Ein Bild, das Text, Diagramm, Screenshot, Reihe enthält.&#10;&#10;KI-generierte Inhalte können fehlerhaft sein.">
+            <a:extLst>
+              <a:ext uri="{FF2B5EF4-FFF2-40B4-BE49-F238E27FC236}">
+                <a16:creationId xmlns:a16="http://schemas.microsoft.com/office/drawing/2014/main" id="{670D6DF4-7102-4E7D-0E4F-278F1393F266}"/>
+              </a:ext>
+            </a:extLst>
+          </p:cNvPr>
+          <p:cNvPicPr>
+            <a:picLocks noGrp="1" noChangeAspect="1"/>
+          </p:cNvPicPr>
+          <p:nvPr>
+            <p:ph sz="quarter" idx="10"/>
+          </p:nvPr>
+        </p:nvPicPr>
+        <p:blipFill>
+          <a:blip r:embed="rId2" cstate="print">
+            <a:extLst>
+              <a:ext uri="{28A0092B-C50C-407E-A947-70E740481C1C}">
+                <a14:useLocalDpi xmlns:a14="http://schemas.microsoft.com/office/drawing/2010/main" val="0"/>
+              </a:ext>
+            </a:extLst>
+          </a:blip>
+          <a:stretch>
+            <a:fillRect/>
+          </a:stretch>
+        </p:blipFill>
+        <p:spPr>
+          <a:xfrm>
+            <a:off x="2906316" y="1484313"/>
+            <a:ext cx="6517480" cy="4344987"/>
+          </a:xfrm>
+        </p:spPr>
+      </p:pic>
+    </p:spTree>
+    <p:extLst>
+      <p:ext uri="{BB962C8B-B14F-4D97-AF65-F5344CB8AC3E}">
+        <p14:creationId xmlns:p14="http://schemas.microsoft.com/office/powerpoint/2010/main" val="1485791521"/>
+      </p:ext>
+    </p:extLst>
+  </p:cSld>
+  <p:clrMapOvr>
+    <a:masterClrMapping/>
+  </p:clrMapOvr>
+</p:sld>
+</file>
+
+<file path=ppt/slides/slide14.xml><?xml version="1.0" encoding="utf-8"?>
+<p:sld xmlns:a="http://schemas.openxmlformats.org/drawingml/2006/main" xmlns:r="http://schemas.openxmlformats.org/officeDocument/2006/relationships" xmlns:p="http://schemas.openxmlformats.org/presentationml/2006/main">
+  <p:cSld>
+    <p:spTree>
+      <p:nvGrpSpPr>
+        <p:cNvPr id="1" name="">
+          <a:extLst>
+            <a:ext uri="{FF2B5EF4-FFF2-40B4-BE49-F238E27FC236}">
+              <a16:creationId xmlns:a16="http://schemas.microsoft.com/office/drawing/2014/main" id="{11BCBB4C-F471-A498-80C9-9E0E0E6122D9}"/>
+            </a:ext>
+          </a:extLst>
+        </p:cNvPr>
+        <p:cNvGrpSpPr/>
+        <p:nvPr/>
+      </p:nvGrpSpPr>
+      <p:grpSpPr>
+        <a:xfrm>
+          <a:off x="0" y="0"/>
+          <a:ext cx="0" cy="0"/>
+          <a:chOff x="0" y="0"/>
+          <a:chExt cx="0" cy="0"/>
+        </a:xfrm>
+      </p:grpSpPr>
+      <p:sp>
+        <p:nvSpPr>
+          <p:cNvPr id="2" name="Titel 1">
+            <a:extLst>
+              <a:ext uri="{FF2B5EF4-FFF2-40B4-BE49-F238E27FC236}">
+                <a16:creationId xmlns:a16="http://schemas.microsoft.com/office/drawing/2014/main" id="{24B1082B-B982-C6C6-6D1F-1FAE29024146}"/>
+              </a:ext>
+            </a:extLst>
+          </p:cNvPr>
+          <p:cNvSpPr>
+            <a:spLocks noGrp="1"/>
+          </p:cNvSpPr>
+          <p:nvPr>
+            <p:ph type="title"/>
+          </p:nvPr>
+        </p:nvSpPr>
+        <p:spPr/>
+        <p:txBody>
+          <a:bodyPr/>
+          <a:lstStyle/>
+          <a:p>
+            <a:r>
+              <a:rPr lang="de-DE" dirty="0"/>
+              <a:t>Interior angle </a:t>
+            </a:r>
+            <a:r>
+              <a:rPr lang="de-DE" dirty="0" err="1"/>
+              <a:t>force</a:t>
+            </a:r>
+            <a:endParaRPr lang="de-DE" dirty="0"/>
+          </a:p>
+        </p:txBody>
+      </p:sp>
+      <p:pic>
+        <p:nvPicPr>
+          <p:cNvPr id="7" name="Inhaltsplatzhalter 6" descr="Ein Bild, das Text, Diagramm, Reihe, Screenshot enthält.&#10;&#10;KI-generierte Inhalte können fehlerhaft sein.">
+            <a:extLst>
+              <a:ext uri="{FF2B5EF4-FFF2-40B4-BE49-F238E27FC236}">
+                <a16:creationId xmlns:a16="http://schemas.microsoft.com/office/drawing/2014/main" id="{7B4D0244-6A6A-4459-5BE8-08409435C430}"/>
+              </a:ext>
+            </a:extLst>
+          </p:cNvPr>
+          <p:cNvPicPr>
+            <a:picLocks noGrp="1" noChangeAspect="1"/>
+          </p:cNvPicPr>
+          <p:nvPr>
+            <p:ph sz="quarter" idx="10"/>
+          </p:nvPr>
+        </p:nvPicPr>
+        <p:blipFill>
+          <a:blip r:embed="rId2" cstate="print">
+            <a:extLst>
+              <a:ext uri="{28A0092B-C50C-407E-A947-70E740481C1C}">
+                <a14:useLocalDpi xmlns:a14="http://schemas.microsoft.com/office/drawing/2010/main" val="0"/>
+              </a:ext>
+            </a:extLst>
+          </a:blip>
+          <a:stretch>
+            <a:fillRect/>
+          </a:stretch>
+        </p:blipFill>
+        <p:spPr>
+          <a:xfrm>
+            <a:off x="2906316" y="1484313"/>
+            <a:ext cx="6517480" cy="4344987"/>
+          </a:xfrm>
+        </p:spPr>
+      </p:pic>
+    </p:spTree>
+    <p:extLst>
+      <p:ext uri="{BB962C8B-B14F-4D97-AF65-F5344CB8AC3E}">
+        <p14:creationId xmlns:p14="http://schemas.microsoft.com/office/powerpoint/2010/main" val="1217054554"/>
+      </p:ext>
+    </p:extLst>
+  </p:cSld>
+  <p:clrMapOvr>
+    <a:masterClrMapping/>
+  </p:clrMapOvr>
+</p:sld>
+</file>
+
+<file path=ppt/slides/slide15.xml><?xml version="1.0" encoding="utf-8"?>
+<p:sld xmlns:a="http://schemas.openxmlformats.org/drawingml/2006/main" xmlns:r="http://schemas.openxmlformats.org/officeDocument/2006/relationships" xmlns:p="http://schemas.openxmlformats.org/presentationml/2006/main">
+  <p:cSld>
+    <p:spTree>
+      <p:nvGrpSpPr>
+        <p:cNvPr id="1" name="">
+          <a:extLst>
+            <a:ext uri="{FF2B5EF4-FFF2-40B4-BE49-F238E27FC236}">
+              <a16:creationId xmlns:a16="http://schemas.microsoft.com/office/drawing/2014/main" id="{2319BF02-AADA-4832-B4BA-55AA100E18F1}"/>
+            </a:ext>
+          </a:extLst>
+        </p:cNvPr>
+        <p:cNvGrpSpPr/>
+        <p:nvPr/>
+      </p:nvGrpSpPr>
+      <p:grpSpPr>
+        <a:xfrm>
+          <a:off x="0" y="0"/>
+          <a:ext cx="0" cy="0"/>
+          <a:chOff x="0" y="0"/>
+          <a:chExt cx="0" cy="0"/>
+        </a:xfrm>
+      </p:grpSpPr>
+      <p:sp>
+        <p:nvSpPr>
+          <p:cNvPr id="2" name="Titel 1">
+            <a:extLst>
+              <a:ext uri="{FF2B5EF4-FFF2-40B4-BE49-F238E27FC236}">
+                <a16:creationId xmlns:a16="http://schemas.microsoft.com/office/drawing/2014/main" id="{0294CC0E-7228-E052-BB04-DF9D22443483}"/>
+              </a:ext>
+            </a:extLst>
+          </p:cNvPr>
+          <p:cNvSpPr>
+            <a:spLocks noGrp="1"/>
+          </p:cNvSpPr>
+          <p:nvPr>
+            <p:ph type="title"/>
+          </p:nvPr>
+        </p:nvSpPr>
+        <p:spPr/>
+        <p:txBody>
+          <a:bodyPr/>
+          <a:lstStyle/>
+          <a:p>
+            <a:r>
+              <a:rPr lang="de-DE" dirty="0"/>
+              <a:t>Bounce </a:t>
+            </a:r>
+            <a:r>
+              <a:rPr lang="de-DE" dirty="0" err="1"/>
+              <a:t>overlap</a:t>
+            </a:r>
+            <a:r>
+              <a:rPr lang="de-DE" dirty="0"/>
+              <a:t> </a:t>
+            </a:r>
+            <a:r>
+              <a:rPr lang="de-DE" dirty="0" err="1"/>
+              <a:t>force</a:t>
+            </a:r>
+            <a:endParaRPr lang="de-DE" dirty="0"/>
+          </a:p>
+        </p:txBody>
+      </p:sp>
+      <p:pic>
+        <p:nvPicPr>
+          <p:cNvPr id="6" name="Inhaltsplatzhalter 5" descr="Ein Bild, das Text, Diagramm, Screenshot enthält.&#10;&#10;KI-generierte Inhalte können fehlerhaft sein.">
+            <a:extLst>
+              <a:ext uri="{FF2B5EF4-FFF2-40B4-BE49-F238E27FC236}">
+                <a16:creationId xmlns:a16="http://schemas.microsoft.com/office/drawing/2014/main" id="{2ED0A97E-9846-B8B7-D139-DAADE2011542}"/>
+              </a:ext>
+            </a:extLst>
+          </p:cNvPr>
+          <p:cNvPicPr>
+            <a:picLocks noGrp="1" noChangeAspect="1"/>
+          </p:cNvPicPr>
+          <p:nvPr>
+            <p:ph sz="quarter" idx="10"/>
+          </p:nvPr>
+        </p:nvPicPr>
+        <p:blipFill>
+          <a:blip r:embed="rId2" cstate="print">
+            <a:extLst>
+              <a:ext uri="{28A0092B-C50C-407E-A947-70E740481C1C}">
+                <a14:useLocalDpi xmlns:a14="http://schemas.microsoft.com/office/drawing/2010/main" val="0"/>
+              </a:ext>
+            </a:extLst>
+          </a:blip>
+          <a:stretch>
+            <a:fillRect/>
+          </a:stretch>
+        </p:blipFill>
+        <p:spPr>
+          <a:xfrm>
+            <a:off x="2906316" y="1484313"/>
+            <a:ext cx="6517480" cy="4344987"/>
+          </a:xfrm>
+        </p:spPr>
+      </p:pic>
+    </p:spTree>
+    <p:extLst>
+      <p:ext uri="{BB962C8B-B14F-4D97-AF65-F5344CB8AC3E}">
+        <p14:creationId xmlns:p14="http://schemas.microsoft.com/office/powerpoint/2010/main" val="1554722193"/>
+      </p:ext>
+    </p:extLst>
+  </p:cSld>
+  <p:clrMapOvr>
+    <a:masterClrMapping/>
+  </p:clrMapOvr>
+</p:sld>
+</file>
+
+<file path=ppt/slides/slide16.xml><?xml version="1.0" encoding="utf-8"?>
+<p:sld xmlns:a="http://schemas.openxmlformats.org/drawingml/2006/main" xmlns:r="http://schemas.openxmlformats.org/officeDocument/2006/relationships" xmlns:p="http://schemas.openxmlformats.org/presentationml/2006/main">
+  <p:cSld>
+    <p:spTree>
+      <p:nvGrpSpPr>
+        <p:cNvPr id="1" name="">
+          <a:extLst>
+            <a:ext uri="{FF2B5EF4-FFF2-40B4-BE49-F238E27FC236}">
+              <a16:creationId xmlns:a16="http://schemas.microsoft.com/office/drawing/2014/main" id="{5CB033BC-5705-3F9B-E79A-5965EAAFE546}"/>
+            </a:ext>
+          </a:extLst>
+        </p:cNvPr>
+        <p:cNvGrpSpPr/>
+        <p:nvPr/>
+      </p:nvGrpSpPr>
+      <p:grpSpPr>
+        <a:xfrm>
+          <a:off x="0" y="0"/>
+          <a:ext cx="0" cy="0"/>
+          <a:chOff x="0" y="0"/>
+          <a:chExt cx="0" cy="0"/>
+        </a:xfrm>
+      </p:grpSpPr>
+      <p:sp>
+        <p:nvSpPr>
+          <p:cNvPr id="2" name="Titel 1">
+            <a:extLst>
+              <a:ext uri="{FF2B5EF4-FFF2-40B4-BE49-F238E27FC236}">
+                <a16:creationId xmlns:a16="http://schemas.microsoft.com/office/drawing/2014/main" id="{EFE83BA1-8267-EC80-E5F4-D9A41642633D}"/>
+              </a:ext>
+            </a:extLst>
+          </p:cNvPr>
+          <p:cNvSpPr>
+            <a:spLocks noGrp="1"/>
+          </p:cNvSpPr>
+          <p:nvPr>
+            <p:ph type="title"/>
+          </p:nvPr>
+        </p:nvSpPr>
+        <p:spPr/>
+        <p:txBody>
+          <a:bodyPr/>
+          <a:lstStyle/>
+          <a:p>
+            <a:r>
+              <a:rPr lang="de-DE" dirty="0" err="1"/>
+              <a:t>Deforming</a:t>
+            </a:r>
+            <a:r>
+              <a:rPr lang="de-DE" dirty="0"/>
+              <a:t> </a:t>
+            </a:r>
+            <a:r>
+              <a:rPr lang="de-DE" dirty="0" err="1"/>
+              <a:t>overlap</a:t>
+            </a:r>
+            <a:r>
+              <a:rPr lang="de-DE" dirty="0"/>
+              <a:t> </a:t>
+            </a:r>
+            <a:r>
+              <a:rPr lang="de-DE" dirty="0" err="1"/>
+              <a:t>force</a:t>
+            </a:r>
+            <a:endParaRPr lang="de-DE" dirty="0"/>
+          </a:p>
+        </p:txBody>
+      </p:sp>
+      <p:pic>
+        <p:nvPicPr>
+          <p:cNvPr id="7" name="Inhaltsplatzhalter 6" descr="Ein Bild, das Text, Diagramm, Screenshot enthält.&#10;&#10;KI-generierte Inhalte können fehlerhaft sein.">
+            <a:extLst>
+              <a:ext uri="{FF2B5EF4-FFF2-40B4-BE49-F238E27FC236}">
+                <a16:creationId xmlns:a16="http://schemas.microsoft.com/office/drawing/2014/main" id="{FE9641BE-0FFF-7F64-59D9-6F889DECD17C}"/>
+              </a:ext>
+            </a:extLst>
+          </p:cNvPr>
+          <p:cNvPicPr>
+            <a:picLocks noGrp="1" noChangeAspect="1"/>
+          </p:cNvPicPr>
+          <p:nvPr>
+            <p:ph sz="quarter" idx="10"/>
+          </p:nvPr>
+        </p:nvPicPr>
+        <p:blipFill>
+          <a:blip r:embed="rId2" cstate="print">
+            <a:extLst>
+              <a:ext uri="{28A0092B-C50C-407E-A947-70E740481C1C}">
+                <a14:useLocalDpi xmlns:a14="http://schemas.microsoft.com/office/drawing/2010/main" val="0"/>
+              </a:ext>
+            </a:extLst>
+          </a:blip>
+          <a:stretch>
+            <a:fillRect/>
+          </a:stretch>
+        </p:blipFill>
+        <p:spPr>
+          <a:xfrm>
+            <a:off x="2906316" y="1484313"/>
+            <a:ext cx="6517480" cy="4344987"/>
+          </a:xfrm>
+        </p:spPr>
+      </p:pic>
+    </p:spTree>
+    <p:extLst>
+      <p:ext uri="{BB962C8B-B14F-4D97-AF65-F5344CB8AC3E}">
+        <p14:creationId xmlns:p14="http://schemas.microsoft.com/office/powerpoint/2010/main" val="3873015364"/>
+      </p:ext>
+    </p:extLst>
+  </p:cSld>
+  <p:clrMapOvr>
+    <a:masterClrMapping/>
+  </p:clrMapOvr>
+</p:sld>
+</file>
+
+<file path=ppt/slides/slide17.xml><?xml version="1.0" encoding="utf-8"?>
+<p:sld xmlns:a="http://schemas.openxmlformats.org/drawingml/2006/main" xmlns:r="http://schemas.openxmlformats.org/officeDocument/2006/relationships" xmlns:p="http://schemas.openxmlformats.org/presentationml/2006/main">
+  <p:cSld>
+    <p:spTree>
+      <p:nvGrpSpPr>
+        <p:cNvPr id="1" name="">
+          <a:extLst>
+            <a:ext uri="{FF2B5EF4-FFF2-40B4-BE49-F238E27FC236}">
+              <a16:creationId xmlns:a16="http://schemas.microsoft.com/office/drawing/2014/main" id="{5A41C89A-9642-C8E8-5EB2-189DA295DBA9}"/>
+            </a:ext>
+          </a:extLst>
+        </p:cNvPr>
+        <p:cNvGrpSpPr/>
+        <p:nvPr/>
+      </p:nvGrpSpPr>
+      <p:grpSpPr>
+        <a:xfrm>
+          <a:off x="0" y="0"/>
+          <a:ext cx="0" cy="0"/>
+          <a:chOff x="0" y="0"/>
+          <a:chExt cx="0" cy="0"/>
+        </a:xfrm>
+      </p:grpSpPr>
+      <p:sp>
+        <p:nvSpPr>
+          <p:cNvPr id="2" name="Titel 1">
+            <a:extLst>
+              <a:ext uri="{FF2B5EF4-FFF2-40B4-BE49-F238E27FC236}">
+                <a16:creationId xmlns:a16="http://schemas.microsoft.com/office/drawing/2014/main" id="{F4BDC200-A1D0-330B-E76B-4057C9AA18AC}"/>
+              </a:ext>
+            </a:extLst>
+          </p:cNvPr>
+          <p:cNvSpPr>
+            <a:spLocks noGrp="1"/>
+          </p:cNvSpPr>
+          <p:nvPr>
+            <p:ph type="title"/>
+          </p:nvPr>
+        </p:nvSpPr>
+        <p:spPr/>
+        <p:txBody>
+          <a:bodyPr/>
+          <a:lstStyle/>
+          <a:p>
+            <a:r>
+              <a:rPr lang="de-DE" dirty="0"/>
+              <a:t>Soft DF </a:t>
+            </a:r>
+            <a:r>
+              <a:rPr lang="de-DE" dirty="0" err="1"/>
+              <a:t>model</a:t>
+            </a:r>
+            <a:endParaRPr lang="de-DE" dirty="0"/>
+          </a:p>
+        </p:txBody>
+      </p:sp>
+      <p:pic>
+        <p:nvPicPr>
+          <p:cNvPr id="6" name="Inhaltsplatzhalter 5" descr="Ein Bild, das Text, Diagramm, Screenshot enthält.&#10;&#10;KI-generierte Inhalte können fehlerhaft sein.">
+            <a:extLst>
+              <a:ext uri="{FF2B5EF4-FFF2-40B4-BE49-F238E27FC236}">
+                <a16:creationId xmlns:a16="http://schemas.microsoft.com/office/drawing/2014/main" id="{EC221D28-CDD4-8BD6-ABCE-5217214F52F5}"/>
+              </a:ext>
+            </a:extLst>
+          </p:cNvPr>
+          <p:cNvPicPr>
+            <a:picLocks noGrp="1" noChangeAspect="1"/>
+          </p:cNvPicPr>
+          <p:nvPr>
+            <p:ph sz="quarter" idx="10"/>
+          </p:nvPr>
+        </p:nvPicPr>
+        <p:blipFill>
+          <a:blip r:embed="rId2" cstate="print">
+            <a:extLst>
+              <a:ext uri="{28A0092B-C50C-407E-A947-70E740481C1C}">
+                <a14:useLocalDpi xmlns:a14="http://schemas.microsoft.com/office/drawing/2010/main" val="0"/>
+              </a:ext>
+            </a:extLst>
+          </a:blip>
+          <a:stretch>
+            <a:fillRect/>
+          </a:stretch>
+        </p:blipFill>
+        <p:spPr>
+          <a:xfrm>
+            <a:off x="2906316" y="1484313"/>
+            <a:ext cx="6517480" cy="4344987"/>
+          </a:xfrm>
+        </p:spPr>
+      </p:pic>
+    </p:spTree>
+    <p:extLst>
+      <p:ext uri="{BB962C8B-B14F-4D97-AF65-F5344CB8AC3E}">
+        <p14:creationId xmlns:p14="http://schemas.microsoft.com/office/powerpoint/2010/main" val="549123267"/>
+      </p:ext>
+    </p:extLst>
+  </p:cSld>
+  <p:clrMapOvr>
+    <a:masterClrMapping/>
+  </p:clrMapOvr>
+</p:sld>
+</file>
+
+<file path=ppt/slides/slide18.xml><?xml version="1.0" encoding="utf-8"?>
+<p:sld xmlns:a="http://schemas.openxmlformats.org/drawingml/2006/main" xmlns:r="http://schemas.openxmlformats.org/officeDocument/2006/relationships" xmlns:p="http://schemas.openxmlformats.org/presentationml/2006/main">
+  <p:cSld>
+    <p:spTree>
+      <p:nvGrpSpPr>
+        <p:cNvPr id="1" name="">
+          <a:extLst>
+            <a:ext uri="{FF2B5EF4-FFF2-40B4-BE49-F238E27FC236}">
+              <a16:creationId xmlns:a16="http://schemas.microsoft.com/office/drawing/2014/main" id="{241C12B1-AE7F-491B-2B7D-C7D06669A7D9}"/>
+            </a:ext>
+          </a:extLst>
+        </p:cNvPr>
+        <p:cNvGrpSpPr/>
+        <p:nvPr/>
+      </p:nvGrpSpPr>
+      <p:grpSpPr>
+        <a:xfrm>
+          <a:off x="0" y="0"/>
+          <a:ext cx="0" cy="0"/>
+          <a:chOff x="0" y="0"/>
+          <a:chExt cx="0" cy="0"/>
+        </a:xfrm>
+      </p:grpSpPr>
+      <p:sp>
+        <p:nvSpPr>
+          <p:cNvPr id="2" name="Titel 1">
+            <a:extLst>
+              <a:ext uri="{FF2B5EF4-FFF2-40B4-BE49-F238E27FC236}">
+                <a16:creationId xmlns:a16="http://schemas.microsoft.com/office/drawing/2014/main" id="{531739A9-0477-A9CB-421F-8B09756658E2}"/>
+              </a:ext>
+            </a:extLst>
+          </p:cNvPr>
+          <p:cNvSpPr>
+            <a:spLocks noGrp="1"/>
+          </p:cNvSpPr>
+          <p:nvPr>
+            <p:ph type="title"/>
+          </p:nvPr>
+        </p:nvSpPr>
+        <p:spPr/>
+        <p:txBody>
+          <a:bodyPr/>
+          <a:lstStyle/>
+          <a:p>
+            <a:r>
+              <a:rPr lang="de-DE" dirty="0"/>
+              <a:t>Mid DF </a:t>
+            </a:r>
+            <a:r>
+              <a:rPr lang="de-DE" dirty="0" err="1"/>
+              <a:t>model</a:t>
+            </a:r>
+            <a:endParaRPr lang="de-DE" dirty="0"/>
+          </a:p>
+        </p:txBody>
+      </p:sp>
+      <p:pic>
+        <p:nvPicPr>
+          <p:cNvPr id="7" name="Inhaltsplatzhalter 6" descr="Ein Bild, das Text, Diagramm, Screenshot enthält.&#10;&#10;KI-generierte Inhalte können fehlerhaft sein.">
+            <a:extLst>
+              <a:ext uri="{FF2B5EF4-FFF2-40B4-BE49-F238E27FC236}">
+                <a16:creationId xmlns:a16="http://schemas.microsoft.com/office/drawing/2014/main" id="{E3FBEB23-2EC8-E3E6-BEE7-73157F5FDFA0}"/>
+              </a:ext>
+            </a:extLst>
+          </p:cNvPr>
+          <p:cNvPicPr>
+            <a:picLocks noGrp="1" noChangeAspect="1"/>
+          </p:cNvPicPr>
+          <p:nvPr>
+            <p:ph sz="quarter" idx="10"/>
+          </p:nvPr>
+        </p:nvPicPr>
+        <p:blipFill>
+          <a:blip r:embed="rId2" cstate="print">
+            <a:extLst>
+              <a:ext uri="{28A0092B-C50C-407E-A947-70E740481C1C}">
+                <a14:useLocalDpi xmlns:a14="http://schemas.microsoft.com/office/drawing/2010/main" val="0"/>
+              </a:ext>
+            </a:extLst>
+          </a:blip>
+          <a:stretch>
+            <a:fillRect/>
+          </a:stretch>
+        </p:blipFill>
+        <p:spPr>
+          <a:xfrm>
+            <a:off x="2906316" y="1484313"/>
+            <a:ext cx="6517480" cy="4344987"/>
+          </a:xfrm>
+        </p:spPr>
+      </p:pic>
+    </p:spTree>
+    <p:extLst>
+      <p:ext uri="{BB962C8B-B14F-4D97-AF65-F5344CB8AC3E}">
+        <p14:creationId xmlns:p14="http://schemas.microsoft.com/office/powerpoint/2010/main" val="3958594769"/>
+      </p:ext>
+    </p:extLst>
+  </p:cSld>
+  <p:clrMapOvr>
+    <a:masterClrMapping/>
+  </p:clrMapOvr>
+</p:sld>
+</file>
+
+<file path=ppt/slides/slide19.xml><?xml version="1.0" encoding="utf-8"?>
+<p:sld xmlns:a="http://schemas.openxmlformats.org/drawingml/2006/main" xmlns:r="http://schemas.openxmlformats.org/officeDocument/2006/relationships" xmlns:p="http://schemas.openxmlformats.org/presentationml/2006/main">
+  <p:cSld>
+    <p:spTree>
+      <p:nvGrpSpPr>
+        <p:cNvPr id="1" name="">
+          <a:extLst>
+            <a:ext uri="{FF2B5EF4-FFF2-40B4-BE49-F238E27FC236}">
+              <a16:creationId xmlns:a16="http://schemas.microsoft.com/office/drawing/2014/main" id="{A398A099-94E2-1027-242A-57CCB4A90E8A}"/>
+            </a:ext>
+          </a:extLst>
+        </p:cNvPr>
+        <p:cNvGrpSpPr/>
+        <p:nvPr/>
+      </p:nvGrpSpPr>
+      <p:grpSpPr>
+        <a:xfrm>
+          <a:off x="0" y="0"/>
+          <a:ext cx="0" cy="0"/>
+          <a:chOff x="0" y="0"/>
+          <a:chExt cx="0" cy="0"/>
+        </a:xfrm>
+      </p:grpSpPr>
+      <p:sp>
+        <p:nvSpPr>
+          <p:cNvPr id="2" name="Titel 1">
+            <a:extLst>
+              <a:ext uri="{FF2B5EF4-FFF2-40B4-BE49-F238E27FC236}">
+                <a16:creationId xmlns:a16="http://schemas.microsoft.com/office/drawing/2014/main" id="{4307A98C-927F-D32F-A15A-2C0F040A6BFC}"/>
+              </a:ext>
+            </a:extLst>
+          </p:cNvPr>
+          <p:cNvSpPr>
+            <a:spLocks noGrp="1"/>
+          </p:cNvSpPr>
+          <p:nvPr>
+            <p:ph type="title"/>
+          </p:nvPr>
+        </p:nvSpPr>
+        <p:spPr/>
+        <p:txBody>
+          <a:bodyPr/>
+          <a:lstStyle/>
+          <a:p>
+            <a:r>
+              <a:rPr lang="de-DE" dirty="0"/>
+              <a:t>Hard DF </a:t>
+            </a:r>
+            <a:r>
+              <a:rPr lang="de-DE" dirty="0" err="1"/>
+              <a:t>model</a:t>
+            </a:r>
+            <a:endParaRPr lang="de-DE" dirty="0"/>
+          </a:p>
+        </p:txBody>
+      </p:sp>
+      <p:pic>
+        <p:nvPicPr>
+          <p:cNvPr id="6" name="Inhaltsplatzhalter 5" descr="Ein Bild, das Text, Diagramm, Screenshot enthält.&#10;&#10;KI-generierte Inhalte können fehlerhaft sein.">
+            <a:extLst>
+              <a:ext uri="{FF2B5EF4-FFF2-40B4-BE49-F238E27FC236}">
+                <a16:creationId xmlns:a16="http://schemas.microsoft.com/office/drawing/2014/main" id="{0610B5C9-BDE7-B8F8-5014-49C2F568E3C4}"/>
+              </a:ext>
+            </a:extLst>
+          </p:cNvPr>
+          <p:cNvPicPr>
+            <a:picLocks noGrp="1" noChangeAspect="1"/>
+          </p:cNvPicPr>
+          <p:nvPr>
+            <p:ph sz="quarter" idx="10"/>
+          </p:nvPr>
+        </p:nvPicPr>
+        <p:blipFill>
+          <a:blip r:embed="rId2" cstate="print">
+            <a:extLst>
+              <a:ext uri="{28A0092B-C50C-407E-A947-70E740481C1C}">
+                <a14:useLocalDpi xmlns:a14="http://schemas.microsoft.com/office/drawing/2010/main" val="0"/>
+              </a:ext>
+            </a:extLst>
+          </a:blip>
+          <a:stretch>
+            <a:fillRect/>
+          </a:stretch>
+        </p:blipFill>
+        <p:spPr>
+          <a:xfrm>
+            <a:off x="2906316" y="1484313"/>
+            <a:ext cx="6517480" cy="4344987"/>
+          </a:xfrm>
+        </p:spPr>
+      </p:pic>
+    </p:spTree>
+    <p:extLst>
+      <p:ext uri="{BB962C8B-B14F-4D97-AF65-F5344CB8AC3E}">
+        <p14:creationId xmlns:p14="http://schemas.microsoft.com/office/powerpoint/2010/main" val="3153018834"/>
+      </p:ext>
+    </p:extLst>
+  </p:cSld>
+  <p:clrMapOvr>
+    <a:masterClrMapping/>
+  </p:clrMapOvr>
+</p:sld>
+</file>
+
 <file path=ppt/slides/slide2.xml><?xml version="1.0" encoding="utf-8"?>
 <p:sld xmlns:a="http://schemas.openxmlformats.org/drawingml/2006/main" xmlns:r="http://schemas.openxmlformats.org/officeDocument/2006/relationships" xmlns:p="http://schemas.openxmlformats.org/presentationml/2006/main">
   <p:cSld>
@@ -12075,7 +15039,193 @@
 </p:sld>
 </file>
 
-<file path=ppt/slides/slide3.xml><?xml version="1.0" encoding="utf-8"?>
+<file path=ppt/slides/slide20.xml><?xml version="1.0" encoding="utf-8"?>
+<p:sld xmlns:a="http://schemas.openxmlformats.org/drawingml/2006/main" xmlns:r="http://schemas.openxmlformats.org/officeDocument/2006/relationships" xmlns:p="http://schemas.openxmlformats.org/presentationml/2006/main">
+  <p:cSld>
+    <p:spTree>
+      <p:nvGrpSpPr>
+        <p:cNvPr id="1" name="">
+          <a:extLst>
+            <a:ext uri="{FF2B5EF4-FFF2-40B4-BE49-F238E27FC236}">
+              <a16:creationId xmlns:a16="http://schemas.microsoft.com/office/drawing/2014/main" id="{D22CC61D-D735-A19F-8849-D5AF2DFD47C9}"/>
+            </a:ext>
+          </a:extLst>
+        </p:cNvPr>
+        <p:cNvGrpSpPr/>
+        <p:nvPr/>
+      </p:nvGrpSpPr>
+      <p:grpSpPr>
+        <a:xfrm>
+          <a:off x="0" y="0"/>
+          <a:ext cx="0" cy="0"/>
+          <a:chOff x="0" y="0"/>
+          <a:chExt cx="0" cy="0"/>
+        </a:xfrm>
+      </p:grpSpPr>
+      <p:sp>
+        <p:nvSpPr>
+          <p:cNvPr id="2" name="Titel 1">
+            <a:extLst>
+              <a:ext uri="{FF2B5EF4-FFF2-40B4-BE49-F238E27FC236}">
+                <a16:creationId xmlns:a16="http://schemas.microsoft.com/office/drawing/2014/main" id="{D94913D5-AB2D-3A9A-4235-A1EE983B178F}"/>
+              </a:ext>
+            </a:extLst>
+          </p:cNvPr>
+          <p:cNvSpPr>
+            <a:spLocks noGrp="1"/>
+          </p:cNvSpPr>
+          <p:nvPr>
+            <p:ph type="title"/>
+          </p:nvPr>
+        </p:nvSpPr>
+        <p:spPr/>
+        <p:txBody>
+          <a:bodyPr/>
+          <a:lstStyle/>
+          <a:p>
+            <a:r>
+              <a:rPr lang="en-GB" dirty="0"/>
+              <a:t>DF MODEL ANALYSIS</a:t>
+            </a:r>
+            <a:endParaRPr lang="en-DE" dirty="0"/>
+          </a:p>
+        </p:txBody>
+      </p:sp>
+      <p:sp>
+        <p:nvSpPr>
+          <p:cNvPr id="3" name="Inhaltsplatzhalter 2">
+            <a:extLst>
+              <a:ext uri="{FF2B5EF4-FFF2-40B4-BE49-F238E27FC236}">
+                <a16:creationId xmlns:a16="http://schemas.microsoft.com/office/drawing/2014/main" id="{90FB727F-F926-48F6-6F7B-3E0A5003D8E0}"/>
+              </a:ext>
+            </a:extLst>
+          </p:cNvPr>
+          <p:cNvSpPr>
+            <a:spLocks noGrp="1"/>
+          </p:cNvSpPr>
+          <p:nvPr>
+            <p:ph sz="quarter" idx="10"/>
+          </p:nvPr>
+        </p:nvSpPr>
+        <p:spPr/>
+        <p:txBody>
+          <a:bodyPr/>
+          <a:lstStyle/>
+          <a:p>
+            <a:endParaRPr lang="en-DE"/>
+          </a:p>
+        </p:txBody>
+      </p:sp>
+    </p:spTree>
+    <p:extLst>
+      <p:ext uri="{BB962C8B-B14F-4D97-AF65-F5344CB8AC3E}">
+        <p14:creationId xmlns:p14="http://schemas.microsoft.com/office/powerpoint/2010/main" val="1136520755"/>
+      </p:ext>
+    </p:extLst>
+  </p:cSld>
+  <p:clrMapOvr>
+    <a:masterClrMapping/>
+  </p:clrMapOvr>
+</p:sld>
+</file>
+
+<file path=ppt/slides/slide21.xml><?xml version="1.0" encoding="utf-8"?>
+<p:sld xmlns:a="http://schemas.openxmlformats.org/drawingml/2006/main" xmlns:r="http://schemas.openxmlformats.org/officeDocument/2006/relationships" xmlns:p="http://schemas.openxmlformats.org/presentationml/2006/main">
+  <p:cSld>
+    <p:spTree>
+      <p:nvGrpSpPr>
+        <p:cNvPr id="1" name="">
+          <a:extLst>
+            <a:ext uri="{FF2B5EF4-FFF2-40B4-BE49-F238E27FC236}">
+              <a16:creationId xmlns:a16="http://schemas.microsoft.com/office/drawing/2014/main" id="{57143D55-8EF8-44A6-D03C-99E56AFFFC0A}"/>
+            </a:ext>
+          </a:extLst>
+        </p:cNvPr>
+        <p:cNvGrpSpPr/>
+        <p:nvPr/>
+      </p:nvGrpSpPr>
+      <p:grpSpPr>
+        <a:xfrm>
+          <a:off x="0" y="0"/>
+          <a:ext cx="0" cy="0"/>
+          <a:chOff x="0" y="0"/>
+          <a:chExt cx="0" cy="0"/>
+        </a:xfrm>
+      </p:grpSpPr>
+      <p:sp>
+        <p:nvSpPr>
+          <p:cNvPr id="2" name="Titel 1">
+            <a:extLst>
+              <a:ext uri="{FF2B5EF4-FFF2-40B4-BE49-F238E27FC236}">
+                <a16:creationId xmlns:a16="http://schemas.microsoft.com/office/drawing/2014/main" id="{27B7F32A-1E4C-6524-6356-4C518052EEA3}"/>
+              </a:ext>
+            </a:extLst>
+          </p:cNvPr>
+          <p:cNvSpPr>
+            <a:spLocks noGrp="1"/>
+          </p:cNvSpPr>
+          <p:nvPr>
+            <p:ph type="title"/>
+          </p:nvPr>
+        </p:nvSpPr>
+        <p:spPr/>
+        <p:txBody>
+          <a:bodyPr/>
+          <a:lstStyle/>
+          <a:p>
+            <a:endParaRPr lang="de-DE" dirty="0"/>
+          </a:p>
+        </p:txBody>
+      </p:sp>
+      <p:pic>
+        <p:nvPicPr>
+          <p:cNvPr id="7" name="Inhaltsplatzhalter 6" descr="Ein Bild, das Text, Diagramm, Reihe enthält.&#10;&#10;KI-generierte Inhalte können fehlerhaft sein.">
+            <a:extLst>
+              <a:ext uri="{FF2B5EF4-FFF2-40B4-BE49-F238E27FC236}">
+                <a16:creationId xmlns:a16="http://schemas.microsoft.com/office/drawing/2014/main" id="{F751AA05-93C7-BC55-18C9-216A0DD5D488}"/>
+              </a:ext>
+            </a:extLst>
+          </p:cNvPr>
+          <p:cNvPicPr>
+            <a:picLocks noGrp="1" noChangeAspect="1"/>
+          </p:cNvPicPr>
+          <p:nvPr>
+            <p:ph sz="quarter" idx="10"/>
+          </p:nvPr>
+        </p:nvPicPr>
+        <p:blipFill>
+          <a:blip r:embed="rId2" cstate="print">
+            <a:extLst>
+              <a:ext uri="{28A0092B-C50C-407E-A947-70E740481C1C}">
+                <a14:useLocalDpi xmlns:a14="http://schemas.microsoft.com/office/drawing/2010/main" val="0"/>
+              </a:ext>
+            </a:extLst>
+          </a:blip>
+          <a:stretch>
+            <a:fillRect/>
+          </a:stretch>
+        </p:blipFill>
+        <p:spPr>
+          <a:xfrm>
+            <a:off x="2906316" y="1484313"/>
+            <a:ext cx="6517480" cy="4344987"/>
+          </a:xfrm>
+        </p:spPr>
+      </p:pic>
+    </p:spTree>
+    <p:extLst>
+      <p:ext uri="{BB962C8B-B14F-4D97-AF65-F5344CB8AC3E}">
+        <p14:creationId xmlns:p14="http://schemas.microsoft.com/office/powerpoint/2010/main" val="671450659"/>
+      </p:ext>
+    </p:extLst>
+  </p:cSld>
+  <p:clrMapOvr>
+    <a:masterClrMapping/>
+  </p:clrMapOvr>
+</p:sld>
+</file>
+
+<file path=ppt/slides/slide22.xml><?xml version="1.0" encoding="utf-8"?>
 <p:sld xmlns:a="http://schemas.openxmlformats.org/drawingml/2006/main" xmlns:r="http://schemas.openxmlformats.org/officeDocument/2006/relationships" xmlns:p="http://schemas.openxmlformats.org/presentationml/2006/main">
   <p:cSld>
     <p:spTree>
@@ -12117,35 +15267,3553 @@
           </a:p>
         </p:txBody>
       </p:sp>
-      <p:sp>
-        <p:nvSpPr>
-          <p:cNvPr id="3" name="Inhaltsplatzhalter 2">
+      <p:pic>
+        <p:nvPicPr>
+          <p:cNvPr id="5" name="Inhaltsplatzhalter 4" descr="Ein Bild, das Text, Screenshot, Diagramm, Reihe enthält.&#10;&#10;KI-generierte Inhalte können fehlerhaft sein.">
             <a:extLst>
               <a:ext uri="{FF2B5EF4-FFF2-40B4-BE49-F238E27FC236}">
-                <a16:creationId xmlns:a16="http://schemas.microsoft.com/office/drawing/2014/main" id="{65161763-BE5F-473F-865E-60ECFC87E8C2}"/>
+                <a16:creationId xmlns:a16="http://schemas.microsoft.com/office/drawing/2014/main" id="{A9523A2F-09A6-3B8D-FB95-02B73F8A63C2}"/>
               </a:ext>
             </a:extLst>
           </p:cNvPr>
-          <p:cNvSpPr>
-            <a:spLocks noGrp="1"/>
-          </p:cNvSpPr>
+          <p:cNvPicPr>
+            <a:picLocks noGrp="1" noChangeAspect="1"/>
+          </p:cNvPicPr>
           <p:nvPr>
             <p:ph sz="quarter" idx="10"/>
           </p:nvPr>
-        </p:nvSpPr>
-        <p:spPr/>
-        <p:txBody>
-          <a:bodyPr/>
-          <a:lstStyle/>
-          <a:p>
-            <a:endParaRPr lang="de-DE"/>
-          </a:p>
-        </p:txBody>
-      </p:sp>
+        </p:nvPicPr>
+        <p:blipFill>
+          <a:blip r:embed="rId2" cstate="print">
+            <a:extLst>
+              <a:ext uri="{28A0092B-C50C-407E-A947-70E740481C1C}">
+                <a14:useLocalDpi xmlns:a14="http://schemas.microsoft.com/office/drawing/2010/main" val="0"/>
+              </a:ext>
+            </a:extLst>
+          </a:blip>
+          <a:stretch>
+            <a:fillRect/>
+          </a:stretch>
+        </p:blipFill>
+        <p:spPr>
+          <a:xfrm>
+            <a:off x="3721001" y="1484313"/>
+            <a:ext cx="4888110" cy="4344987"/>
+          </a:xfrm>
+        </p:spPr>
+      </p:pic>
     </p:spTree>
     <p:extLst>
       <p:ext uri="{BB962C8B-B14F-4D97-AF65-F5344CB8AC3E}">
         <p14:creationId xmlns:p14="http://schemas.microsoft.com/office/powerpoint/2010/main" val="3025880988"/>
+      </p:ext>
+    </p:extLst>
+  </p:cSld>
+  <p:clrMapOvr>
+    <a:masterClrMapping/>
+  </p:clrMapOvr>
+</p:sld>
+</file>
+
+<file path=ppt/slides/slide3.xml><?xml version="1.0" encoding="utf-8"?>
+<p:sld xmlns:a="http://schemas.openxmlformats.org/drawingml/2006/main" xmlns:r="http://schemas.openxmlformats.org/officeDocument/2006/relationships" xmlns:p="http://schemas.openxmlformats.org/presentationml/2006/main">
+  <p:cSld>
+    <p:spTree>
+      <p:nvGrpSpPr>
+        <p:cNvPr id="1" name="">
+          <a:extLst>
+            <a:ext uri="{FF2B5EF4-FFF2-40B4-BE49-F238E27FC236}">
+              <a16:creationId xmlns:a16="http://schemas.microsoft.com/office/drawing/2014/main" id="{D48246BF-A6E8-B139-9D26-4B018C0299DE}"/>
+            </a:ext>
+          </a:extLst>
+        </p:cNvPr>
+        <p:cNvGrpSpPr/>
+        <p:nvPr/>
+      </p:nvGrpSpPr>
+      <p:grpSpPr>
+        <a:xfrm>
+          <a:off x="0" y="0"/>
+          <a:ext cx="0" cy="0"/>
+          <a:chOff x="0" y="0"/>
+          <a:chExt cx="0" cy="0"/>
+        </a:xfrm>
+      </p:grpSpPr>
+      <p:sp>
+        <p:nvSpPr>
+          <p:cNvPr id="2" name="Titel 1">
+            <a:extLst>
+              <a:ext uri="{FF2B5EF4-FFF2-40B4-BE49-F238E27FC236}">
+                <a16:creationId xmlns:a16="http://schemas.microsoft.com/office/drawing/2014/main" id="{1670F7D4-EAC5-C547-E793-93D7AD3D9CDD}"/>
+              </a:ext>
+            </a:extLst>
+          </p:cNvPr>
+          <p:cNvSpPr>
+            <a:spLocks noGrp="1"/>
+          </p:cNvSpPr>
+          <p:nvPr>
+            <p:ph type="title"/>
+          </p:nvPr>
+        </p:nvSpPr>
+        <p:spPr>
+          <a:xfrm>
+            <a:off x="520821" y="540056"/>
+            <a:ext cx="4398448" cy="492443"/>
+          </a:xfrm>
+        </p:spPr>
+        <p:txBody>
+          <a:bodyPr/>
+          <a:lstStyle/>
+          <a:p>
+            <a:r>
+              <a:rPr lang="de-DE" dirty="0"/>
+              <a:t>List </a:t>
+            </a:r>
+            <a:r>
+              <a:rPr lang="de-DE" dirty="0" err="1"/>
+              <a:t>of</a:t>
+            </a:r>
+            <a:r>
+              <a:rPr lang="de-DE" dirty="0"/>
+              <a:t> </a:t>
+            </a:r>
+            <a:r>
+              <a:rPr lang="de-DE" dirty="0" err="1"/>
+              <a:t>needed</a:t>
+            </a:r>
+            <a:r>
+              <a:rPr lang="de-DE" dirty="0"/>
+              <a:t> </a:t>
+            </a:r>
+            <a:r>
+              <a:rPr lang="de-DE" dirty="0" err="1"/>
+              <a:t>figures</a:t>
+            </a:r>
+            <a:endParaRPr lang="de-DE" dirty="0"/>
+          </a:p>
+        </p:txBody>
+      </p:sp>
+      <p:sp>
+        <p:nvSpPr>
+          <p:cNvPr id="3" name="Textfeld 2">
+            <a:extLst>
+              <a:ext uri="{FF2B5EF4-FFF2-40B4-BE49-F238E27FC236}">
+                <a16:creationId xmlns:a16="http://schemas.microsoft.com/office/drawing/2014/main" id="{8FD4C831-CAA3-9476-06E2-B477D1A77190}"/>
+              </a:ext>
+            </a:extLst>
+          </p:cNvPr>
+          <p:cNvSpPr txBox="1"/>
+          <p:nvPr/>
+        </p:nvSpPr>
+        <p:spPr>
+          <a:xfrm>
+            <a:off x="965200" y="1587500"/>
+            <a:ext cx="10248900" cy="840230"/>
+          </a:xfrm>
+          <a:prstGeom prst="rect">
+            <a:avLst/>
+          </a:prstGeom>
+          <a:noFill/>
+        </p:spPr>
+        <p:txBody>
+          <a:bodyPr wrap="square" rtlCol="0">
+            <a:spAutoFit/>
+          </a:bodyPr>
+          <a:lstStyle/>
+          <a:p>
+            <a:pPr marL="285750" indent="-285750">
+              <a:buFontTx/>
+              <a:buChar char="-"/>
+            </a:pPr>
+            <a:r>
+              <a:rPr lang="en-GB" dirty="0">
+                <a:solidFill>
+                  <a:schemeClr val="bg1"/>
+                </a:solidFill>
+              </a:rPr>
+              <a:t>DF model: figure of </a:t>
+            </a:r>
+            <a:r>
+              <a:rPr lang="en-GB" dirty="0" err="1">
+                <a:solidFill>
+                  <a:schemeClr val="bg1"/>
+                </a:solidFill>
+              </a:rPr>
+              <a:t>df</a:t>
+            </a:r>
+            <a:r>
+              <a:rPr lang="en-GB" dirty="0">
+                <a:solidFill>
+                  <a:schemeClr val="bg1"/>
+                </a:solidFill>
+              </a:rPr>
+              <a:t> cell: </a:t>
+            </a:r>
+          </a:p>
+          <a:p>
+            <a:pPr marL="697230" lvl="1" indent="-285750">
+              <a:buFontTx/>
+              <a:buChar char="-"/>
+            </a:pPr>
+            <a:r>
+              <a:rPr lang="en-GB" dirty="0">
+                <a:solidFill>
+                  <a:schemeClr val="bg1"/>
+                </a:solidFill>
+              </a:rPr>
+              <a:t>show positively </a:t>
+            </a:r>
+            <a:r>
+              <a:rPr lang="en-GB" dirty="0" err="1">
+                <a:solidFill>
+                  <a:schemeClr val="bg1"/>
+                </a:solidFill>
+              </a:rPr>
+              <a:t>orientad</a:t>
+            </a:r>
+            <a:r>
+              <a:rPr lang="en-GB" dirty="0">
+                <a:solidFill>
+                  <a:schemeClr val="bg1"/>
+                </a:solidFill>
+              </a:rPr>
+              <a:t>, simple polygon</a:t>
+            </a:r>
+          </a:p>
+          <a:p>
+            <a:pPr marL="697230" lvl="1" indent="-285750">
+              <a:buFontTx/>
+              <a:buChar char="-"/>
+            </a:pPr>
+            <a:r>
+              <a:rPr lang="en-GB" dirty="0">
+                <a:solidFill>
+                  <a:schemeClr val="bg1"/>
+                </a:solidFill>
+              </a:rPr>
+              <a:t>Give a pic at start of a sim</a:t>
+            </a:r>
+            <a:endParaRPr lang="en-DE" dirty="0">
+              <a:solidFill>
+                <a:schemeClr val="bg1"/>
+              </a:solidFill>
+            </a:endParaRPr>
+          </a:p>
+        </p:txBody>
+      </p:sp>
+    </p:spTree>
+    <p:extLst>
+      <p:ext uri="{BB962C8B-B14F-4D97-AF65-F5344CB8AC3E}">
+        <p14:creationId xmlns:p14="http://schemas.microsoft.com/office/powerpoint/2010/main" val="3227508489"/>
+      </p:ext>
+    </p:extLst>
+  </p:cSld>
+  <p:clrMapOvr>
+    <a:masterClrMapping/>
+  </p:clrMapOvr>
+</p:sld>
+</file>
+
+<file path=ppt/slides/slide4.xml><?xml version="1.0" encoding="utf-8"?>
+<p:sld xmlns:a="http://schemas.openxmlformats.org/drawingml/2006/main" xmlns:r="http://schemas.openxmlformats.org/officeDocument/2006/relationships" xmlns:p="http://schemas.openxmlformats.org/presentationml/2006/main">
+  <p:cSld>
+    <p:spTree>
+      <p:nvGrpSpPr>
+        <p:cNvPr id="1" name=""/>
+        <p:cNvGrpSpPr/>
+        <p:nvPr/>
+      </p:nvGrpSpPr>
+      <p:grpSpPr>
+        <a:xfrm>
+          <a:off x="0" y="0"/>
+          <a:ext cx="0" cy="0"/>
+          <a:chOff x="0" y="0"/>
+          <a:chExt cx="0" cy="0"/>
+        </a:xfrm>
+      </p:grpSpPr>
+      <mc:AlternateContent xmlns:mc="http://schemas.openxmlformats.org/markup-compatibility/2006" xmlns:a14="http://schemas.microsoft.com/office/drawing/2010/main">
+        <mc:Choice Requires="a14">
+          <p:sp>
+            <p:nvSpPr>
+              <p:cNvPr id="3" name="Inhaltsplatzhalter 2">
+                <a:extLst>
+                  <a:ext uri="{FF2B5EF4-FFF2-40B4-BE49-F238E27FC236}">
+                    <a16:creationId xmlns:a16="http://schemas.microsoft.com/office/drawing/2014/main" id="{033F1015-8A0F-082C-D181-73DD4D56F475}"/>
+                  </a:ext>
+                </a:extLst>
+              </p:cNvPr>
+              <p:cNvSpPr>
+                <a:spLocks noGrp="1"/>
+              </p:cNvSpPr>
+              <p:nvPr>
+                <p:ph sz="quarter" idx="10"/>
+              </p:nvPr>
+            </p:nvSpPr>
+            <p:spPr>
+              <a:xfrm>
+                <a:off x="874711" y="1774816"/>
+                <a:ext cx="4784409" cy="3776692"/>
+              </a:xfrm>
+            </p:spPr>
+            <p:txBody>
+              <a:bodyPr anchor="t"/>
+              <a:lstStyle/>
+              <a:p>
+                <a:pPr marL="342900" indent="-342900">
+                  <a:buFont typeface="Arial" panose="020B0604020202020204" pitchFamily="34" charset="0"/>
+                  <a:buChar char="•"/>
+                </a:pPr>
+                <a:r>
+                  <a:rPr lang="en-GB" sz="2400" b="0" dirty="0"/>
+                  <a:t>A DF cell </a:t>
+                </a:r>
+                <a14:m>
+                  <m:oMath xmlns:m="http://schemas.openxmlformats.org/officeDocument/2006/math">
+                    <m:r>
+                      <a:rPr lang="en-GB" i="1">
+                        <a:latin typeface="Cambria Math" panose="02040503050406030204" pitchFamily="18" charset="0"/>
+                      </a:rPr>
+                      <m:t>𝐶</m:t>
+                    </m:r>
+                    <m:r>
+                      <a:rPr lang="en-GB" b="0" i="1" smtClean="0">
+                        <a:latin typeface="Cambria Math" panose="02040503050406030204" pitchFamily="18" charset="0"/>
+                      </a:rPr>
+                      <m:t>=</m:t>
+                    </m:r>
+                    <m:r>
+                      <a:rPr lang="en-GB" sz="2400" b="0" i="1" smtClean="0">
+                        <a:latin typeface="Cambria Math" panose="02040503050406030204" pitchFamily="18" charset="0"/>
+                      </a:rPr>
+                      <m:t>(</m:t>
+                    </m:r>
+                    <m:acc>
+                      <m:accPr>
+                        <m:chr m:val="⃗"/>
+                        <m:ctrlPr>
+                          <a:rPr lang="en-GB" sz="2400" b="0" i="1" smtClean="0">
+                            <a:latin typeface="Cambria Math" panose="02040503050406030204" pitchFamily="18" charset="0"/>
+                          </a:rPr>
+                        </m:ctrlPr>
+                      </m:accPr>
+                      <m:e>
+                        <m:r>
+                          <a:rPr lang="en-GB" sz="2400" b="0" i="1" smtClean="0">
+                            <a:latin typeface="Cambria Math" panose="02040503050406030204" pitchFamily="18" charset="0"/>
+                          </a:rPr>
+                          <m:t>𝑣</m:t>
+                        </m:r>
+                      </m:e>
+                    </m:acc>
+                  </m:oMath>
+                </a14:m>
+                <a:r>
+                  <a:rPr lang="en-GB" baseline="-25000" dirty="0"/>
+                  <a:t>1</a:t>
+                </a:r>
+                <a14:m>
+                  <m:oMath xmlns:m="http://schemas.openxmlformats.org/officeDocument/2006/math">
+                    <m:r>
+                      <a:rPr lang="en-GB" sz="2400" b="0" i="1" smtClean="0">
+                        <a:latin typeface="Cambria Math" panose="02040503050406030204" pitchFamily="18" charset="0"/>
+                      </a:rPr>
+                      <m:t>,…,</m:t>
+                    </m:r>
+                    <m:acc>
+                      <m:accPr>
+                        <m:chr m:val="⃗"/>
+                        <m:ctrlPr>
+                          <a:rPr lang="en-GB" i="1">
+                            <a:latin typeface="Cambria Math" panose="02040503050406030204" pitchFamily="18" charset="0"/>
+                          </a:rPr>
+                        </m:ctrlPr>
+                      </m:accPr>
+                      <m:e>
+                        <m:r>
+                          <a:rPr lang="en-GB" i="1">
+                            <a:latin typeface="Cambria Math" panose="02040503050406030204" pitchFamily="18" charset="0"/>
+                          </a:rPr>
+                          <m:t>𝑣</m:t>
+                        </m:r>
+                      </m:e>
+                    </m:acc>
+                  </m:oMath>
+                </a14:m>
+                <a:r>
+                  <a:rPr lang="en-GB" sz="2400" b="0" i="1" baseline="-25000" dirty="0">
+                    <a:latin typeface="Cambria Math" panose="02040503050406030204" pitchFamily="18" charset="0"/>
+                  </a:rPr>
+                  <a:t>Nv</a:t>
+                </a:r>
+                <a:r>
+                  <a:rPr lang="en-GB" sz="2400" b="0" i="1" dirty="0">
+                    <a:latin typeface="Cambria Math" panose="02040503050406030204" pitchFamily="18" charset="0"/>
+                  </a:rPr>
+                  <a:t>) </a:t>
+                </a:r>
+                <a:r>
+                  <a:rPr lang="en-GB" dirty="0"/>
+                  <a:t>is given by an ordered sequenc</a:t>
+                </a:r>
+                <a:r>
+                  <a:rPr lang="en-GB" sz="2400" dirty="0"/>
+                  <a:t>e of </a:t>
+                </a:r>
+                <a14:m>
+                  <m:oMath xmlns:m="http://schemas.openxmlformats.org/officeDocument/2006/math">
+                    <m:r>
+                      <a:rPr lang="en-GB" sz="2400" b="0" i="1" smtClean="0">
+                        <a:latin typeface="Cambria Math" panose="02040503050406030204" pitchFamily="18" charset="0"/>
+                      </a:rPr>
+                      <m:t>𝑁𝑣</m:t>
+                    </m:r>
+                  </m:oMath>
+                </a14:m>
+                <a:r>
+                  <a:rPr lang="en-GB" sz="2400" dirty="0"/>
+                  <a:t> two-dimensional vertices </a:t>
+                </a:r>
+                <a14:m>
+                  <m:oMath xmlns:m="http://schemas.openxmlformats.org/officeDocument/2006/math">
+                    <m:sSub>
+                      <m:sSubPr>
+                        <m:ctrlPr>
+                          <a:rPr lang="en-GB" sz="2400" b="0" i="1" dirty="0" smtClean="0">
+                            <a:latin typeface="Cambria Math" panose="02040503050406030204" pitchFamily="18" charset="0"/>
+                          </a:rPr>
+                        </m:ctrlPr>
+                      </m:sSubPr>
+                      <m:e>
+                        <m:acc>
+                          <m:accPr>
+                            <m:chr m:val="⃗"/>
+                            <m:ctrlPr>
+                              <a:rPr lang="en-GB" sz="2400" b="0" i="1" smtClean="0">
+                                <a:latin typeface="Cambria Math" panose="02040503050406030204" pitchFamily="18" charset="0"/>
+                              </a:rPr>
+                            </m:ctrlPr>
+                          </m:accPr>
+                          <m:e>
+                            <m:r>
+                              <a:rPr lang="en-GB" sz="2400" b="0" i="1" smtClean="0">
+                                <a:latin typeface="Cambria Math" panose="02040503050406030204" pitchFamily="18" charset="0"/>
+                              </a:rPr>
+                              <m:t>𝑣</m:t>
+                            </m:r>
+                          </m:e>
+                        </m:acc>
+                      </m:e>
+                      <m:sub>
+                        <m:r>
+                          <a:rPr lang="en-GB" sz="2400" b="0" i="1" dirty="0" smtClean="0">
+                            <a:latin typeface="Cambria Math" panose="02040503050406030204" pitchFamily="18" charset="0"/>
+                          </a:rPr>
+                          <m:t>𝑗</m:t>
+                        </m:r>
+                      </m:sub>
+                    </m:sSub>
+                    <m:r>
+                      <a:rPr lang="en-GB" sz="2400" b="0" i="1" dirty="0" smtClean="0">
+                        <a:latin typeface="Cambria Math" panose="02040503050406030204" pitchFamily="18" charset="0"/>
+                      </a:rPr>
+                      <m:t>=</m:t>
+                    </m:r>
+                  </m:oMath>
+                </a14:m>
+                <a:r>
+                  <a:rPr lang="en-GB" sz="2400" b="0" dirty="0"/>
+                  <a:t> </a:t>
+                </a:r>
+                <a14:m>
+                  <m:oMath xmlns:m="http://schemas.openxmlformats.org/officeDocument/2006/math">
+                    <m:sSubSup>
+                      <m:sSubSupPr>
+                        <m:ctrlPr>
+                          <a:rPr lang="en-GB" i="1">
+                            <a:latin typeface="Cambria Math" panose="02040503050406030204" pitchFamily="18" charset="0"/>
+                          </a:rPr>
+                        </m:ctrlPr>
+                      </m:sSubSupPr>
+                      <m:e>
+                        <m:r>
+                          <a:rPr lang="en-GB">
+                            <a:latin typeface="Cambria Math" panose="02040503050406030204" pitchFamily="18" charset="0"/>
+                          </a:rPr>
+                          <m:t>(</m:t>
+                        </m:r>
+                        <m:r>
+                          <m:rPr>
+                            <m:sty m:val="p"/>
+                          </m:rPr>
+                          <a:rPr lang="en-GB">
+                            <a:latin typeface="Cambria Math" panose="02040503050406030204" pitchFamily="18" charset="0"/>
+                          </a:rPr>
+                          <m:t>v</m:t>
+                        </m:r>
+                      </m:e>
+                      <m:sub>
+                        <m:r>
+                          <m:rPr>
+                            <m:sty m:val="p"/>
+                          </m:rPr>
+                          <a:rPr lang="en-GB">
+                            <a:latin typeface="Cambria Math" panose="02040503050406030204" pitchFamily="18" charset="0"/>
+                          </a:rPr>
+                          <m:t>j</m:t>
+                        </m:r>
+                      </m:sub>
+                      <m:sup>
+                        <m:r>
+                          <a:rPr lang="en-GB">
+                            <a:latin typeface="Cambria Math" panose="02040503050406030204" pitchFamily="18" charset="0"/>
+                          </a:rPr>
+                          <m:t> </m:t>
+                        </m:r>
+                        <m:r>
+                          <m:rPr>
+                            <m:sty m:val="p"/>
+                          </m:rPr>
+                          <a:rPr lang="en-GB">
+                            <a:latin typeface="Cambria Math" panose="02040503050406030204" pitchFamily="18" charset="0"/>
+                          </a:rPr>
+                          <m:t>x</m:t>
+                        </m:r>
+                      </m:sup>
+                    </m:sSubSup>
+                    <m:r>
+                      <a:rPr lang="en-GB">
+                        <a:latin typeface="Cambria Math" panose="02040503050406030204" pitchFamily="18" charset="0"/>
+                      </a:rPr>
+                      <m:t>,</m:t>
+                    </m:r>
+                    <m:sSubSup>
+                      <m:sSubSupPr>
+                        <m:ctrlPr>
+                          <a:rPr lang="en-GB" i="1">
+                            <a:latin typeface="Cambria Math" panose="02040503050406030204" pitchFamily="18" charset="0"/>
+                          </a:rPr>
+                        </m:ctrlPr>
+                      </m:sSubSupPr>
+                      <m:e>
+                        <m:r>
+                          <m:rPr>
+                            <m:sty m:val="p"/>
+                          </m:rPr>
+                          <a:rPr lang="en-GB">
+                            <a:latin typeface="Cambria Math" panose="02040503050406030204" pitchFamily="18" charset="0"/>
+                          </a:rPr>
+                          <m:t>v</m:t>
+                        </m:r>
+                      </m:e>
+                      <m:sub>
+                        <m:r>
+                          <m:rPr>
+                            <m:sty m:val="p"/>
+                          </m:rPr>
+                          <a:rPr lang="en-GB">
+                            <a:latin typeface="Cambria Math" panose="02040503050406030204" pitchFamily="18" charset="0"/>
+                          </a:rPr>
+                          <m:t>j</m:t>
+                        </m:r>
+                      </m:sub>
+                      <m:sup>
+                        <m:r>
+                          <a:rPr lang="en-GB">
+                            <a:latin typeface="Cambria Math" panose="02040503050406030204" pitchFamily="18" charset="0"/>
+                          </a:rPr>
+                          <m:t> </m:t>
+                        </m:r>
+                        <m:r>
+                          <a:rPr lang="en-GB" i="1">
+                            <a:latin typeface="Cambria Math" panose="02040503050406030204" pitchFamily="18" charset="0"/>
+                          </a:rPr>
+                          <m:t>𝑦</m:t>
+                        </m:r>
+                      </m:sup>
+                    </m:sSubSup>
+                    <m:r>
+                      <a:rPr lang="en-GB">
+                        <a:latin typeface="Cambria Math" panose="02040503050406030204" pitchFamily="18" charset="0"/>
+                      </a:rPr>
+                      <m:t>), </m:t>
+                    </m:r>
+                  </m:oMath>
+                </a14:m>
+                <a:r>
+                  <a:rPr lang="en-GB" sz="2400" dirty="0"/>
+                  <a:t>such that the resulting polygon is simple and positively orientated</a:t>
+                </a:r>
+              </a:p>
+            </p:txBody>
+          </p:sp>
+        </mc:Choice>
+        <mc:Fallback xmlns="">
+          <p:sp>
+            <p:nvSpPr>
+              <p:cNvPr id="3" name="Inhaltsplatzhalter 2">
+                <a:extLst>
+                  <a:ext uri="{FF2B5EF4-FFF2-40B4-BE49-F238E27FC236}">
+                    <a16:creationId xmlns:a16="http://schemas.microsoft.com/office/drawing/2014/main" id="{033F1015-8A0F-082C-D181-73DD4D56F475}"/>
+                  </a:ext>
+                </a:extLst>
+              </p:cNvPr>
+              <p:cNvSpPr>
+                <a:spLocks noGrp="1" noRot="1" noChangeAspect="1" noMove="1" noResize="1" noEditPoints="1" noAdjustHandles="1" noChangeArrowheads="1" noChangeShapeType="1" noTextEdit="1"/>
+              </p:cNvSpPr>
+              <p:nvPr>
+                <p:ph sz="quarter" idx="10"/>
+              </p:nvPr>
+            </p:nvSpPr>
+            <p:spPr>
+              <a:xfrm>
+                <a:off x="874711" y="1774816"/>
+                <a:ext cx="4784409" cy="3776692"/>
+              </a:xfrm>
+              <a:blipFill>
+                <a:blip r:embed="rId2"/>
+                <a:stretch>
+                  <a:fillRect l="-3567" t="-3548" r="-4968"/>
+                </a:stretch>
+              </a:blipFill>
+            </p:spPr>
+            <p:txBody>
+              <a:bodyPr/>
+              <a:lstStyle/>
+              <a:p>
+                <a:r>
+                  <a:rPr lang="en-DE">
+                    <a:noFill/>
+                  </a:rPr>
+                  <a:t> </a:t>
+                </a:r>
+              </a:p>
+            </p:txBody>
+          </p:sp>
+        </mc:Fallback>
+      </mc:AlternateContent>
+      <p:sp>
+        <p:nvSpPr>
+          <p:cNvPr id="4" name="Textplatzhalter 3">
+            <a:extLst>
+              <a:ext uri="{FF2B5EF4-FFF2-40B4-BE49-F238E27FC236}">
+                <a16:creationId xmlns:a16="http://schemas.microsoft.com/office/drawing/2014/main" id="{68CB4283-7F7D-8776-3062-F1779065C3A7}"/>
+              </a:ext>
+            </a:extLst>
+          </p:cNvPr>
+          <p:cNvSpPr>
+            <a:spLocks noGrp="1"/>
+          </p:cNvSpPr>
+          <p:nvPr>
+            <p:ph type="body" sz="quarter" idx="11"/>
+          </p:nvPr>
+        </p:nvSpPr>
+        <p:spPr/>
+        <p:txBody>
+          <a:bodyPr/>
+          <a:lstStyle/>
+          <a:p>
+            <a:r>
+              <a:rPr lang="en-GB" dirty="0"/>
+              <a:t>Discrete form (DF) cell </a:t>
+            </a:r>
+          </a:p>
+          <a:p>
+            <a:r>
+              <a:rPr lang="en-GB" dirty="0"/>
+              <a:t> </a:t>
+            </a:r>
+            <a:endParaRPr lang="en-DE" dirty="0"/>
+          </a:p>
+        </p:txBody>
+      </p:sp>
+      <p:sp>
+        <p:nvSpPr>
+          <p:cNvPr id="2" name="Titel 1">
+            <a:extLst>
+              <a:ext uri="{FF2B5EF4-FFF2-40B4-BE49-F238E27FC236}">
+                <a16:creationId xmlns:a16="http://schemas.microsoft.com/office/drawing/2014/main" id="{8574BC42-3363-9677-2F37-E3C54969FAD7}"/>
+              </a:ext>
+            </a:extLst>
+          </p:cNvPr>
+          <p:cNvSpPr>
+            <a:spLocks noGrp="1"/>
+          </p:cNvSpPr>
+          <p:nvPr>
+            <p:ph type="title"/>
+          </p:nvPr>
+        </p:nvSpPr>
+        <p:spPr/>
+        <p:txBody>
+          <a:bodyPr/>
+          <a:lstStyle/>
+          <a:p>
+            <a:r>
+              <a:rPr lang="en-GB" dirty="0"/>
+              <a:t>1. DF model and dynamics</a:t>
+            </a:r>
+            <a:endParaRPr lang="en-DE" dirty="0"/>
+          </a:p>
+        </p:txBody>
+      </p:sp>
+      <p:pic>
+        <p:nvPicPr>
+          <p:cNvPr id="6" name="Grafik 5" descr="Ein Bild, das Diagramm, Screenshot, Text, Reihe enthält.&#10;&#10;KI-generierte Inhalte können fehlerhaft sein.">
+            <a:extLst>
+              <a:ext uri="{FF2B5EF4-FFF2-40B4-BE49-F238E27FC236}">
+                <a16:creationId xmlns:a16="http://schemas.microsoft.com/office/drawing/2014/main" id="{C898F724-4FE0-0B4A-0CCF-DB37F1DD9ADA}"/>
+              </a:ext>
+            </a:extLst>
+          </p:cNvPr>
+          <p:cNvPicPr>
+            <a:picLocks noChangeAspect="1"/>
+          </p:cNvPicPr>
+          <p:nvPr/>
+        </p:nvPicPr>
+        <p:blipFill>
+          <a:blip r:embed="rId3" cstate="print">
+            <a:extLst>
+              <a:ext uri="{28A0092B-C50C-407E-A947-70E740481C1C}">
+                <a14:useLocalDpi xmlns:a14="http://schemas.microsoft.com/office/drawing/2010/main" val="0"/>
+              </a:ext>
+            </a:extLst>
+          </a:blip>
+          <a:stretch>
+            <a:fillRect/>
+          </a:stretch>
+        </p:blipFill>
+        <p:spPr>
+          <a:xfrm>
+            <a:off x="6884458" y="1830696"/>
+            <a:ext cx="4146547" cy="3776692"/>
+          </a:xfrm>
+          <a:prstGeom prst="rect">
+            <a:avLst/>
+          </a:prstGeom>
+        </p:spPr>
+      </p:pic>
+    </p:spTree>
+    <p:extLst>
+      <p:ext uri="{BB962C8B-B14F-4D97-AF65-F5344CB8AC3E}">
+        <p14:creationId xmlns:p14="http://schemas.microsoft.com/office/powerpoint/2010/main" val="1040524887"/>
+      </p:ext>
+    </p:extLst>
+  </p:cSld>
+  <p:clrMapOvr>
+    <a:masterClrMapping/>
+  </p:clrMapOvr>
+</p:sld>
+</file>
+
+<file path=ppt/slides/slide5.xml><?xml version="1.0" encoding="utf-8"?>
+<p:sld xmlns:a="http://schemas.openxmlformats.org/drawingml/2006/main" xmlns:r="http://schemas.openxmlformats.org/officeDocument/2006/relationships" xmlns:p="http://schemas.openxmlformats.org/presentationml/2006/main">
+  <p:cSld>
+    <p:spTree>
+      <p:nvGrpSpPr>
+        <p:cNvPr id="1" name="">
+          <a:extLst>
+            <a:ext uri="{FF2B5EF4-FFF2-40B4-BE49-F238E27FC236}">
+              <a16:creationId xmlns:a16="http://schemas.microsoft.com/office/drawing/2014/main" id="{D0B738D0-5EF9-C9A1-2C51-FC5DAC0DA3ED}"/>
+            </a:ext>
+          </a:extLst>
+        </p:cNvPr>
+        <p:cNvGrpSpPr/>
+        <p:nvPr/>
+      </p:nvGrpSpPr>
+      <p:grpSpPr>
+        <a:xfrm>
+          <a:off x="0" y="0"/>
+          <a:ext cx="0" cy="0"/>
+          <a:chOff x="0" y="0"/>
+          <a:chExt cx="0" cy="0"/>
+        </a:xfrm>
+      </p:grpSpPr>
+      <mc:AlternateContent xmlns:mc="http://schemas.openxmlformats.org/markup-compatibility/2006" xmlns:a14="http://schemas.microsoft.com/office/drawing/2010/main">
+        <mc:Choice Requires="a14">
+          <p:sp>
+            <p:nvSpPr>
+              <p:cNvPr id="3" name="Inhaltsplatzhalter 2">
+                <a:extLst>
+                  <a:ext uri="{FF2B5EF4-FFF2-40B4-BE49-F238E27FC236}">
+                    <a16:creationId xmlns:a16="http://schemas.microsoft.com/office/drawing/2014/main" id="{61ADB95D-F934-9550-1084-59CE0FFCCC3D}"/>
+                  </a:ext>
+                </a:extLst>
+              </p:cNvPr>
+              <p:cNvSpPr>
+                <a:spLocks noGrp="1"/>
+              </p:cNvSpPr>
+              <p:nvPr>
+                <p:ph sz="quarter" idx="10"/>
+              </p:nvPr>
+            </p:nvSpPr>
+            <p:spPr>
+              <a:xfrm>
+                <a:off x="874711" y="1774816"/>
+                <a:ext cx="7192329" cy="3776692"/>
+              </a:xfrm>
+            </p:spPr>
+            <p:txBody>
+              <a:bodyPr anchor="ctr"/>
+              <a:lstStyle/>
+              <a:p>
+                <a:pPr marL="342900" indent="-342900">
+                  <a:buFont typeface="Arial" panose="020B0604020202020204" pitchFamily="34" charset="0"/>
+                  <a:buChar char="•"/>
+                </a:pPr>
+                <a:r>
+                  <a:rPr lang="en-GB" sz="2400" b="0" dirty="0"/>
+                  <a:t>Cell system </a:t>
+                </a:r>
+                <a14:m>
+                  <m:oMath xmlns:m="http://schemas.openxmlformats.org/officeDocument/2006/math">
+                    <m:acc>
+                      <m:accPr>
+                        <m:chr m:val="⃗"/>
+                        <m:ctrlPr>
+                          <a:rPr lang="en-GB" i="1">
+                            <a:latin typeface="Cambria Math" panose="02040503050406030204" pitchFamily="18" charset="0"/>
+                          </a:rPr>
+                        </m:ctrlPr>
+                      </m:accPr>
+                      <m:e>
+                        <m:r>
+                          <a:rPr lang="en-GB" i="1">
+                            <a:latin typeface="Cambria Math" panose="02040503050406030204" pitchFamily="18" charset="0"/>
+                          </a:rPr>
+                          <m:t>𝐶</m:t>
+                        </m:r>
+                      </m:e>
+                    </m:acc>
+                  </m:oMath>
+                </a14:m>
+                <a:r>
+                  <a:rPr lang="en-GB" i="1" dirty="0">
+                    <a:latin typeface="Cambria Math" panose="02040503050406030204" pitchFamily="18" charset="0"/>
+                  </a:rPr>
+                  <a:t> = (</a:t>
+                </a:r>
+                <a14:m>
+                  <m:oMath xmlns:m="http://schemas.openxmlformats.org/officeDocument/2006/math">
+                    <m:sSubSup>
+                      <m:sSubSupPr>
+                        <m:ctrlPr>
+                          <a:rPr lang="en-GB" b="0" i="1" smtClean="0">
+                            <a:latin typeface="Cambria Math" panose="02040503050406030204" pitchFamily="18" charset="0"/>
+                          </a:rPr>
+                        </m:ctrlPr>
+                      </m:sSubSupPr>
+                      <m:e>
+                        <m:r>
+                          <a:rPr lang="en-GB" i="1">
+                            <a:latin typeface="Cambria Math" panose="02040503050406030204" pitchFamily="18" charset="0"/>
+                          </a:rPr>
+                          <m:t>𝐶</m:t>
+                        </m:r>
+                      </m:e>
+                      <m:sub>
+                        <m:r>
+                          <a:rPr lang="en-GB" b="0" i="1" smtClean="0">
+                            <a:latin typeface="Cambria Math" panose="02040503050406030204" pitchFamily="18" charset="0"/>
+                          </a:rPr>
+                          <m:t> </m:t>
+                        </m:r>
+                      </m:sub>
+                      <m:sup>
+                        <m:r>
+                          <a:rPr lang="en-GB" b="0" i="1" smtClean="0">
+                            <a:latin typeface="Cambria Math" panose="02040503050406030204" pitchFamily="18" charset="0"/>
+                          </a:rPr>
+                          <m:t>1</m:t>
+                        </m:r>
+                      </m:sup>
+                    </m:sSubSup>
+                    <m:r>
+                      <a:rPr lang="en-GB" i="1">
+                        <a:latin typeface="Cambria Math" panose="02040503050406030204" pitchFamily="18" charset="0"/>
+                      </a:rPr>
+                      <m:t>,…,</m:t>
+                    </m:r>
+                    <m:sSubSup>
+                      <m:sSubSupPr>
+                        <m:ctrlPr>
+                          <a:rPr lang="en-GB" i="1">
+                            <a:latin typeface="Cambria Math" panose="02040503050406030204" pitchFamily="18" charset="0"/>
+                          </a:rPr>
+                        </m:ctrlPr>
+                      </m:sSubSupPr>
+                      <m:e>
+                        <m:r>
+                          <a:rPr lang="en-GB" i="1">
+                            <a:latin typeface="Cambria Math" panose="02040503050406030204" pitchFamily="18" charset="0"/>
+                          </a:rPr>
+                          <m:t>𝐶</m:t>
+                        </m:r>
+                      </m:e>
+                      <m:sub>
+                        <m:r>
+                          <a:rPr lang="en-GB" i="1">
+                            <a:latin typeface="Cambria Math" panose="02040503050406030204" pitchFamily="18" charset="0"/>
+                          </a:rPr>
+                          <m:t> </m:t>
+                        </m:r>
+                      </m:sub>
+                      <m:sup>
+                        <m:r>
+                          <a:rPr lang="en-GB" b="0" i="1" smtClean="0">
+                            <a:latin typeface="Cambria Math" panose="02040503050406030204" pitchFamily="18" charset="0"/>
+                          </a:rPr>
+                          <m:t>𝑁𝑐</m:t>
+                        </m:r>
+                      </m:sup>
+                    </m:sSubSup>
+                    <m:r>
+                      <a:rPr lang="en-GB" i="1">
+                        <a:latin typeface="Cambria Math" panose="02040503050406030204" pitchFamily="18" charset="0"/>
+                      </a:rPr>
+                      <m:t>)</m:t>
+                    </m:r>
+                    <m:r>
+                      <a:rPr lang="en-GB" b="0" i="1" smtClean="0">
+                        <a:latin typeface="Cambria Math" panose="02040503050406030204" pitchFamily="18" charset="0"/>
+                      </a:rPr>
+                      <m:t> </m:t>
+                    </m:r>
+                    <m:r>
+                      <a:rPr lang="en-GB" b="0" i="1" smtClean="0">
+                        <a:latin typeface="Cambria Math" panose="02040503050406030204" pitchFamily="18" charset="0"/>
+                      </a:rPr>
+                      <m:t>𝑤𝑖𝑡h</m:t>
+                    </m:r>
+                    <m:r>
+                      <a:rPr lang="en-GB" b="0" i="1" smtClean="0">
+                        <a:latin typeface="Cambria Math" panose="02040503050406030204" pitchFamily="18" charset="0"/>
+                      </a:rPr>
+                      <m:t> </m:t>
+                    </m:r>
+                    <m:r>
+                      <a:rPr lang="en-GB" i="1">
+                        <a:latin typeface="Cambria Math" panose="02040503050406030204" pitchFamily="18" charset="0"/>
+                      </a:rPr>
+                      <m:t>𝑁𝑐</m:t>
+                    </m:r>
+                    <m:r>
+                      <a:rPr lang="en-GB" i="1">
+                        <a:latin typeface="Cambria Math" panose="02040503050406030204" pitchFamily="18" charset="0"/>
+                      </a:rPr>
+                      <m:t>∈</m:t>
+                    </m:r>
+                    <m:r>
+                      <a:rPr lang="en-GB" i="1" smtClean="0">
+                        <a:latin typeface="Cambria Math" panose="02040503050406030204" pitchFamily="18" charset="0"/>
+                      </a:rPr>
+                      <m:t>ℕ</m:t>
+                    </m:r>
+                  </m:oMath>
+                </a14:m>
+                <a:r>
+                  <a:rPr lang="en-GB" dirty="0"/>
+                  <a:t> cells </a:t>
+                </a:r>
+                <a:endParaRPr lang="en-GB" sz="2400" dirty="0"/>
+              </a:p>
+              <a:p>
+                <a:pPr marL="342900" indent="-342900">
+                  <a:buFont typeface="Arial" panose="020B0604020202020204" pitchFamily="34" charset="0"/>
+                  <a:buChar char="•"/>
+                </a:pPr>
+                <a:r>
+                  <a:rPr lang="en-GB" dirty="0"/>
+                  <a:t>Each cell has </a:t>
+                </a:r>
+                <a14:m>
+                  <m:oMath xmlns:m="http://schemas.openxmlformats.org/officeDocument/2006/math">
+                    <m:r>
+                      <a:rPr lang="en-GB" i="1">
+                        <a:latin typeface="Cambria Math" panose="02040503050406030204" pitchFamily="18" charset="0"/>
+                      </a:rPr>
+                      <m:t>𝑁</m:t>
+                    </m:r>
+                    <m:r>
+                      <a:rPr lang="en-GB" b="0" i="1" smtClean="0">
+                        <a:latin typeface="Cambria Math" panose="02040503050406030204" pitchFamily="18" charset="0"/>
+                      </a:rPr>
+                      <m:t>𝑣</m:t>
+                    </m:r>
+                    <m:r>
+                      <a:rPr lang="en-GB" i="1">
+                        <a:latin typeface="Cambria Math" panose="02040503050406030204" pitchFamily="18" charset="0"/>
+                      </a:rPr>
+                      <m:t>∈</m:t>
+                    </m:r>
+                    <m:r>
+                      <a:rPr lang="en-GB" i="1">
+                        <a:latin typeface="Cambria Math" panose="02040503050406030204" pitchFamily="18" charset="0"/>
+                      </a:rPr>
+                      <m:t>ℕ</m:t>
+                    </m:r>
+                  </m:oMath>
+                </a14:m>
+                <a:r>
+                  <a:rPr lang="en-GB" sz="2400" dirty="0"/>
+                  <a:t> vertices </a:t>
+                </a:r>
+                <a14:m>
+                  <m:oMath xmlns:m="http://schemas.openxmlformats.org/officeDocument/2006/math">
+                    <m:sSup>
+                      <m:sSupPr>
+                        <m:ctrlPr>
+                          <a:rPr lang="en-GB" i="1">
+                            <a:latin typeface="Cambria Math" panose="02040503050406030204" pitchFamily="18" charset="0"/>
+                          </a:rPr>
+                        </m:ctrlPr>
+                      </m:sSupPr>
+                      <m:e>
+                        <m:r>
+                          <a:rPr lang="en-GB" i="1">
+                            <a:latin typeface="Cambria Math" panose="02040503050406030204" pitchFamily="18" charset="0"/>
+                          </a:rPr>
+                          <m:t>𝐶</m:t>
+                        </m:r>
+                      </m:e>
+                      <m:sup>
+                        <m:r>
+                          <a:rPr lang="en-GB" i="1">
+                            <a:latin typeface="Cambria Math" panose="02040503050406030204" pitchFamily="18" charset="0"/>
+                          </a:rPr>
+                          <m:t>𝑖</m:t>
+                        </m:r>
+                      </m:sup>
+                    </m:sSup>
+                    <m:r>
+                      <a:rPr lang="en-GB" i="1">
+                        <a:latin typeface="Cambria Math" panose="02040503050406030204" pitchFamily="18" charset="0"/>
+                      </a:rPr>
+                      <m:t>=(</m:t>
+                    </m:r>
+                    <m:sSubSup>
+                      <m:sSubSupPr>
+                        <m:ctrlPr>
+                          <a:rPr lang="en-GB" i="1">
+                            <a:latin typeface="Cambria Math" panose="02040503050406030204" pitchFamily="18" charset="0"/>
+                          </a:rPr>
+                        </m:ctrlPr>
+                      </m:sSubSupPr>
+                      <m:e>
+                        <m:acc>
+                          <m:accPr>
+                            <m:chr m:val="⃗"/>
+                            <m:ctrlPr>
+                              <a:rPr lang="en-GB" i="1">
+                                <a:latin typeface="Cambria Math" panose="02040503050406030204" pitchFamily="18" charset="0"/>
+                              </a:rPr>
+                            </m:ctrlPr>
+                          </m:accPr>
+                          <m:e>
+                            <m:r>
+                              <a:rPr lang="en-GB" i="1">
+                                <a:latin typeface="Cambria Math" panose="02040503050406030204" pitchFamily="18" charset="0"/>
+                              </a:rPr>
+                              <m:t>𝑣</m:t>
+                            </m:r>
+                          </m:e>
+                        </m:acc>
+                      </m:e>
+                      <m:sub>
+                        <m:r>
+                          <a:rPr lang="en-GB" i="1">
+                            <a:latin typeface="Cambria Math" panose="02040503050406030204" pitchFamily="18" charset="0"/>
+                          </a:rPr>
+                          <m:t>1</m:t>
+                        </m:r>
+                      </m:sub>
+                      <m:sup>
+                        <m:r>
+                          <a:rPr lang="en-GB" i="1">
+                            <a:latin typeface="Cambria Math" panose="02040503050406030204" pitchFamily="18" charset="0"/>
+                          </a:rPr>
+                          <m:t>𝑖</m:t>
+                        </m:r>
+                      </m:sup>
+                    </m:sSubSup>
+                    <m:r>
+                      <a:rPr lang="en-GB" i="1">
+                        <a:latin typeface="Cambria Math" panose="02040503050406030204" pitchFamily="18" charset="0"/>
+                      </a:rPr>
+                      <m:t>,…,</m:t>
+                    </m:r>
+                    <m:sSubSup>
+                      <m:sSubSupPr>
+                        <m:ctrlPr>
+                          <a:rPr lang="en-GB" i="1">
+                            <a:latin typeface="Cambria Math" panose="02040503050406030204" pitchFamily="18" charset="0"/>
+                          </a:rPr>
+                        </m:ctrlPr>
+                      </m:sSubSupPr>
+                      <m:e>
+                        <m:acc>
+                          <m:accPr>
+                            <m:chr m:val="⃗"/>
+                            <m:ctrlPr>
+                              <a:rPr lang="en-GB" i="1">
+                                <a:latin typeface="Cambria Math" panose="02040503050406030204" pitchFamily="18" charset="0"/>
+                              </a:rPr>
+                            </m:ctrlPr>
+                          </m:accPr>
+                          <m:e>
+                            <m:r>
+                              <a:rPr lang="en-GB" i="1">
+                                <a:latin typeface="Cambria Math" panose="02040503050406030204" pitchFamily="18" charset="0"/>
+                              </a:rPr>
+                              <m:t>𝑣</m:t>
+                            </m:r>
+                          </m:e>
+                        </m:acc>
+                      </m:e>
+                      <m:sub>
+                        <m:r>
+                          <a:rPr lang="en-GB" i="1">
+                            <a:latin typeface="Cambria Math" panose="02040503050406030204" pitchFamily="18" charset="0"/>
+                          </a:rPr>
+                          <m:t>𝑁𝑣</m:t>
+                        </m:r>
+                      </m:sub>
+                      <m:sup>
+                        <m:r>
+                          <a:rPr lang="en-GB" i="1">
+                            <a:latin typeface="Cambria Math" panose="02040503050406030204" pitchFamily="18" charset="0"/>
+                          </a:rPr>
+                          <m:t>𝑖</m:t>
+                        </m:r>
+                      </m:sup>
+                    </m:sSubSup>
+                  </m:oMath>
+                </a14:m>
+                <a:r>
+                  <a:rPr lang="en-GB" i="1" dirty="0">
+                    <a:latin typeface="Cambria Math" panose="02040503050406030204" pitchFamily="18" charset="0"/>
+                  </a:rPr>
+                  <a:t>) </a:t>
+                </a:r>
+                <a:r>
+                  <a:rPr lang="en-GB" dirty="0">
+                    <a:latin typeface="Cambria Math" panose="02040503050406030204" pitchFamily="18" charset="0"/>
+                  </a:rPr>
+                  <a:t>and a desired shape given by the desired states</a:t>
+                </a:r>
+              </a:p>
+              <a:p>
+                <a:pPr marL="594900" lvl="2" indent="-342900">
+                  <a:buFont typeface="Arial" panose="020B0604020202020204" pitchFamily="34" charset="0"/>
+                  <a:buChar char="•"/>
+                </a:pPr>
+                <a:r>
+                  <a:rPr lang="en-GB" sz="2200" dirty="0">
+                    <a:latin typeface="Cambria Math" panose="02040503050406030204" pitchFamily="18" charset="0"/>
+                  </a:rPr>
+                  <a:t>cell area </a:t>
+                </a:r>
+                <a14:m>
+                  <m:oMath xmlns:m="http://schemas.openxmlformats.org/officeDocument/2006/math">
+                    <m:sSub>
+                      <m:sSubPr>
+                        <m:ctrlPr>
+                          <a:rPr lang="en-GB" sz="2200" b="0" i="1" smtClean="0">
+                            <a:latin typeface="Cambria Math" panose="02040503050406030204" pitchFamily="18" charset="0"/>
+                          </a:rPr>
+                        </m:ctrlPr>
+                      </m:sSubPr>
+                      <m:e>
+                        <m:r>
+                          <a:rPr lang="en-GB" sz="2200" b="0" i="1" smtClean="0">
+                            <a:latin typeface="Cambria Math" panose="02040503050406030204" pitchFamily="18" charset="0"/>
+                          </a:rPr>
+                          <m:t>𝐴</m:t>
+                        </m:r>
+                      </m:e>
+                      <m:sub>
+                        <m:r>
+                          <a:rPr lang="en-GB" sz="2200" b="0" i="1" smtClean="0">
+                            <a:latin typeface="Cambria Math" panose="02040503050406030204" pitchFamily="18" charset="0"/>
+                          </a:rPr>
+                          <m:t>𝑑</m:t>
+                        </m:r>
+                      </m:sub>
+                    </m:sSub>
+                    <m:r>
+                      <a:rPr lang="en-GB" sz="2200" i="1">
+                        <a:latin typeface="Cambria Math" panose="02040503050406030204" pitchFamily="18" charset="0"/>
+                      </a:rPr>
+                      <m:t>∈</m:t>
+                    </m:r>
+                    <m:r>
+                      <a:rPr lang="en-GB" sz="2200" i="1">
+                        <a:latin typeface="Cambria Math" panose="02040503050406030204" pitchFamily="18" charset="0"/>
+                      </a:rPr>
+                      <m:t>ℝ</m:t>
+                    </m:r>
+                  </m:oMath>
+                </a14:m>
+                <a:r>
+                  <a:rPr lang="en-GB" sz="2200" dirty="0">
+                    <a:latin typeface="Cambria Math" panose="02040503050406030204" pitchFamily="18" charset="0"/>
+                  </a:rPr>
+                  <a:t>, </a:t>
+                </a:r>
+              </a:p>
+              <a:p>
+                <a:pPr marL="594900" lvl="2" indent="-342900">
+                  <a:buFont typeface="Arial" panose="020B0604020202020204" pitchFamily="34" charset="0"/>
+                  <a:buChar char="•"/>
+                </a:pPr>
+                <a:r>
+                  <a:rPr lang="en-GB" sz="2200" dirty="0">
+                    <a:latin typeface="Cambria Math" panose="02040503050406030204" pitchFamily="18" charset="0"/>
+                  </a:rPr>
+                  <a:t>length of all edges </a:t>
+                </a:r>
+                <a14:m>
+                  <m:oMath xmlns:m="http://schemas.openxmlformats.org/officeDocument/2006/math">
+                    <m:sSub>
+                      <m:sSubPr>
+                        <m:ctrlPr>
+                          <a:rPr lang="en-GB" sz="2200" b="0" i="1" smtClean="0">
+                            <a:latin typeface="Cambria Math" panose="02040503050406030204" pitchFamily="18" charset="0"/>
+                          </a:rPr>
+                        </m:ctrlPr>
+                      </m:sSubPr>
+                      <m:e>
+                        <m:r>
+                          <a:rPr lang="en-GB" sz="2200" b="0" i="1" smtClean="0">
+                            <a:latin typeface="Cambria Math" panose="02040503050406030204" pitchFamily="18" charset="0"/>
+                          </a:rPr>
+                          <m:t>𝐸</m:t>
+                        </m:r>
+                      </m:e>
+                      <m:sub>
+                        <m:r>
+                          <a:rPr lang="en-GB" sz="2200" b="0" i="1" smtClean="0">
+                            <a:latin typeface="Cambria Math" panose="02040503050406030204" pitchFamily="18" charset="0"/>
+                          </a:rPr>
+                          <m:t>𝑑</m:t>
+                        </m:r>
+                      </m:sub>
+                    </m:sSub>
+                    <m:r>
+                      <a:rPr lang="en-GB" sz="2200" b="0" i="1" smtClean="0">
+                        <a:latin typeface="Cambria Math" panose="02040503050406030204" pitchFamily="18" charset="0"/>
+                      </a:rPr>
+                      <m:t>∈</m:t>
+                    </m:r>
+                  </m:oMath>
+                </a14:m>
+                <a:r>
+                  <a:rPr lang="en-GB" sz="2200" dirty="0">
+                    <a:latin typeface="Cambria Math" panose="02040503050406030204" pitchFamily="18" charset="0"/>
+                  </a:rPr>
+                  <a:t> </a:t>
+                </a:r>
+                <a14:m>
+                  <m:oMath xmlns:m="http://schemas.openxmlformats.org/officeDocument/2006/math">
+                    <m:sSup>
+                      <m:sSupPr>
+                        <m:ctrlPr>
+                          <a:rPr lang="en-GB" sz="2200" b="0" i="1" smtClean="0">
+                            <a:latin typeface="Cambria Math" panose="02040503050406030204" pitchFamily="18" charset="0"/>
+                          </a:rPr>
+                        </m:ctrlPr>
+                      </m:sSupPr>
+                      <m:e>
+                        <m:r>
+                          <a:rPr lang="en-GB" sz="2200" i="1">
+                            <a:latin typeface="Cambria Math" panose="02040503050406030204" pitchFamily="18" charset="0"/>
+                          </a:rPr>
+                          <m:t>ℝ</m:t>
+                        </m:r>
+                      </m:e>
+                      <m:sup>
+                        <m:r>
+                          <a:rPr lang="en-GB" sz="2200" b="0" i="1" smtClean="0">
+                            <a:latin typeface="Cambria Math" panose="02040503050406030204" pitchFamily="18" charset="0"/>
+                          </a:rPr>
+                          <m:t>𝑁𝑣</m:t>
+                        </m:r>
+                      </m:sup>
+                    </m:sSup>
+                  </m:oMath>
+                </a14:m>
+                <a:r>
+                  <a:rPr lang="en-GB" sz="2200" dirty="0">
+                    <a:latin typeface="Cambria Math" panose="02040503050406030204" pitchFamily="18" charset="0"/>
+                  </a:rPr>
+                  <a:t>,</a:t>
+                </a:r>
+              </a:p>
+              <a:p>
+                <a:pPr marL="594900" lvl="2" indent="-342900">
+                  <a:buFont typeface="Arial" panose="020B0604020202020204" pitchFamily="34" charset="0"/>
+                  <a:buChar char="•"/>
+                </a:pPr>
+                <a:r>
+                  <a:rPr lang="en-GB" sz="2200" dirty="0">
+                    <a:latin typeface="Cambria Math" panose="02040503050406030204" pitchFamily="18" charset="0"/>
+                  </a:rPr>
+                  <a:t>interior angles at all vertices</a:t>
+                </a:r>
+                <a:r>
+                  <a:rPr lang="en-GB" sz="2200" dirty="0"/>
+                  <a:t> </a:t>
+                </a:r>
+                <a14:m>
+                  <m:oMath xmlns:m="http://schemas.openxmlformats.org/officeDocument/2006/math">
+                    <m:sSub>
+                      <m:sSubPr>
+                        <m:ctrlPr>
+                          <a:rPr lang="en-GB" sz="2200" i="1">
+                            <a:latin typeface="Cambria Math" panose="02040503050406030204" pitchFamily="18" charset="0"/>
+                          </a:rPr>
+                        </m:ctrlPr>
+                      </m:sSubPr>
+                      <m:e>
+                        <m:r>
+                          <a:rPr lang="en-GB" sz="2200" b="0" i="1" smtClean="0">
+                            <a:latin typeface="Cambria Math" panose="02040503050406030204" pitchFamily="18" charset="0"/>
+                          </a:rPr>
+                          <m:t>𝐼</m:t>
+                        </m:r>
+                      </m:e>
+                      <m:sub>
+                        <m:r>
+                          <a:rPr lang="en-GB" sz="2200" i="1">
+                            <a:latin typeface="Cambria Math" panose="02040503050406030204" pitchFamily="18" charset="0"/>
+                          </a:rPr>
+                          <m:t>𝑑</m:t>
+                        </m:r>
+                      </m:sub>
+                    </m:sSub>
+                    <m:r>
+                      <a:rPr lang="en-GB" sz="2200" i="1">
+                        <a:latin typeface="Cambria Math" panose="02040503050406030204" pitchFamily="18" charset="0"/>
+                      </a:rPr>
+                      <m:t>∈</m:t>
+                    </m:r>
+                  </m:oMath>
+                </a14:m>
+                <a:r>
+                  <a:rPr lang="en-GB" sz="2200" dirty="0">
+                    <a:latin typeface="Cambria Math" panose="02040503050406030204" pitchFamily="18" charset="0"/>
+                  </a:rPr>
+                  <a:t> </a:t>
+                </a:r>
+                <a14:m>
+                  <m:oMath xmlns:m="http://schemas.openxmlformats.org/officeDocument/2006/math">
+                    <m:sSup>
+                      <m:sSupPr>
+                        <m:ctrlPr>
+                          <a:rPr lang="en-GB" sz="2200" i="1">
+                            <a:latin typeface="Cambria Math" panose="02040503050406030204" pitchFamily="18" charset="0"/>
+                          </a:rPr>
+                        </m:ctrlPr>
+                      </m:sSupPr>
+                      <m:e>
+                        <m:r>
+                          <a:rPr lang="en-GB" sz="2200" i="1">
+                            <a:latin typeface="Cambria Math" panose="02040503050406030204" pitchFamily="18" charset="0"/>
+                          </a:rPr>
+                          <m:t>ℝ</m:t>
+                        </m:r>
+                      </m:e>
+                      <m:sup>
+                        <m:r>
+                          <a:rPr lang="en-GB" sz="2200" i="1">
+                            <a:latin typeface="Cambria Math" panose="02040503050406030204" pitchFamily="18" charset="0"/>
+                          </a:rPr>
+                          <m:t>𝑁𝑣</m:t>
+                        </m:r>
+                      </m:sup>
+                    </m:sSup>
+                  </m:oMath>
+                </a14:m>
+                <a:r>
+                  <a:rPr lang="en-GB" sz="2200" dirty="0">
+                    <a:latin typeface="Cambria Math" panose="02040503050406030204" pitchFamily="18" charset="0"/>
+                  </a:rPr>
+                  <a:t>.</a:t>
+                </a:r>
+              </a:p>
+            </p:txBody>
+          </p:sp>
+        </mc:Choice>
+        <mc:Fallback xmlns="">
+          <p:sp>
+            <p:nvSpPr>
+              <p:cNvPr id="3" name="Inhaltsplatzhalter 2">
+                <a:extLst>
+                  <a:ext uri="{FF2B5EF4-FFF2-40B4-BE49-F238E27FC236}">
+                    <a16:creationId xmlns:a16="http://schemas.microsoft.com/office/drawing/2014/main" id="{61ADB95D-F934-9550-1084-59CE0FFCCC3D}"/>
+                  </a:ext>
+                </a:extLst>
+              </p:cNvPr>
+              <p:cNvSpPr>
+                <a:spLocks noGrp="1" noRot="1" noChangeAspect="1" noMove="1" noResize="1" noEditPoints="1" noAdjustHandles="1" noChangeArrowheads="1" noChangeShapeType="1" noTextEdit="1"/>
+              </p:cNvSpPr>
+              <p:nvPr>
+                <p:ph sz="quarter" idx="10"/>
+              </p:nvPr>
+            </p:nvSpPr>
+            <p:spPr>
+              <a:xfrm>
+                <a:off x="874711" y="1774816"/>
+                <a:ext cx="7192329" cy="3776692"/>
+              </a:xfrm>
+              <a:blipFill>
+                <a:blip r:embed="rId2"/>
+                <a:stretch>
+                  <a:fillRect l="-2373"/>
+                </a:stretch>
+              </a:blipFill>
+            </p:spPr>
+            <p:txBody>
+              <a:bodyPr/>
+              <a:lstStyle/>
+              <a:p>
+                <a:r>
+                  <a:rPr lang="en-DE">
+                    <a:noFill/>
+                  </a:rPr>
+                  <a:t> </a:t>
+                </a:r>
+              </a:p>
+            </p:txBody>
+          </p:sp>
+        </mc:Fallback>
+      </mc:AlternateContent>
+      <p:sp>
+        <p:nvSpPr>
+          <p:cNvPr id="4" name="Textplatzhalter 3">
+            <a:extLst>
+              <a:ext uri="{FF2B5EF4-FFF2-40B4-BE49-F238E27FC236}">
+                <a16:creationId xmlns:a16="http://schemas.microsoft.com/office/drawing/2014/main" id="{1D9BD608-A6BA-9368-3783-30575C5D1237}"/>
+              </a:ext>
+            </a:extLst>
+          </p:cNvPr>
+          <p:cNvSpPr>
+            <a:spLocks noGrp="1"/>
+          </p:cNvSpPr>
+          <p:nvPr>
+            <p:ph type="body" sz="quarter" idx="11"/>
+          </p:nvPr>
+        </p:nvSpPr>
+        <p:spPr/>
+        <p:txBody>
+          <a:bodyPr/>
+          <a:lstStyle/>
+          <a:p>
+            <a:r>
+              <a:rPr lang="en-GB" dirty="0"/>
+              <a:t>DF simulation</a:t>
+            </a:r>
+          </a:p>
+          <a:p>
+            <a:r>
+              <a:rPr lang="en-GB" dirty="0"/>
+              <a:t> </a:t>
+            </a:r>
+            <a:endParaRPr lang="en-DE" dirty="0"/>
+          </a:p>
+        </p:txBody>
+      </p:sp>
+      <p:sp>
+        <p:nvSpPr>
+          <p:cNvPr id="2" name="Titel 1">
+            <a:extLst>
+              <a:ext uri="{FF2B5EF4-FFF2-40B4-BE49-F238E27FC236}">
+                <a16:creationId xmlns:a16="http://schemas.microsoft.com/office/drawing/2014/main" id="{E80F22E0-444A-4C4A-09CE-1FA695C78261}"/>
+              </a:ext>
+            </a:extLst>
+          </p:cNvPr>
+          <p:cNvSpPr>
+            <a:spLocks noGrp="1"/>
+          </p:cNvSpPr>
+          <p:nvPr>
+            <p:ph type="title"/>
+          </p:nvPr>
+        </p:nvSpPr>
+        <p:spPr/>
+        <p:txBody>
+          <a:bodyPr/>
+          <a:lstStyle/>
+          <a:p>
+            <a:r>
+              <a:rPr lang="en-GB" dirty="0"/>
+              <a:t>1. DF model and dynamics</a:t>
+            </a:r>
+            <a:endParaRPr lang="en-DE" dirty="0"/>
+          </a:p>
+        </p:txBody>
+      </p:sp>
+    </p:spTree>
+    <p:extLst>
+      <p:ext uri="{BB962C8B-B14F-4D97-AF65-F5344CB8AC3E}">
+        <p14:creationId xmlns:p14="http://schemas.microsoft.com/office/powerpoint/2010/main" val="218818565"/>
+      </p:ext>
+    </p:extLst>
+  </p:cSld>
+  <p:clrMapOvr>
+    <a:masterClrMapping/>
+  </p:clrMapOvr>
+</p:sld>
+</file>
+
+<file path=ppt/slides/slide6.xml><?xml version="1.0" encoding="utf-8"?>
+<p:sld xmlns:a="http://schemas.openxmlformats.org/drawingml/2006/main" xmlns:r="http://schemas.openxmlformats.org/officeDocument/2006/relationships" xmlns:p="http://schemas.openxmlformats.org/presentationml/2006/main">
+  <p:cSld>
+    <p:spTree>
+      <p:nvGrpSpPr>
+        <p:cNvPr id="1" name="">
+          <a:extLst>
+            <a:ext uri="{FF2B5EF4-FFF2-40B4-BE49-F238E27FC236}">
+              <a16:creationId xmlns:a16="http://schemas.microsoft.com/office/drawing/2014/main" id="{0652DC9A-575D-9F11-3495-94507A206C8A}"/>
+            </a:ext>
+          </a:extLst>
+        </p:cNvPr>
+        <p:cNvGrpSpPr/>
+        <p:nvPr/>
+      </p:nvGrpSpPr>
+      <p:grpSpPr>
+        <a:xfrm>
+          <a:off x="0" y="0"/>
+          <a:ext cx="0" cy="0"/>
+          <a:chOff x="0" y="0"/>
+          <a:chExt cx="0" cy="0"/>
+        </a:xfrm>
+      </p:grpSpPr>
+      <p:sp>
+        <p:nvSpPr>
+          <p:cNvPr id="3" name="Inhaltsplatzhalter 2">
+            <a:extLst>
+              <a:ext uri="{FF2B5EF4-FFF2-40B4-BE49-F238E27FC236}">
+                <a16:creationId xmlns:a16="http://schemas.microsoft.com/office/drawing/2014/main" id="{8DBFA968-4EB3-9968-A515-2E391A7AF401}"/>
+              </a:ext>
+            </a:extLst>
+          </p:cNvPr>
+          <p:cNvSpPr>
+            <a:spLocks noGrp="1"/>
+          </p:cNvSpPr>
+          <p:nvPr>
+            <p:ph sz="quarter" idx="10"/>
+          </p:nvPr>
+        </p:nvSpPr>
+        <p:spPr>
+          <a:xfrm>
+            <a:off x="859630" y="1917056"/>
+            <a:ext cx="10472739" cy="668664"/>
+          </a:xfrm>
+        </p:spPr>
+        <p:txBody>
+          <a:bodyPr anchor="t"/>
+          <a:lstStyle/>
+          <a:p>
+            <a:pPr marL="342900" indent="-342900">
+              <a:buFont typeface="Arial" panose="020B0604020202020204" pitchFamily="34" charset="0"/>
+              <a:buChar char="•"/>
+            </a:pPr>
+            <a:r>
+              <a:rPr lang="en-GB" dirty="0"/>
+              <a:t>Cell dynamics are defined vertex wise via the SDE</a:t>
+            </a:r>
+          </a:p>
+          <a:p>
+            <a:pPr marL="342900" indent="-342900">
+              <a:buFont typeface="Arial" panose="020B0604020202020204" pitchFamily="34" charset="0"/>
+              <a:buChar char="•"/>
+            </a:pPr>
+            <a:endParaRPr lang="en-GB" dirty="0"/>
+          </a:p>
+          <a:p>
+            <a:pPr marL="342900" indent="-342900">
+              <a:buFont typeface="Arial" panose="020B0604020202020204" pitchFamily="34" charset="0"/>
+              <a:buChar char="•"/>
+            </a:pPr>
+            <a:endParaRPr lang="en-GB" dirty="0"/>
+          </a:p>
+          <a:p>
+            <a:pPr marL="342900" indent="-342900">
+              <a:buFont typeface="Arial" panose="020B0604020202020204" pitchFamily="34" charset="0"/>
+              <a:buChar char="•"/>
+            </a:pPr>
+            <a:endParaRPr lang="en-GB" dirty="0"/>
+          </a:p>
+          <a:p>
+            <a:endParaRPr lang="en-GB" dirty="0"/>
+          </a:p>
+        </p:txBody>
+      </p:sp>
+      <p:sp>
+        <p:nvSpPr>
+          <p:cNvPr id="4" name="Textplatzhalter 3">
+            <a:extLst>
+              <a:ext uri="{FF2B5EF4-FFF2-40B4-BE49-F238E27FC236}">
+                <a16:creationId xmlns:a16="http://schemas.microsoft.com/office/drawing/2014/main" id="{301AFFA7-AD8B-BC5B-2A50-5F065EEC8DEE}"/>
+              </a:ext>
+            </a:extLst>
+          </p:cNvPr>
+          <p:cNvSpPr>
+            <a:spLocks noGrp="1"/>
+          </p:cNvSpPr>
+          <p:nvPr>
+            <p:ph type="body" sz="quarter" idx="11"/>
+          </p:nvPr>
+        </p:nvSpPr>
+        <p:spPr/>
+        <p:txBody>
+          <a:bodyPr/>
+          <a:lstStyle/>
+          <a:p>
+            <a:r>
+              <a:rPr lang="en-GB" dirty="0"/>
+              <a:t>DF SDE</a:t>
+            </a:r>
+          </a:p>
+          <a:p>
+            <a:r>
+              <a:rPr lang="en-GB" dirty="0"/>
+              <a:t> </a:t>
+            </a:r>
+            <a:endParaRPr lang="en-DE" dirty="0"/>
+          </a:p>
+        </p:txBody>
+      </p:sp>
+      <p:sp>
+        <p:nvSpPr>
+          <p:cNvPr id="2" name="Titel 1">
+            <a:extLst>
+              <a:ext uri="{FF2B5EF4-FFF2-40B4-BE49-F238E27FC236}">
+                <a16:creationId xmlns:a16="http://schemas.microsoft.com/office/drawing/2014/main" id="{E0C901FE-3373-4A34-F762-BFC807ED6EA4}"/>
+              </a:ext>
+            </a:extLst>
+          </p:cNvPr>
+          <p:cNvSpPr>
+            <a:spLocks noGrp="1"/>
+          </p:cNvSpPr>
+          <p:nvPr>
+            <p:ph type="title"/>
+          </p:nvPr>
+        </p:nvSpPr>
+        <p:spPr/>
+        <p:txBody>
+          <a:bodyPr/>
+          <a:lstStyle/>
+          <a:p>
+            <a:r>
+              <a:rPr lang="en-GB" dirty="0"/>
+              <a:t>1. DF model and dynamics</a:t>
+            </a:r>
+            <a:endParaRPr lang="en-DE" dirty="0"/>
+          </a:p>
+        </p:txBody>
+      </p:sp>
+      <p:sp>
+        <p:nvSpPr>
+          <p:cNvPr id="12" name="Textfeld 11">
+            <a:extLst>
+              <a:ext uri="{FF2B5EF4-FFF2-40B4-BE49-F238E27FC236}">
+                <a16:creationId xmlns:a16="http://schemas.microsoft.com/office/drawing/2014/main" id="{38F25592-5A8A-DCFC-A0F0-A2371C481F76}"/>
+              </a:ext>
+            </a:extLst>
+          </p:cNvPr>
+          <p:cNvSpPr txBox="1"/>
+          <p:nvPr/>
+        </p:nvSpPr>
+        <p:spPr>
+          <a:xfrm>
+            <a:off x="7258209" y="4442532"/>
+            <a:ext cx="3652520" cy="553998"/>
+          </a:xfrm>
+          <a:prstGeom prst="rect">
+            <a:avLst/>
+          </a:prstGeom>
+          <a:noFill/>
+        </p:spPr>
+        <p:txBody>
+          <a:bodyPr wrap="square">
+            <a:spAutoFit/>
+          </a:bodyPr>
+          <a:lstStyle/>
+          <a:p>
+            <a:r>
+              <a:rPr lang="en-GB" sz="3000" dirty="0">
+                <a:solidFill>
+                  <a:schemeClr val="accent1"/>
+                </a:solidFill>
+              </a:rPr>
+              <a:t>Brownian motion</a:t>
+            </a:r>
+            <a:endParaRPr lang="en-DE" sz="3000" dirty="0">
+              <a:solidFill>
+                <a:schemeClr val="accent1"/>
+              </a:solidFill>
+            </a:endParaRPr>
+          </a:p>
+        </p:txBody>
+      </p:sp>
+      <p:sp>
+        <p:nvSpPr>
+          <p:cNvPr id="14" name="Textfeld 13">
+            <a:extLst>
+              <a:ext uri="{FF2B5EF4-FFF2-40B4-BE49-F238E27FC236}">
+                <a16:creationId xmlns:a16="http://schemas.microsoft.com/office/drawing/2014/main" id="{37045DE1-37E4-4FB5-CDCE-81CB8FEA13B7}"/>
+              </a:ext>
+            </a:extLst>
+          </p:cNvPr>
+          <p:cNvSpPr txBox="1"/>
+          <p:nvPr/>
+        </p:nvSpPr>
+        <p:spPr>
+          <a:xfrm>
+            <a:off x="3545284" y="4441226"/>
+            <a:ext cx="3652520" cy="553998"/>
+          </a:xfrm>
+          <a:prstGeom prst="rect">
+            <a:avLst/>
+          </a:prstGeom>
+          <a:noFill/>
+        </p:spPr>
+        <p:txBody>
+          <a:bodyPr wrap="square">
+            <a:spAutoFit/>
+          </a:bodyPr>
+          <a:lstStyle/>
+          <a:p>
+            <a:r>
+              <a:rPr lang="en-GB" sz="3000" dirty="0">
+                <a:solidFill>
+                  <a:schemeClr val="accent1"/>
+                </a:solidFill>
+              </a:rPr>
+              <a:t>Deterministic part</a:t>
+            </a:r>
+          </a:p>
+        </p:txBody>
+      </p:sp>
+      <p:sp>
+        <p:nvSpPr>
+          <p:cNvPr id="15" name="Geschweifte Klammer rechts 14">
+            <a:extLst>
+              <a:ext uri="{FF2B5EF4-FFF2-40B4-BE49-F238E27FC236}">
+                <a16:creationId xmlns:a16="http://schemas.microsoft.com/office/drawing/2014/main" id="{71B9DC2D-3BD5-D9D1-9303-91ACE130E3D2}"/>
+              </a:ext>
+            </a:extLst>
+          </p:cNvPr>
+          <p:cNvSpPr/>
+          <p:nvPr/>
+        </p:nvSpPr>
+        <p:spPr>
+          <a:xfrm rot="5400000">
+            <a:off x="5072522" y="2905386"/>
+            <a:ext cx="422105" cy="2540751"/>
+          </a:xfrm>
+          <a:prstGeom prst="rightBrace">
+            <a:avLst>
+              <a:gd name="adj1" fmla="val 67019"/>
+              <a:gd name="adj2" fmla="val 50858"/>
+            </a:avLst>
+          </a:prstGeom>
+          <a:ln>
+            <a:headEnd type="none" w="med" len="med"/>
+            <a:tailEnd type="none" w="med" len="med"/>
+          </a:ln>
+        </p:spPr>
+        <p:style>
+          <a:lnRef idx="3">
+            <a:schemeClr val="accent1"/>
+          </a:lnRef>
+          <a:fillRef idx="0">
+            <a:schemeClr val="accent1"/>
+          </a:fillRef>
+          <a:effectRef idx="2">
+            <a:schemeClr val="accent1"/>
+          </a:effectRef>
+          <a:fontRef idx="minor">
+            <a:schemeClr val="tx1"/>
+          </a:fontRef>
+        </p:style>
+        <p:txBody>
+          <a:bodyPr rtlCol="0" anchor="ctr"/>
+          <a:lstStyle/>
+          <a:p>
+            <a:pPr algn="ctr"/>
+            <a:endParaRPr lang="en-DE" dirty="0"/>
+          </a:p>
+        </p:txBody>
+      </p:sp>
+      <p:sp>
+        <p:nvSpPr>
+          <p:cNvPr id="16" name="Geschweifte Klammer rechts 15">
+            <a:extLst>
+              <a:ext uri="{FF2B5EF4-FFF2-40B4-BE49-F238E27FC236}">
+                <a16:creationId xmlns:a16="http://schemas.microsoft.com/office/drawing/2014/main" id="{7C6642DB-1421-246C-03EB-3126D199B1F1}"/>
+              </a:ext>
+            </a:extLst>
+          </p:cNvPr>
+          <p:cNvSpPr/>
+          <p:nvPr/>
+        </p:nvSpPr>
+        <p:spPr>
+          <a:xfrm rot="5400000">
+            <a:off x="8339145" y="2867564"/>
+            <a:ext cx="422105" cy="2583978"/>
+          </a:xfrm>
+          <a:prstGeom prst="rightBrace">
+            <a:avLst>
+              <a:gd name="adj1" fmla="val 67019"/>
+              <a:gd name="adj2" fmla="val 50858"/>
+            </a:avLst>
+          </a:prstGeom>
+          <a:ln>
+            <a:headEnd type="none" w="med" len="med"/>
+            <a:tailEnd type="none" w="med" len="med"/>
+          </a:ln>
+        </p:spPr>
+        <p:style>
+          <a:lnRef idx="3">
+            <a:schemeClr val="accent1"/>
+          </a:lnRef>
+          <a:fillRef idx="0">
+            <a:schemeClr val="accent1"/>
+          </a:fillRef>
+          <a:effectRef idx="2">
+            <a:schemeClr val="accent1"/>
+          </a:effectRef>
+          <a:fontRef idx="minor">
+            <a:schemeClr val="tx1"/>
+          </a:fontRef>
+        </p:style>
+        <p:txBody>
+          <a:bodyPr rtlCol="0" anchor="ctr"/>
+          <a:lstStyle/>
+          <a:p>
+            <a:pPr algn="ctr"/>
+            <a:endParaRPr lang="en-DE" dirty="0"/>
+          </a:p>
+        </p:txBody>
+      </p:sp>
+      <p:pic>
+        <p:nvPicPr>
+          <p:cNvPr id="6" name="Grafik 5">
+            <a:extLst>
+              <a:ext uri="{FF2B5EF4-FFF2-40B4-BE49-F238E27FC236}">
+                <a16:creationId xmlns:a16="http://schemas.microsoft.com/office/drawing/2014/main" id="{0A536C7B-2F94-04CD-B094-BDF927513FA7}"/>
+              </a:ext>
+            </a:extLst>
+          </p:cNvPr>
+          <p:cNvPicPr>
+            <a:picLocks noChangeAspect="1"/>
+          </p:cNvPicPr>
+          <p:nvPr/>
+        </p:nvPicPr>
+        <p:blipFill>
+          <a:blip r:embed="rId2"/>
+          <a:srcRect b="12026"/>
+          <a:stretch>
+            <a:fillRect/>
+          </a:stretch>
+        </p:blipFill>
+        <p:spPr>
+          <a:xfrm>
+            <a:off x="1791971" y="3076334"/>
+            <a:ext cx="8113871" cy="833963"/>
+          </a:xfrm>
+          <a:prstGeom prst="rect">
+            <a:avLst/>
+          </a:prstGeom>
+        </p:spPr>
+      </p:pic>
+    </p:spTree>
+    <p:extLst>
+      <p:ext uri="{BB962C8B-B14F-4D97-AF65-F5344CB8AC3E}">
+        <p14:creationId xmlns:p14="http://schemas.microsoft.com/office/powerpoint/2010/main" val="3292791094"/>
+      </p:ext>
+    </p:extLst>
+  </p:cSld>
+  <p:clrMapOvr>
+    <a:masterClrMapping/>
+  </p:clrMapOvr>
+</p:sld>
+</file>
+
+<file path=ppt/slides/slide7.xml><?xml version="1.0" encoding="utf-8"?>
+<p:sld xmlns:a="http://schemas.openxmlformats.org/drawingml/2006/main" xmlns:r="http://schemas.openxmlformats.org/officeDocument/2006/relationships" xmlns:p="http://schemas.openxmlformats.org/presentationml/2006/main">
+  <p:cSld>
+    <p:spTree>
+      <p:nvGrpSpPr>
+        <p:cNvPr id="1" name="">
+          <a:extLst>
+            <a:ext uri="{FF2B5EF4-FFF2-40B4-BE49-F238E27FC236}">
+              <a16:creationId xmlns:a16="http://schemas.microsoft.com/office/drawing/2014/main" id="{5FFA7286-718F-21D6-29CE-2FEBA0AFB145}"/>
+            </a:ext>
+          </a:extLst>
+        </p:cNvPr>
+        <p:cNvGrpSpPr/>
+        <p:nvPr/>
+      </p:nvGrpSpPr>
+      <p:grpSpPr>
+        <a:xfrm>
+          <a:off x="0" y="0"/>
+          <a:ext cx="0" cy="0"/>
+          <a:chOff x="0" y="0"/>
+          <a:chExt cx="0" cy="0"/>
+        </a:xfrm>
+      </p:grpSpPr>
+      <mc:AlternateContent xmlns:mc="http://schemas.openxmlformats.org/markup-compatibility/2006" xmlns:a14="http://schemas.microsoft.com/office/drawing/2010/main">
+        <mc:Choice Requires="a14">
+          <p:sp>
+            <p:nvSpPr>
+              <p:cNvPr id="3" name="Inhaltsplatzhalter 2">
+                <a:extLst>
+                  <a:ext uri="{FF2B5EF4-FFF2-40B4-BE49-F238E27FC236}">
+                    <a16:creationId xmlns:a16="http://schemas.microsoft.com/office/drawing/2014/main" id="{6BA1E3C3-CB98-5C52-64F6-C9AD4CF36550}"/>
+                  </a:ext>
+                </a:extLst>
+              </p:cNvPr>
+              <p:cNvSpPr>
+                <a:spLocks noGrp="1"/>
+              </p:cNvSpPr>
+              <p:nvPr>
+                <p:ph sz="quarter" idx="10"/>
+              </p:nvPr>
+            </p:nvSpPr>
+            <p:spPr>
+              <a:xfrm>
+                <a:off x="645847" y="1917056"/>
+                <a:ext cx="10472739" cy="667394"/>
+              </a:xfrm>
+            </p:spPr>
+            <p:txBody>
+              <a:bodyPr anchor="t"/>
+              <a:lstStyle/>
+              <a:p>
+                <a:pPr marL="342900" indent="-342900">
+                  <a:buFont typeface="Arial" panose="020B0604020202020204" pitchFamily="34" charset="0"/>
+                  <a:buChar char="•"/>
+                </a:pPr>
+                <a14:m>
+                  <m:oMath xmlns:m="http://schemas.openxmlformats.org/officeDocument/2006/math">
+                    <m:sSubSup>
+                      <m:sSubSupPr>
+                        <m:ctrlPr>
+                          <a:rPr lang="en-GB" sz="4000" b="0" i="1" smtClean="0">
+                            <a:latin typeface="Cambria Math" panose="02040503050406030204" pitchFamily="18" charset="0"/>
+                          </a:rPr>
+                        </m:ctrlPr>
+                      </m:sSubSupPr>
+                      <m:e>
+                        <m:r>
+                          <a:rPr lang="en-GB" sz="4000" b="0" i="1" smtClean="0">
+                            <a:latin typeface="Cambria Math" panose="02040503050406030204" pitchFamily="18" charset="0"/>
+                          </a:rPr>
+                          <m:t>𝐹</m:t>
+                        </m:r>
+                      </m:e>
+                      <m:sub>
+                        <m:r>
+                          <a:rPr lang="en-GB" sz="4000" b="0" i="1" smtClean="0">
+                            <a:latin typeface="Cambria Math" panose="02040503050406030204" pitchFamily="18" charset="0"/>
+                          </a:rPr>
+                          <m:t>𝑗</m:t>
+                        </m:r>
+                      </m:sub>
+                      <m:sup>
+                        <m:r>
+                          <a:rPr lang="en-GB" sz="4000" b="0" i="1" smtClean="0">
+                            <a:latin typeface="Cambria Math" panose="02040503050406030204" pitchFamily="18" charset="0"/>
+                          </a:rPr>
+                          <m:t>𝑖</m:t>
+                        </m:r>
+                      </m:sup>
+                    </m:sSubSup>
+                    <m:r>
+                      <a:rPr lang="en-GB" sz="4000" b="0" i="1" smtClean="0">
+                        <a:latin typeface="Cambria Math" panose="02040503050406030204" pitchFamily="18" charset="0"/>
+                      </a:rPr>
+                      <m:t>(</m:t>
+                    </m:r>
+                    <m:acc>
+                      <m:accPr>
+                        <m:chr m:val="⃗"/>
+                        <m:ctrlPr>
+                          <a:rPr lang="en-GB" sz="4000" b="0" i="1" smtClean="0">
+                            <a:latin typeface="Cambria Math" panose="02040503050406030204" pitchFamily="18" charset="0"/>
+                          </a:rPr>
+                        </m:ctrlPr>
+                      </m:accPr>
+                      <m:e>
+                        <m:r>
+                          <a:rPr lang="en-GB" sz="4000" b="0" i="1" smtClean="0">
+                            <a:latin typeface="Cambria Math" panose="02040503050406030204" pitchFamily="18" charset="0"/>
+                          </a:rPr>
+                          <m:t>𝐶</m:t>
+                        </m:r>
+                      </m:e>
+                    </m:acc>
+                  </m:oMath>
+                </a14:m>
+                <a:r>
+                  <a:rPr lang="en-GB" sz="4000" dirty="0"/>
+                  <a:t>)</a:t>
+                </a:r>
+                <a14:m>
+                  <m:oMath xmlns:m="http://schemas.openxmlformats.org/officeDocument/2006/math">
+                    <m:r>
+                      <a:rPr lang="en-GB" sz="4000" b="0" i="1" smtClean="0">
+                        <a:latin typeface="Cambria Math" panose="02040503050406030204" pitchFamily="18" charset="0"/>
+                      </a:rPr>
+                      <m:t>=</m:t>
+                    </m:r>
+                    <m:sSubSup>
+                      <m:sSubSupPr>
+                        <m:ctrlPr>
+                          <a:rPr lang="en-GB" sz="4000" b="0" i="1" smtClean="0">
+                            <a:latin typeface="Cambria Math" panose="02040503050406030204" pitchFamily="18" charset="0"/>
+                          </a:rPr>
+                        </m:ctrlPr>
+                      </m:sSubSupPr>
+                      <m:e>
+                        <m:r>
+                          <a:rPr lang="en-GB" sz="4000" b="0" i="1" smtClean="0">
+                            <a:latin typeface="Cambria Math" panose="02040503050406030204" pitchFamily="18" charset="0"/>
+                          </a:rPr>
+                          <m:t>𝐹</m:t>
+                        </m:r>
+                      </m:e>
+                      <m:sub/>
+                      <m:sup>
+                        <m:d>
+                          <m:dPr>
+                            <m:ctrlPr>
+                              <a:rPr lang="en-GB" sz="4000" b="0" i="1" smtClean="0">
+                                <a:latin typeface="Cambria Math" panose="02040503050406030204" pitchFamily="18" charset="0"/>
+                              </a:rPr>
+                            </m:ctrlPr>
+                          </m:dPr>
+                          <m:e>
+                            <m:r>
+                              <a:rPr lang="en-GB" sz="4000" b="0" i="1" smtClean="0">
+                                <a:latin typeface="Cambria Math" panose="02040503050406030204" pitchFamily="18" charset="0"/>
+                              </a:rPr>
+                              <m:t>𝑠h𝑎𝑝𝑒</m:t>
+                            </m:r>
+                          </m:e>
+                        </m:d>
+                      </m:sup>
+                    </m:sSubSup>
+                    <m:d>
+                      <m:dPr>
+                        <m:ctrlPr>
+                          <a:rPr lang="en-GB" sz="4000" b="0" i="1" smtClean="0">
+                            <a:latin typeface="Cambria Math" panose="02040503050406030204" pitchFamily="18" charset="0"/>
+                          </a:rPr>
+                        </m:ctrlPr>
+                      </m:dPr>
+                      <m:e>
+                        <m:sSub>
+                          <m:sSubPr>
+                            <m:ctrlPr>
+                              <a:rPr lang="en-GB" sz="4000" b="0" i="1" smtClean="0">
+                                <a:latin typeface="Cambria Math" panose="02040503050406030204" pitchFamily="18" charset="0"/>
+                              </a:rPr>
+                            </m:ctrlPr>
+                          </m:sSubPr>
+                          <m:e>
+                            <m:r>
+                              <a:rPr lang="en-GB" sz="4000" b="0" i="1" smtClean="0">
+                                <a:latin typeface="Cambria Math" panose="02040503050406030204" pitchFamily="18" charset="0"/>
+                              </a:rPr>
+                              <m:t>𝐶</m:t>
+                            </m:r>
+                          </m:e>
+                          <m:sub>
+                            <m:r>
+                              <a:rPr lang="en-GB" sz="4000" b="0" i="1" smtClean="0">
+                                <a:latin typeface="Cambria Math" panose="02040503050406030204" pitchFamily="18" charset="0"/>
+                              </a:rPr>
+                              <m:t>𝑖</m:t>
+                            </m:r>
+                          </m:sub>
+                        </m:sSub>
+                      </m:e>
+                    </m:d>
+                    <m:r>
+                      <a:rPr lang="en-GB" sz="4000" b="0" i="0" smtClean="0">
+                        <a:latin typeface="Cambria Math" panose="02040503050406030204" pitchFamily="18" charset="0"/>
+                      </a:rPr>
+                      <m:t>+</m:t>
+                    </m:r>
+                    <m:sSup>
+                      <m:sSupPr>
+                        <m:ctrlPr>
+                          <a:rPr lang="en-GB" sz="4000" b="0" i="1" smtClean="0">
+                            <a:latin typeface="Cambria Math" panose="02040503050406030204" pitchFamily="18" charset="0"/>
+                          </a:rPr>
+                        </m:ctrlPr>
+                      </m:sSupPr>
+                      <m:e>
+                        <m:r>
+                          <m:rPr>
+                            <m:sty m:val="p"/>
+                          </m:rPr>
+                          <a:rPr lang="en-GB" sz="4000" b="0" i="0" smtClean="0">
+                            <a:latin typeface="Cambria Math" panose="02040503050406030204" pitchFamily="18" charset="0"/>
+                          </a:rPr>
+                          <m:t>F</m:t>
+                        </m:r>
+                      </m:e>
+                      <m:sup>
+                        <m:r>
+                          <a:rPr lang="en-GB" sz="4000" b="0" i="0" smtClean="0">
+                            <a:latin typeface="Cambria Math" panose="02040503050406030204" pitchFamily="18" charset="0"/>
+                          </a:rPr>
+                          <m:t>(</m:t>
+                        </m:r>
+                        <m:r>
+                          <m:rPr>
+                            <m:sty m:val="p"/>
+                          </m:rPr>
+                          <a:rPr lang="en-GB" sz="4000" b="0" i="0" smtClean="0">
+                            <a:latin typeface="Cambria Math" panose="02040503050406030204" pitchFamily="18" charset="0"/>
+                          </a:rPr>
+                          <m:t>interaction</m:t>
+                        </m:r>
+                        <m:r>
+                          <a:rPr lang="en-GB" sz="4000" b="0" i="0" smtClean="0">
+                            <a:latin typeface="Cambria Math" panose="02040503050406030204" pitchFamily="18" charset="0"/>
+                          </a:rPr>
+                          <m:t>)</m:t>
+                        </m:r>
+                      </m:sup>
+                    </m:sSup>
+                    <m:r>
+                      <a:rPr lang="en-GB" sz="4000" b="0" i="0" smtClean="0">
+                        <a:latin typeface="Cambria Math" panose="02040503050406030204" pitchFamily="18" charset="0"/>
+                      </a:rPr>
+                      <m:t>(</m:t>
+                    </m:r>
+                    <m:acc>
+                      <m:accPr>
+                        <m:chr m:val="⃗"/>
+                        <m:ctrlPr>
+                          <a:rPr lang="en-GB" sz="4000" b="0" i="1" smtClean="0">
+                            <a:latin typeface="Cambria Math" panose="02040503050406030204" pitchFamily="18" charset="0"/>
+                          </a:rPr>
+                        </m:ctrlPr>
+                      </m:accPr>
+                      <m:e>
+                        <m:r>
+                          <a:rPr lang="en-GB" sz="4000" b="0" i="1" smtClean="0">
+                            <a:latin typeface="Cambria Math" panose="02040503050406030204" pitchFamily="18" charset="0"/>
+                          </a:rPr>
+                          <m:t>𝐶</m:t>
+                        </m:r>
+                      </m:e>
+                    </m:acc>
+                    <m:r>
+                      <a:rPr lang="en-GB" sz="4000" b="0" i="1" smtClean="0">
+                        <a:latin typeface="Cambria Math" panose="02040503050406030204" pitchFamily="18" charset="0"/>
+                      </a:rPr>
+                      <m:t>)</m:t>
+                    </m:r>
+                  </m:oMath>
+                </a14:m>
+                <a:r>
+                  <a:rPr lang="en-GB" sz="4000" dirty="0"/>
+                  <a:t> </a:t>
+                </a:r>
+              </a:p>
+            </p:txBody>
+          </p:sp>
+        </mc:Choice>
+        <mc:Fallback xmlns="">
+          <p:sp>
+            <p:nvSpPr>
+              <p:cNvPr id="3" name="Inhaltsplatzhalter 2">
+                <a:extLst>
+                  <a:ext uri="{FF2B5EF4-FFF2-40B4-BE49-F238E27FC236}">
+                    <a16:creationId xmlns:a16="http://schemas.microsoft.com/office/drawing/2014/main" id="{6BA1E3C3-CB98-5C52-64F6-C9AD4CF36550}"/>
+                  </a:ext>
+                </a:extLst>
+              </p:cNvPr>
+              <p:cNvSpPr>
+                <a:spLocks noGrp="1" noRot="1" noChangeAspect="1" noMove="1" noResize="1" noEditPoints="1" noAdjustHandles="1" noChangeArrowheads="1" noChangeShapeType="1" noTextEdit="1"/>
+              </p:cNvSpPr>
+              <p:nvPr>
+                <p:ph sz="quarter" idx="10"/>
+              </p:nvPr>
+            </p:nvSpPr>
+            <p:spPr>
+              <a:xfrm>
+                <a:off x="645847" y="1917056"/>
+                <a:ext cx="10472739" cy="667394"/>
+              </a:xfrm>
+              <a:blipFill>
+                <a:blip r:embed="rId2"/>
+                <a:stretch>
+                  <a:fillRect t="-5455" b="-54545"/>
+                </a:stretch>
+              </a:blipFill>
+            </p:spPr>
+            <p:txBody>
+              <a:bodyPr/>
+              <a:lstStyle/>
+              <a:p>
+                <a:r>
+                  <a:rPr lang="en-DE">
+                    <a:noFill/>
+                  </a:rPr>
+                  <a:t> </a:t>
+                </a:r>
+              </a:p>
+            </p:txBody>
+          </p:sp>
+        </mc:Fallback>
+      </mc:AlternateContent>
+      <p:sp>
+        <p:nvSpPr>
+          <p:cNvPr id="4" name="Textplatzhalter 3">
+            <a:extLst>
+              <a:ext uri="{FF2B5EF4-FFF2-40B4-BE49-F238E27FC236}">
+                <a16:creationId xmlns:a16="http://schemas.microsoft.com/office/drawing/2014/main" id="{F05188E0-2D86-9DE5-8AE5-6BE7FC225108}"/>
+              </a:ext>
+            </a:extLst>
+          </p:cNvPr>
+          <p:cNvSpPr>
+            <a:spLocks noGrp="1"/>
+          </p:cNvSpPr>
+          <p:nvPr>
+            <p:ph type="body" sz="quarter" idx="11"/>
+          </p:nvPr>
+        </p:nvSpPr>
+        <p:spPr/>
+        <p:txBody>
+          <a:bodyPr/>
+          <a:lstStyle/>
+          <a:p>
+            <a:r>
+              <a:rPr lang="en-GB" dirty="0"/>
+              <a:t>Deterministic part</a:t>
+            </a:r>
+          </a:p>
+          <a:p>
+            <a:r>
+              <a:rPr lang="en-GB" dirty="0"/>
+              <a:t> </a:t>
+            </a:r>
+            <a:endParaRPr lang="en-DE" dirty="0"/>
+          </a:p>
+        </p:txBody>
+      </p:sp>
+      <p:sp>
+        <p:nvSpPr>
+          <p:cNvPr id="5" name="Textfeld 4">
+            <a:extLst>
+              <a:ext uri="{FF2B5EF4-FFF2-40B4-BE49-F238E27FC236}">
+                <a16:creationId xmlns:a16="http://schemas.microsoft.com/office/drawing/2014/main" id="{9FFDD152-42CE-066E-FB20-E089669316B4}"/>
+              </a:ext>
+            </a:extLst>
+          </p:cNvPr>
+          <p:cNvSpPr txBox="1"/>
+          <p:nvPr/>
+        </p:nvSpPr>
+        <p:spPr>
+          <a:xfrm>
+            <a:off x="933714" y="3259940"/>
+            <a:ext cx="4582319" cy="2027222"/>
+          </a:xfrm>
+          <a:prstGeom prst="rect">
+            <a:avLst/>
+          </a:prstGeom>
+          <a:noFill/>
+        </p:spPr>
+        <p:txBody>
+          <a:bodyPr wrap="square" rtlCol="0">
+            <a:spAutoFit/>
+          </a:bodyPr>
+          <a:lstStyle/>
+          <a:p>
+            <a:pPr marL="285750" indent="-285750">
+              <a:lnSpc>
+                <a:spcPct val="200000"/>
+              </a:lnSpc>
+              <a:buFont typeface="Arial" panose="020B0604020202020204" pitchFamily="34" charset="0"/>
+              <a:buChar char="•"/>
+            </a:pPr>
+            <a:r>
+              <a:rPr lang="en-GB" sz="2200" dirty="0">
+                <a:solidFill>
+                  <a:schemeClr val="accent1"/>
+                </a:solidFill>
+              </a:rPr>
+              <a:t>Conservation of cell shape by maintaining </a:t>
+            </a:r>
+            <a:r>
+              <a:rPr lang="en-GB" sz="2200" b="1" dirty="0">
+                <a:solidFill>
+                  <a:schemeClr val="accent1"/>
+                </a:solidFill>
+              </a:rPr>
+              <a:t>cell</a:t>
+            </a:r>
+            <a:r>
+              <a:rPr lang="en-GB" sz="2200" dirty="0">
+                <a:solidFill>
+                  <a:schemeClr val="accent1"/>
+                </a:solidFill>
+              </a:rPr>
+              <a:t> </a:t>
+            </a:r>
+            <a:r>
+              <a:rPr lang="en-GB" sz="2200" b="1" dirty="0">
+                <a:solidFill>
+                  <a:schemeClr val="accent1"/>
+                </a:solidFill>
+              </a:rPr>
+              <a:t>area</a:t>
+            </a:r>
+            <a:r>
+              <a:rPr lang="en-GB" sz="2200" dirty="0">
+                <a:solidFill>
+                  <a:schemeClr val="accent1"/>
+                </a:solidFill>
+              </a:rPr>
+              <a:t>, </a:t>
+            </a:r>
+            <a:r>
+              <a:rPr lang="en-GB" sz="2200" b="1" dirty="0">
+                <a:solidFill>
+                  <a:schemeClr val="accent1"/>
+                </a:solidFill>
+              </a:rPr>
+              <a:t>edge</a:t>
+            </a:r>
+            <a:r>
+              <a:rPr lang="en-GB" sz="2200" dirty="0">
+                <a:solidFill>
+                  <a:schemeClr val="accent1"/>
+                </a:solidFill>
+              </a:rPr>
+              <a:t> </a:t>
+            </a:r>
+            <a:r>
+              <a:rPr lang="en-GB" sz="2200" b="1" dirty="0">
+                <a:solidFill>
+                  <a:schemeClr val="accent1"/>
+                </a:solidFill>
+              </a:rPr>
+              <a:t>lengths</a:t>
+            </a:r>
+            <a:r>
+              <a:rPr lang="en-GB" sz="2200" dirty="0">
+                <a:solidFill>
+                  <a:schemeClr val="accent1"/>
+                </a:solidFill>
+              </a:rPr>
+              <a:t> and </a:t>
+            </a:r>
+            <a:r>
+              <a:rPr lang="en-GB" sz="2200" b="1" dirty="0">
+                <a:solidFill>
+                  <a:schemeClr val="accent1"/>
+                </a:solidFill>
+              </a:rPr>
+              <a:t>interior angles</a:t>
+            </a:r>
+            <a:endParaRPr lang="en-DE" sz="2200" b="1" dirty="0">
+              <a:solidFill>
+                <a:schemeClr val="accent1"/>
+              </a:solidFill>
+            </a:endParaRPr>
+          </a:p>
+        </p:txBody>
+      </p:sp>
+      <p:sp>
+        <p:nvSpPr>
+          <p:cNvPr id="9" name="Textfeld 8">
+            <a:extLst>
+              <a:ext uri="{FF2B5EF4-FFF2-40B4-BE49-F238E27FC236}">
+                <a16:creationId xmlns:a16="http://schemas.microsoft.com/office/drawing/2014/main" id="{342C6183-CC9A-5D12-B19E-0D1B2001EE0D}"/>
+              </a:ext>
+            </a:extLst>
+          </p:cNvPr>
+          <p:cNvSpPr txBox="1"/>
+          <p:nvPr/>
+        </p:nvSpPr>
+        <p:spPr>
+          <a:xfrm>
+            <a:off x="5809455" y="3259940"/>
+            <a:ext cx="4582319" cy="2027222"/>
+          </a:xfrm>
+          <a:prstGeom prst="rect">
+            <a:avLst/>
+          </a:prstGeom>
+          <a:noFill/>
+        </p:spPr>
+        <p:txBody>
+          <a:bodyPr wrap="square" rtlCol="0">
+            <a:spAutoFit/>
+          </a:bodyPr>
+          <a:lstStyle/>
+          <a:p>
+            <a:pPr marL="285750" indent="-285750">
+              <a:lnSpc>
+                <a:spcPct val="200000"/>
+              </a:lnSpc>
+              <a:buFont typeface="Arial" panose="020B0604020202020204" pitchFamily="34" charset="0"/>
+              <a:buChar char="•"/>
+            </a:pPr>
+            <a:r>
+              <a:rPr lang="en-GB" sz="2200" dirty="0" err="1">
+                <a:solidFill>
+                  <a:schemeClr val="accent1"/>
+                </a:solidFill>
+              </a:rPr>
+              <a:t>Resolvation</a:t>
+            </a:r>
+            <a:r>
+              <a:rPr lang="en-GB" sz="2200" dirty="0">
+                <a:solidFill>
+                  <a:schemeClr val="accent1"/>
+                </a:solidFill>
+              </a:rPr>
+              <a:t> of cell overlaps with </a:t>
+            </a:r>
+            <a:r>
+              <a:rPr lang="en-GB" sz="2200" b="1" dirty="0">
+                <a:solidFill>
+                  <a:schemeClr val="accent1"/>
+                </a:solidFill>
+              </a:rPr>
+              <a:t>shape deformations</a:t>
+            </a:r>
+            <a:r>
+              <a:rPr lang="en-GB" sz="2200" dirty="0">
+                <a:solidFill>
+                  <a:schemeClr val="accent1"/>
+                </a:solidFill>
+              </a:rPr>
+              <a:t> and </a:t>
+            </a:r>
+            <a:r>
+              <a:rPr lang="en-GB" sz="2200" b="1" dirty="0">
+                <a:solidFill>
+                  <a:schemeClr val="accent1"/>
+                </a:solidFill>
+              </a:rPr>
+              <a:t>transport of cells</a:t>
+            </a:r>
+            <a:endParaRPr lang="en-DE" sz="2200" b="1" dirty="0">
+              <a:solidFill>
+                <a:schemeClr val="accent1"/>
+              </a:solidFill>
+            </a:endParaRPr>
+          </a:p>
+        </p:txBody>
+      </p:sp>
+      <p:sp>
+        <p:nvSpPr>
+          <p:cNvPr id="10" name="Geschweifte Klammer rechts 9">
+            <a:extLst>
+              <a:ext uri="{FF2B5EF4-FFF2-40B4-BE49-F238E27FC236}">
+                <a16:creationId xmlns:a16="http://schemas.microsoft.com/office/drawing/2014/main" id="{6BEFE0B8-A316-5A77-61A0-0CD83BB4E2C1}"/>
+              </a:ext>
+            </a:extLst>
+          </p:cNvPr>
+          <p:cNvSpPr/>
+          <p:nvPr/>
+        </p:nvSpPr>
+        <p:spPr>
+          <a:xfrm rot="5400000">
+            <a:off x="3726321" y="1793754"/>
+            <a:ext cx="422105" cy="2428990"/>
+          </a:xfrm>
+          <a:prstGeom prst="rightBrace">
+            <a:avLst>
+              <a:gd name="adj1" fmla="val 67019"/>
+              <a:gd name="adj2" fmla="val 50858"/>
+            </a:avLst>
+          </a:prstGeom>
+          <a:ln>
+            <a:headEnd type="none" w="med" len="med"/>
+            <a:tailEnd type="none" w="med" len="med"/>
+          </a:ln>
+        </p:spPr>
+        <p:style>
+          <a:lnRef idx="3">
+            <a:schemeClr val="accent1"/>
+          </a:lnRef>
+          <a:fillRef idx="0">
+            <a:schemeClr val="accent1"/>
+          </a:fillRef>
+          <a:effectRef idx="2">
+            <a:schemeClr val="accent1"/>
+          </a:effectRef>
+          <a:fontRef idx="minor">
+            <a:schemeClr val="tx1"/>
+          </a:fontRef>
+        </p:style>
+        <p:txBody>
+          <a:bodyPr rtlCol="0" anchor="ctr"/>
+          <a:lstStyle/>
+          <a:p>
+            <a:pPr algn="ctr"/>
+            <a:endParaRPr lang="en-DE" dirty="0"/>
+          </a:p>
+        </p:txBody>
+      </p:sp>
+      <p:sp>
+        <p:nvSpPr>
+          <p:cNvPr id="11" name="Geschweifte Klammer rechts 10">
+            <a:extLst>
+              <a:ext uri="{FF2B5EF4-FFF2-40B4-BE49-F238E27FC236}">
+                <a16:creationId xmlns:a16="http://schemas.microsoft.com/office/drawing/2014/main" id="{93F51E6C-DCB0-E68B-B8ED-C945A4FB35BC}"/>
+              </a:ext>
+            </a:extLst>
+          </p:cNvPr>
+          <p:cNvSpPr/>
+          <p:nvPr/>
+        </p:nvSpPr>
+        <p:spPr>
+          <a:xfrm rot="5400000">
+            <a:off x="7342295" y="1382037"/>
+            <a:ext cx="422105" cy="3252423"/>
+          </a:xfrm>
+          <a:prstGeom prst="rightBrace">
+            <a:avLst>
+              <a:gd name="adj1" fmla="val 67019"/>
+              <a:gd name="adj2" fmla="val 50858"/>
+            </a:avLst>
+          </a:prstGeom>
+          <a:ln>
+            <a:headEnd type="none" w="med" len="med"/>
+            <a:tailEnd type="none" w="med" len="med"/>
+          </a:ln>
+        </p:spPr>
+        <p:style>
+          <a:lnRef idx="3">
+            <a:schemeClr val="accent1"/>
+          </a:lnRef>
+          <a:fillRef idx="0">
+            <a:schemeClr val="accent1"/>
+          </a:fillRef>
+          <a:effectRef idx="2">
+            <a:schemeClr val="accent1"/>
+          </a:effectRef>
+          <a:fontRef idx="minor">
+            <a:schemeClr val="tx1"/>
+          </a:fontRef>
+        </p:style>
+        <p:txBody>
+          <a:bodyPr rtlCol="0" anchor="ctr"/>
+          <a:lstStyle/>
+          <a:p>
+            <a:pPr algn="ctr"/>
+            <a:endParaRPr lang="en-DE" dirty="0"/>
+          </a:p>
+        </p:txBody>
+      </p:sp>
+      <p:sp>
+        <p:nvSpPr>
+          <p:cNvPr id="17" name="Titel 16">
+            <a:extLst>
+              <a:ext uri="{FF2B5EF4-FFF2-40B4-BE49-F238E27FC236}">
+                <a16:creationId xmlns:a16="http://schemas.microsoft.com/office/drawing/2014/main" id="{D73B274E-FDEB-4486-2322-D3FF52A4E108}"/>
+              </a:ext>
+            </a:extLst>
+          </p:cNvPr>
+          <p:cNvSpPr>
+            <a:spLocks noGrp="1"/>
+          </p:cNvSpPr>
+          <p:nvPr>
+            <p:ph type="title"/>
+          </p:nvPr>
+        </p:nvSpPr>
+        <p:spPr/>
+        <p:txBody>
+          <a:bodyPr/>
+          <a:lstStyle/>
+          <a:p>
+            <a:r>
+              <a:rPr lang="en-GB" dirty="0"/>
+              <a:t>1. DF model and dynamics</a:t>
+            </a:r>
+            <a:endParaRPr lang="en-DE" dirty="0"/>
+          </a:p>
+        </p:txBody>
+      </p:sp>
+    </p:spTree>
+    <p:extLst>
+      <p:ext uri="{BB962C8B-B14F-4D97-AF65-F5344CB8AC3E}">
+        <p14:creationId xmlns:p14="http://schemas.microsoft.com/office/powerpoint/2010/main" val="1131725805"/>
+      </p:ext>
+    </p:extLst>
+  </p:cSld>
+  <p:clrMapOvr>
+    <a:masterClrMapping/>
+  </p:clrMapOvr>
+</p:sld>
+</file>
+
+<file path=ppt/slides/slide8.xml><?xml version="1.0" encoding="utf-8"?>
+<p:sld xmlns:a="http://schemas.openxmlformats.org/drawingml/2006/main" xmlns:r="http://schemas.openxmlformats.org/officeDocument/2006/relationships" xmlns:p="http://schemas.openxmlformats.org/presentationml/2006/main">
+  <p:cSld>
+    <p:spTree>
+      <p:nvGrpSpPr>
+        <p:cNvPr id="1" name=""/>
+        <p:cNvGrpSpPr/>
+        <p:nvPr/>
+      </p:nvGrpSpPr>
+      <p:grpSpPr>
+        <a:xfrm>
+          <a:off x="0" y="0"/>
+          <a:ext cx="0" cy="0"/>
+          <a:chOff x="0" y="0"/>
+          <a:chExt cx="0" cy="0"/>
+        </a:xfrm>
+      </p:grpSpPr>
+      <mc:AlternateContent xmlns:mc="http://schemas.openxmlformats.org/markup-compatibility/2006">
+        <mc:Choice xmlns:a14="http://schemas.microsoft.com/office/drawing/2010/main" Requires="a14">
+          <p:sp>
+            <p:nvSpPr>
+              <p:cNvPr id="2" name="Inhaltsplatzhalter 1">
+                <a:extLst>
+                  <a:ext uri="{FF2B5EF4-FFF2-40B4-BE49-F238E27FC236}">
+                    <a16:creationId xmlns:a16="http://schemas.microsoft.com/office/drawing/2014/main" id="{5A37D841-BEF1-3340-EA1B-0C471955E230}"/>
+                  </a:ext>
+                </a:extLst>
+              </p:cNvPr>
+              <p:cNvSpPr>
+                <a:spLocks noGrp="1"/>
+              </p:cNvSpPr>
+              <p:nvPr>
+                <p:ph sz="quarter" idx="10"/>
+              </p:nvPr>
+            </p:nvSpPr>
+            <p:spPr/>
+            <p:txBody>
+              <a:bodyPr/>
+              <a:lstStyle/>
+              <a:p>
+                <a:pPr marL="342900" indent="-342900">
+                  <a:buFont typeface="Arial" panose="020B0604020202020204" pitchFamily="34" charset="0"/>
+                  <a:buChar char="•"/>
+                </a:pPr>
+                <a:r>
+                  <a:rPr lang="en-GB" dirty="0"/>
+                  <a:t>Each of the described dynamics is implemented as a gradient flow of a certain energy </a:t>
+                </a:r>
+              </a:p>
+              <a:p>
+                <a:pPr marL="342900" indent="-342900">
+                  <a:buFont typeface="Arial" panose="020B0604020202020204" pitchFamily="34" charset="0"/>
+                  <a:buChar char="•"/>
+                </a:pPr>
+                <a:r>
+                  <a:rPr lang="en-GB" dirty="0"/>
+                  <a:t>Thus, for each given energy </a:t>
+                </a:r>
+                <a14:m>
+                  <m:oMath xmlns:m="http://schemas.openxmlformats.org/officeDocument/2006/math">
+                    <m:r>
+                      <a:rPr lang="en-GB" b="0" i="1" smtClean="0">
+                        <a:latin typeface="Cambria Math" panose="02040503050406030204" pitchFamily="18" charset="0"/>
+                      </a:rPr>
+                      <m:t>𝐸</m:t>
+                    </m:r>
+                    <m:r>
+                      <a:rPr lang="en-GB" b="0" i="1" smtClean="0">
+                        <a:latin typeface="Cambria Math" panose="02040503050406030204" pitchFamily="18" charset="0"/>
+                      </a:rPr>
+                      <m:t>:</m:t>
+                    </m:r>
+                    <m:sSup>
+                      <m:sSupPr>
+                        <m:ctrlPr>
+                          <a:rPr lang="en-GB" b="0" i="1" smtClean="0">
+                            <a:latin typeface="Cambria Math" panose="02040503050406030204" pitchFamily="18" charset="0"/>
+                          </a:rPr>
+                        </m:ctrlPr>
+                      </m:sSupPr>
+                      <m:e>
+                        <m:r>
+                          <a:rPr lang="en-GB" b="0" i="1" smtClean="0">
+                            <a:latin typeface="Cambria Math" panose="02040503050406030204" pitchFamily="18" charset="0"/>
+                          </a:rPr>
+                          <m:t>ℝ</m:t>
+                        </m:r>
+                      </m:e>
+                      <m:sup>
+                        <m:r>
+                          <a:rPr lang="en-GB" b="0" i="1" smtClean="0">
+                            <a:latin typeface="Cambria Math" panose="02040503050406030204" pitchFamily="18" charset="0"/>
+                          </a:rPr>
+                          <m:t>𝑑</m:t>
+                        </m:r>
+                      </m:sup>
+                    </m:sSup>
+                    <m:r>
+                      <a:rPr lang="en-GB" b="0" i="1" smtClean="0">
+                        <a:latin typeface="Cambria Math" panose="02040503050406030204" pitchFamily="18" charset="0"/>
+                      </a:rPr>
+                      <m:t>→</m:t>
+                    </m:r>
+                    <m:sSub>
+                      <m:sSubPr>
+                        <m:ctrlPr>
+                          <a:rPr lang="en-GB" b="0" i="1" smtClean="0">
+                            <a:latin typeface="Cambria Math" panose="02040503050406030204" pitchFamily="18" charset="0"/>
+                          </a:rPr>
+                        </m:ctrlPr>
+                      </m:sSubPr>
+                      <m:e>
+                        <m:r>
+                          <a:rPr lang="en-GB" b="0" i="1" smtClean="0">
+                            <a:latin typeface="Cambria Math" panose="02040503050406030204" pitchFamily="18" charset="0"/>
+                          </a:rPr>
+                          <m:t>ℝ</m:t>
+                        </m:r>
+                      </m:e>
+                      <m:sub>
+                        <m:r>
+                          <a:rPr lang="en-GB" b="0" i="1" smtClean="0">
+                            <a:latin typeface="Cambria Math" panose="02040503050406030204" pitchFamily="18" charset="0"/>
+                          </a:rPr>
+                          <m:t>+</m:t>
+                        </m:r>
+                      </m:sub>
+                    </m:sSub>
+                  </m:oMath>
+                </a14:m>
+                <a:r>
+                  <a:rPr lang="en-GB" dirty="0"/>
+                  <a:t>, we apply the dynamic</a:t>
+                </a:r>
+              </a:p>
+              <a:p>
+                <a:pPr algn="ctr"/>
+                <a14:m>
+                  <m:oMath xmlns:m="http://schemas.openxmlformats.org/officeDocument/2006/math">
+                    <m:f>
+                      <m:fPr>
+                        <m:ctrlPr>
+                          <a:rPr lang="en-GB" sz="3000" i="1" smtClean="0">
+                            <a:latin typeface="Cambria Math" panose="02040503050406030204" pitchFamily="18" charset="0"/>
+                          </a:rPr>
+                        </m:ctrlPr>
+                      </m:fPr>
+                      <m:num>
+                        <m:r>
+                          <a:rPr lang="en-GB" sz="3000" b="0" i="1" smtClean="0">
+                            <a:latin typeface="Cambria Math" panose="02040503050406030204" pitchFamily="18" charset="0"/>
+                          </a:rPr>
+                          <m:t>𝑑</m:t>
+                        </m:r>
+                        <m:sSubSup>
+                          <m:sSubSupPr>
+                            <m:ctrlPr>
+                              <a:rPr lang="en-GB" sz="3000" b="0" i="1" smtClean="0">
+                                <a:latin typeface="Cambria Math" panose="02040503050406030204" pitchFamily="18" charset="0"/>
+                              </a:rPr>
+                            </m:ctrlPr>
+                          </m:sSubSupPr>
+                          <m:e>
+                            <m:acc>
+                              <m:accPr>
+                                <m:chr m:val="⃗"/>
+                                <m:ctrlPr>
+                                  <a:rPr lang="en-GB" sz="3000" b="0" i="1" smtClean="0">
+                                    <a:latin typeface="Cambria Math" panose="02040503050406030204" pitchFamily="18" charset="0"/>
+                                  </a:rPr>
+                                </m:ctrlPr>
+                              </m:accPr>
+                              <m:e>
+                                <m:r>
+                                  <a:rPr lang="en-GB" sz="3000" b="0" i="1" smtClean="0">
+                                    <a:latin typeface="Cambria Math" panose="02040503050406030204" pitchFamily="18" charset="0"/>
+                                  </a:rPr>
+                                  <m:t>𝑣</m:t>
+                                </m:r>
+                              </m:e>
+                            </m:acc>
+                          </m:e>
+                          <m:sub>
+                            <m:r>
+                              <a:rPr lang="en-GB" sz="3000" b="0" i="1" smtClean="0">
+                                <a:latin typeface="Cambria Math" panose="02040503050406030204" pitchFamily="18" charset="0"/>
+                              </a:rPr>
+                              <m:t>𝑗</m:t>
+                            </m:r>
+                          </m:sub>
+                          <m:sup>
+                            <m:r>
+                              <a:rPr lang="en-GB" sz="3000" b="0" i="1" smtClean="0">
+                                <a:latin typeface="Cambria Math" panose="02040503050406030204" pitchFamily="18" charset="0"/>
+                              </a:rPr>
+                              <m:t>𝑖</m:t>
+                            </m:r>
+                          </m:sup>
+                        </m:sSubSup>
+                      </m:num>
+                      <m:den>
+                        <m:r>
+                          <a:rPr lang="en-GB" sz="3000" i="1" smtClean="0">
+                            <a:latin typeface="Cambria Math" panose="02040503050406030204" pitchFamily="18" charset="0"/>
+                          </a:rPr>
+                          <m:t>𝑑</m:t>
+                        </m:r>
+                        <m:r>
+                          <a:rPr lang="en-GB" sz="3000" b="0" i="1" smtClean="0">
+                            <a:latin typeface="Cambria Math" panose="02040503050406030204" pitchFamily="18" charset="0"/>
+                          </a:rPr>
+                          <m:t>𝑡</m:t>
+                        </m:r>
+                      </m:den>
+                    </m:f>
+                    <m:r>
+                      <a:rPr lang="en-GB" sz="3000" b="0" i="1" smtClean="0">
+                        <a:latin typeface="Cambria Math" panose="02040503050406030204" pitchFamily="18" charset="0"/>
+                      </a:rPr>
+                      <m:t>=−</m:t>
+                    </m:r>
+                    <m:sSub>
+                      <m:sSubPr>
+                        <m:ctrlPr>
+                          <a:rPr lang="en-GB" sz="3000" b="0" i="1" smtClean="0">
+                            <a:latin typeface="Cambria Math" panose="02040503050406030204" pitchFamily="18" charset="0"/>
+                          </a:rPr>
+                        </m:ctrlPr>
+                      </m:sSubPr>
+                      <m:e>
+                        <m:r>
+                          <a:rPr lang="en-GB" sz="3000" b="0" i="1" smtClean="0">
+                            <a:latin typeface="Cambria Math" panose="02040503050406030204" pitchFamily="18" charset="0"/>
+                          </a:rPr>
+                          <m:t>𝛼</m:t>
+                        </m:r>
+                      </m:e>
+                      <m:sub>
+                        <m:r>
+                          <a:rPr lang="en-GB" sz="3000" b="0" i="1" smtClean="0">
+                            <a:latin typeface="Cambria Math" panose="02040503050406030204" pitchFamily="18" charset="0"/>
+                          </a:rPr>
+                          <m:t>𝐸</m:t>
+                        </m:r>
+                      </m:sub>
+                    </m:sSub>
+                    <m:r>
+                      <a:rPr lang="en-GB" sz="3000" b="0" i="1" smtClean="0">
+                        <a:latin typeface="Cambria Math" panose="02040503050406030204" pitchFamily="18" charset="0"/>
+                      </a:rPr>
+                      <m:t> </m:t>
+                    </m:r>
+                    <m:sSub>
+                      <m:sSubPr>
+                        <m:ctrlPr>
+                          <a:rPr lang="en-GB" sz="3000" b="0" i="1" smtClean="0">
+                            <a:latin typeface="Cambria Math" panose="02040503050406030204" pitchFamily="18" charset="0"/>
+                          </a:rPr>
+                        </m:ctrlPr>
+                      </m:sSubPr>
+                      <m:e>
+                        <m:r>
+                          <m:rPr>
+                            <m:sty m:val="p"/>
+                          </m:rPr>
+                          <a:rPr lang="en-GB" sz="3000" b="0" i="0" smtClean="0">
+                            <a:latin typeface="Cambria Math" panose="02040503050406030204" pitchFamily="18" charset="0"/>
+                          </a:rPr>
+                          <m:t>∇</m:t>
+                        </m:r>
+                      </m:e>
+                      <m:sub>
+                        <m:sSubSup>
+                          <m:sSubSupPr>
+                            <m:ctrlPr>
+                              <a:rPr lang="en-GB" sz="3000" i="1">
+                                <a:latin typeface="Cambria Math" panose="02040503050406030204" pitchFamily="18" charset="0"/>
+                              </a:rPr>
+                            </m:ctrlPr>
+                          </m:sSubSupPr>
+                          <m:e>
+                            <m:acc>
+                              <m:accPr>
+                                <m:chr m:val="⃗"/>
+                                <m:ctrlPr>
+                                  <a:rPr lang="en-GB" sz="3000" i="1">
+                                    <a:latin typeface="Cambria Math" panose="02040503050406030204" pitchFamily="18" charset="0"/>
+                                  </a:rPr>
+                                </m:ctrlPr>
+                              </m:accPr>
+                              <m:e>
+                                <m:r>
+                                  <a:rPr lang="en-GB" sz="3000" i="1">
+                                    <a:latin typeface="Cambria Math" panose="02040503050406030204" pitchFamily="18" charset="0"/>
+                                  </a:rPr>
+                                  <m:t>𝑣</m:t>
+                                </m:r>
+                              </m:e>
+                            </m:acc>
+                          </m:e>
+                          <m:sub>
+                            <m:r>
+                              <a:rPr lang="en-GB" sz="3000" i="1">
+                                <a:latin typeface="Cambria Math" panose="02040503050406030204" pitchFamily="18" charset="0"/>
+                              </a:rPr>
+                              <m:t>𝑗</m:t>
+                            </m:r>
+                          </m:sub>
+                          <m:sup>
+                            <m:r>
+                              <a:rPr lang="en-GB" sz="3000" i="1">
+                                <a:latin typeface="Cambria Math" panose="02040503050406030204" pitchFamily="18" charset="0"/>
+                              </a:rPr>
+                              <m:t>𝑖</m:t>
+                            </m:r>
+                          </m:sup>
+                        </m:sSubSup>
+                      </m:sub>
+                    </m:sSub>
+                    <m:r>
+                      <a:rPr lang="en-GB" sz="3000" b="0" i="1" smtClean="0">
+                        <a:latin typeface="Cambria Math" panose="02040503050406030204" pitchFamily="18" charset="0"/>
+                      </a:rPr>
+                      <m:t> </m:t>
+                    </m:r>
+                    <m:r>
+                      <a:rPr lang="en-GB" sz="3000" b="0" i="1" smtClean="0">
+                        <a:latin typeface="Cambria Math" panose="02040503050406030204" pitchFamily="18" charset="0"/>
+                      </a:rPr>
+                      <m:t>𝐸</m:t>
+                    </m:r>
+                  </m:oMath>
+                </a14:m>
+                <a:r>
+                  <a:rPr lang="en-GB" sz="3000" dirty="0"/>
+                  <a:t>,</a:t>
+                </a:r>
+              </a:p>
+              <a:p>
+                <a:r>
+                  <a:rPr lang="en-GB" dirty="0"/>
+                  <a:t>     with a scaling factor </a:t>
+                </a:r>
+                <a14:m>
+                  <m:oMath xmlns:m="http://schemas.openxmlformats.org/officeDocument/2006/math">
+                    <m:sSub>
+                      <m:sSubPr>
+                        <m:ctrlPr>
+                          <a:rPr lang="en-GB" i="1">
+                            <a:latin typeface="Cambria Math" panose="02040503050406030204" pitchFamily="18" charset="0"/>
+                          </a:rPr>
+                        </m:ctrlPr>
+                      </m:sSubPr>
+                      <m:e>
+                        <m:r>
+                          <a:rPr lang="en-GB" i="1">
+                            <a:latin typeface="Cambria Math" panose="02040503050406030204" pitchFamily="18" charset="0"/>
+                          </a:rPr>
+                          <m:t>𝛼</m:t>
+                        </m:r>
+                      </m:e>
+                      <m:sub>
+                        <m:r>
+                          <a:rPr lang="en-GB" i="1">
+                            <a:latin typeface="Cambria Math" panose="02040503050406030204" pitchFamily="18" charset="0"/>
+                          </a:rPr>
+                          <m:t>𝐸</m:t>
+                        </m:r>
+                      </m:sub>
+                    </m:sSub>
+                    <m:r>
+                      <a:rPr lang="en-GB" b="0" i="1" smtClean="0">
+                        <a:latin typeface="Cambria Math" panose="02040503050406030204" pitchFamily="18" charset="0"/>
+                      </a:rPr>
+                      <m:t>&gt;0</m:t>
+                    </m:r>
+                  </m:oMath>
+                </a14:m>
+                <a:endParaRPr lang="en-DE" dirty="0"/>
+              </a:p>
+            </p:txBody>
+          </p:sp>
+        </mc:Choice>
+        <mc:Fallback>
+          <p:sp>
+            <p:nvSpPr>
+              <p:cNvPr id="2" name="Inhaltsplatzhalter 1">
+                <a:extLst>
+                  <a:ext uri="{FF2B5EF4-FFF2-40B4-BE49-F238E27FC236}">
+                    <a16:creationId xmlns:a16="http://schemas.microsoft.com/office/drawing/2014/main" id="{5A37D841-BEF1-3340-EA1B-0C471955E230}"/>
+                  </a:ext>
+                </a:extLst>
+              </p:cNvPr>
+              <p:cNvSpPr>
+                <a:spLocks noGrp="1" noRot="1" noChangeAspect="1" noMove="1" noResize="1" noEditPoints="1" noAdjustHandles="1" noChangeArrowheads="1" noChangeShapeType="1" noTextEdit="1"/>
+              </p:cNvSpPr>
+              <p:nvPr>
+                <p:ph sz="quarter" idx="10"/>
+              </p:nvPr>
+            </p:nvSpPr>
+            <p:spPr>
+              <a:blipFill>
+                <a:blip r:embed="rId2"/>
+                <a:stretch>
+                  <a:fillRect l="-1613" t="-2013" r="-115"/>
+                </a:stretch>
+              </a:blipFill>
+            </p:spPr>
+            <p:txBody>
+              <a:bodyPr/>
+              <a:lstStyle/>
+              <a:p>
+                <a:r>
+                  <a:rPr lang="en-DE">
+                    <a:noFill/>
+                  </a:rPr>
+                  <a:t> </a:t>
+                </a:r>
+              </a:p>
+            </p:txBody>
+          </p:sp>
+        </mc:Fallback>
+      </mc:AlternateContent>
+      <p:sp>
+        <p:nvSpPr>
+          <p:cNvPr id="3" name="Textplatzhalter 2">
+            <a:extLst>
+              <a:ext uri="{FF2B5EF4-FFF2-40B4-BE49-F238E27FC236}">
+                <a16:creationId xmlns:a16="http://schemas.microsoft.com/office/drawing/2014/main" id="{B05376FE-412E-1925-331F-854C88252D35}"/>
+              </a:ext>
+            </a:extLst>
+          </p:cNvPr>
+          <p:cNvSpPr>
+            <a:spLocks noGrp="1"/>
+          </p:cNvSpPr>
+          <p:nvPr>
+            <p:ph type="body" sz="quarter" idx="11"/>
+          </p:nvPr>
+        </p:nvSpPr>
+        <p:spPr/>
+        <p:txBody>
+          <a:bodyPr/>
+          <a:lstStyle/>
+          <a:p>
+            <a:r>
+              <a:rPr lang="en-GB" dirty="0"/>
+              <a:t>Deterministic part</a:t>
+            </a:r>
+            <a:endParaRPr lang="en-DE" dirty="0"/>
+          </a:p>
+        </p:txBody>
+      </p:sp>
+      <p:sp>
+        <p:nvSpPr>
+          <p:cNvPr id="4" name="Titel 3">
+            <a:extLst>
+              <a:ext uri="{FF2B5EF4-FFF2-40B4-BE49-F238E27FC236}">
+                <a16:creationId xmlns:a16="http://schemas.microsoft.com/office/drawing/2014/main" id="{47F1F65D-D574-641F-0061-47056F507337}"/>
+              </a:ext>
+            </a:extLst>
+          </p:cNvPr>
+          <p:cNvSpPr>
+            <a:spLocks noGrp="1"/>
+          </p:cNvSpPr>
+          <p:nvPr>
+            <p:ph type="title"/>
+          </p:nvPr>
+        </p:nvSpPr>
+        <p:spPr/>
+        <p:txBody>
+          <a:bodyPr/>
+          <a:lstStyle/>
+          <a:p>
+            <a:r>
+              <a:rPr lang="en-GB" dirty="0"/>
+              <a:t>1. DF model and dynamics</a:t>
+            </a:r>
+            <a:endParaRPr lang="en-DE" dirty="0"/>
+          </a:p>
+        </p:txBody>
+      </p:sp>
+    </p:spTree>
+    <p:extLst>
+      <p:ext uri="{BB962C8B-B14F-4D97-AF65-F5344CB8AC3E}">
+        <p14:creationId xmlns:p14="http://schemas.microsoft.com/office/powerpoint/2010/main" val="2363859385"/>
+      </p:ext>
+    </p:extLst>
+  </p:cSld>
+  <p:clrMapOvr>
+    <a:masterClrMapping/>
+  </p:clrMapOvr>
+</p:sld>
+</file>
+
+<file path=ppt/slides/slide9.xml><?xml version="1.0" encoding="utf-8"?>
+<p:sld xmlns:a="http://schemas.openxmlformats.org/drawingml/2006/main" xmlns:r="http://schemas.openxmlformats.org/officeDocument/2006/relationships" xmlns:p="http://schemas.openxmlformats.org/presentationml/2006/main">
+  <p:cSld>
+    <p:spTree>
+      <p:nvGrpSpPr>
+        <p:cNvPr id="1" name=""/>
+        <p:cNvGrpSpPr/>
+        <p:nvPr/>
+      </p:nvGrpSpPr>
+      <p:grpSpPr>
+        <a:xfrm>
+          <a:off x="0" y="0"/>
+          <a:ext cx="0" cy="0"/>
+          <a:chOff x="0" y="0"/>
+          <a:chExt cx="0" cy="0"/>
+        </a:xfrm>
+      </p:grpSpPr>
+      <mc:AlternateContent xmlns:mc="http://schemas.openxmlformats.org/markup-compatibility/2006" xmlns:a14="http://schemas.microsoft.com/office/drawing/2010/main">
+        <mc:Choice Requires="a14">
+          <p:sp>
+            <p:nvSpPr>
+              <p:cNvPr id="2" name="Inhaltsplatzhalter 1">
+                <a:extLst>
+                  <a:ext uri="{FF2B5EF4-FFF2-40B4-BE49-F238E27FC236}">
+                    <a16:creationId xmlns:a16="http://schemas.microsoft.com/office/drawing/2014/main" id="{80FABA4A-1CF7-C6F8-FBCF-34B95A7D19F7}"/>
+                  </a:ext>
+                </a:extLst>
+              </p:cNvPr>
+              <p:cNvSpPr>
+                <a:spLocks noGrp="1"/>
+              </p:cNvSpPr>
+              <p:nvPr>
+                <p:ph sz="quarter" idx="10"/>
+              </p:nvPr>
+            </p:nvSpPr>
+            <p:spPr/>
+            <p:txBody>
+              <a:bodyPr/>
+              <a:lstStyle/>
+              <a:p>
+                <a:pPr marL="342900" indent="-342900">
+                  <a:buFont typeface="Arial" panose="020B0604020202020204" pitchFamily="34" charset="0"/>
+                  <a:buChar char="•"/>
+                </a:pPr>
+                <a:r>
+                  <a:rPr lang="en-GB" dirty="0"/>
+                  <a:t>Current cell area: </a:t>
+                </a:r>
+                <a14:m>
+                  <m:oMath xmlns:m="http://schemas.openxmlformats.org/officeDocument/2006/math">
+                    <m:sSub>
+                      <m:sSubPr>
+                        <m:ctrlPr>
+                          <a:rPr lang="en-GB" b="0" i="1" smtClean="0">
+                            <a:latin typeface="Cambria Math" panose="02040503050406030204" pitchFamily="18" charset="0"/>
+                          </a:rPr>
+                        </m:ctrlPr>
+                      </m:sSubPr>
+                      <m:e>
+                        <m:r>
+                          <a:rPr lang="en-GB" b="0" i="1" smtClean="0">
+                            <a:latin typeface="Cambria Math" panose="02040503050406030204" pitchFamily="18" charset="0"/>
+                          </a:rPr>
+                          <m:t>𝐴</m:t>
+                        </m:r>
+                      </m:e>
+                      <m:sub>
+                        <m:r>
+                          <a:rPr lang="en-GB" b="0" i="1" smtClean="0">
+                            <a:latin typeface="Cambria Math" panose="02040503050406030204" pitchFamily="18" charset="0"/>
+                          </a:rPr>
+                          <m:t>𝐶</m:t>
+                        </m:r>
+                      </m:sub>
+                    </m:sSub>
+                    <m:r>
+                      <a:rPr lang="en-GB" b="0" i="1" smtClean="0">
+                        <a:latin typeface="Cambria Math" panose="02040503050406030204" pitchFamily="18" charset="0"/>
+                      </a:rPr>
+                      <m:t>&gt;0</m:t>
+                    </m:r>
+                  </m:oMath>
+                </a14:m>
+                <a:endParaRPr lang="en-GB" b="0" dirty="0"/>
+              </a:p>
+              <a:p>
+                <a:pPr marL="342900" indent="-342900">
+                  <a:buFont typeface="Arial" panose="020B0604020202020204" pitchFamily="34" charset="0"/>
+                  <a:buChar char="•"/>
+                </a:pPr>
+                <a:r>
+                  <a:rPr lang="en-GB" dirty="0"/>
+                  <a:t>Desired cell area: </a:t>
+                </a:r>
+                <a14:m>
+                  <m:oMath xmlns:m="http://schemas.openxmlformats.org/officeDocument/2006/math">
+                    <m:sSub>
+                      <m:sSubPr>
+                        <m:ctrlPr>
+                          <a:rPr lang="en-GB" b="0" i="1" smtClean="0">
+                            <a:latin typeface="Cambria Math" panose="02040503050406030204" pitchFamily="18" charset="0"/>
+                          </a:rPr>
+                        </m:ctrlPr>
+                      </m:sSubPr>
+                      <m:e>
+                        <m:r>
+                          <a:rPr lang="en-GB" b="0" i="1" smtClean="0">
+                            <a:latin typeface="Cambria Math" panose="02040503050406030204" pitchFamily="18" charset="0"/>
+                          </a:rPr>
+                          <m:t>𝐴</m:t>
+                        </m:r>
+                      </m:e>
+                      <m:sub>
+                        <m:r>
+                          <a:rPr lang="en-GB" b="0" i="1" smtClean="0">
+                            <a:latin typeface="Cambria Math" panose="02040503050406030204" pitchFamily="18" charset="0"/>
+                          </a:rPr>
+                          <m:t>𝑑</m:t>
+                        </m:r>
+                      </m:sub>
+                    </m:sSub>
+                    <m:r>
+                      <a:rPr lang="en-GB" b="0" i="1" smtClean="0">
+                        <a:latin typeface="Cambria Math" panose="02040503050406030204" pitchFamily="18" charset="0"/>
+                      </a:rPr>
+                      <m:t>&gt;0</m:t>
+                    </m:r>
+                  </m:oMath>
+                </a14:m>
+                <a:endParaRPr lang="en-GB" dirty="0"/>
+              </a:p>
+              <a:p>
+                <a:pPr marL="342900" indent="-342900">
+                  <a:buFont typeface="Arial" panose="020B0604020202020204" pitchFamily="34" charset="0"/>
+                  <a:buChar char="•"/>
+                </a:pPr>
+                <a:r>
+                  <a:rPr lang="en-GB" dirty="0"/>
+                  <a:t>Power of discrepance: </a:t>
+                </a:r>
+                <a14:m>
+                  <m:oMath xmlns:m="http://schemas.openxmlformats.org/officeDocument/2006/math">
+                    <m:r>
+                      <a:rPr lang="en-GB" b="0" i="1" smtClean="0">
+                        <a:latin typeface="Cambria Math" panose="02040503050406030204" pitchFamily="18" charset="0"/>
+                      </a:rPr>
+                      <m:t>𝑘</m:t>
+                    </m:r>
+                    <m:r>
+                      <a:rPr lang="en-GB" b="0" i="1" smtClean="0">
+                        <a:latin typeface="Cambria Math" panose="02040503050406030204" pitchFamily="18" charset="0"/>
+                      </a:rPr>
+                      <m:t>∈</m:t>
+                    </m:r>
+                    <m:r>
+                      <a:rPr lang="en-GB" b="0" i="1" smtClean="0">
+                        <a:latin typeface="Cambria Math" panose="02040503050406030204" pitchFamily="18" charset="0"/>
+                      </a:rPr>
+                      <m:t>ℕ</m:t>
+                    </m:r>
+                  </m:oMath>
+                </a14:m>
+                <a:endParaRPr lang="en-GB" dirty="0"/>
+              </a:p>
+              <a:p>
+                <a:pPr marL="342900" indent="-342900">
+                  <a:buFont typeface="Arial" panose="020B0604020202020204" pitchFamily="34" charset="0"/>
+                  <a:buChar char="•"/>
+                </a:pPr>
+                <a:r>
+                  <a:rPr lang="en-GB" dirty="0"/>
+                  <a:t>Energy: </a:t>
+                </a:r>
+                <a14:m>
+                  <m:oMath xmlns:m="http://schemas.openxmlformats.org/officeDocument/2006/math">
+                    <m:sSub>
+                      <m:sSubPr>
+                        <m:ctrlPr>
+                          <a:rPr lang="en-GB" b="0" i="1" smtClean="0">
+                            <a:latin typeface="Cambria Math" panose="02040503050406030204" pitchFamily="18" charset="0"/>
+                          </a:rPr>
+                        </m:ctrlPr>
+                      </m:sSubPr>
+                      <m:e>
+                        <m:r>
+                          <a:rPr lang="en-GB" b="0" i="1" smtClean="0">
+                            <a:latin typeface="Cambria Math" panose="02040503050406030204" pitchFamily="18" charset="0"/>
+                          </a:rPr>
+                          <m:t>𝐴</m:t>
+                        </m:r>
+                      </m:e>
+                      <m:sub>
+                        <m:r>
+                          <a:rPr lang="en-GB" b="0" i="1" smtClean="0">
+                            <a:latin typeface="Cambria Math" panose="02040503050406030204" pitchFamily="18" charset="0"/>
+                          </a:rPr>
+                          <m:t>𝑘</m:t>
+                        </m:r>
+                      </m:sub>
+                    </m:sSub>
+                    <m:d>
+                      <m:dPr>
+                        <m:ctrlPr>
+                          <a:rPr lang="en-GB" b="0" i="1" smtClean="0">
+                            <a:latin typeface="Cambria Math" panose="02040503050406030204" pitchFamily="18" charset="0"/>
+                          </a:rPr>
+                        </m:ctrlPr>
+                      </m:dPr>
+                      <m:e>
+                        <m:r>
+                          <a:rPr lang="en-GB" b="0" i="1" smtClean="0">
+                            <a:latin typeface="Cambria Math" panose="02040503050406030204" pitchFamily="18" charset="0"/>
+                          </a:rPr>
+                          <m:t>𝐶</m:t>
+                        </m:r>
+                      </m:e>
+                    </m:d>
+                    <m:r>
+                      <a:rPr lang="en-GB" b="0" i="1" smtClean="0">
+                        <a:latin typeface="Cambria Math" panose="02040503050406030204" pitchFamily="18" charset="0"/>
+                      </a:rPr>
+                      <m:t>= </m:t>
+                    </m:r>
+                    <m:f>
+                      <m:fPr>
+                        <m:ctrlPr>
+                          <a:rPr lang="en-GB" b="0" i="1" smtClean="0">
+                            <a:latin typeface="Cambria Math" panose="02040503050406030204" pitchFamily="18" charset="0"/>
+                          </a:rPr>
+                        </m:ctrlPr>
+                      </m:fPr>
+                      <m:num>
+                        <m:r>
+                          <a:rPr lang="en-GB" b="0" i="1" smtClean="0">
+                            <a:latin typeface="Cambria Math" panose="02040503050406030204" pitchFamily="18" charset="0"/>
+                          </a:rPr>
+                          <m:t>1</m:t>
+                        </m:r>
+                      </m:num>
+                      <m:den>
+                        <m:r>
+                          <a:rPr lang="en-GB" b="0" i="1" smtClean="0">
+                            <a:latin typeface="Cambria Math" panose="02040503050406030204" pitchFamily="18" charset="0"/>
+                          </a:rPr>
+                          <m:t>𝑘</m:t>
+                        </m:r>
+                      </m:den>
+                    </m:f>
+                    <m:r>
+                      <a:rPr lang="en-GB" b="0" i="1" smtClean="0">
+                        <a:latin typeface="Cambria Math" panose="02040503050406030204" pitchFamily="18" charset="0"/>
+                      </a:rPr>
+                      <m:t>|</m:t>
+                    </m:r>
+                    <m:sSub>
+                      <m:sSubPr>
+                        <m:ctrlPr>
+                          <a:rPr lang="en-GB" b="0" i="1" smtClean="0">
+                            <a:latin typeface="Cambria Math" panose="02040503050406030204" pitchFamily="18" charset="0"/>
+                          </a:rPr>
+                        </m:ctrlPr>
+                      </m:sSubPr>
+                      <m:e>
+                        <m:r>
+                          <a:rPr lang="en-GB" b="0" i="1" smtClean="0">
+                            <a:latin typeface="Cambria Math" panose="02040503050406030204" pitchFamily="18" charset="0"/>
+                          </a:rPr>
+                          <m:t>𝐴</m:t>
+                        </m:r>
+                      </m:e>
+                      <m:sub>
+                        <m:r>
+                          <a:rPr lang="en-GB" b="0" i="1" smtClean="0">
+                            <a:latin typeface="Cambria Math" panose="02040503050406030204" pitchFamily="18" charset="0"/>
+                          </a:rPr>
+                          <m:t>𝐶</m:t>
+                        </m:r>
+                      </m:sub>
+                    </m:sSub>
+                    <m:r>
+                      <a:rPr lang="en-GB" b="0" i="1" smtClean="0">
+                        <a:latin typeface="Cambria Math" panose="02040503050406030204" pitchFamily="18" charset="0"/>
+                      </a:rPr>
+                      <m:t>−</m:t>
+                    </m:r>
+                    <m:sSub>
+                      <m:sSubPr>
+                        <m:ctrlPr>
+                          <a:rPr lang="en-GB" b="0" i="1" smtClean="0">
+                            <a:latin typeface="Cambria Math" panose="02040503050406030204" pitchFamily="18" charset="0"/>
+                          </a:rPr>
+                        </m:ctrlPr>
+                      </m:sSubPr>
+                      <m:e>
+                        <m:r>
+                          <a:rPr lang="en-GB" b="0" i="1" smtClean="0">
+                            <a:latin typeface="Cambria Math" panose="02040503050406030204" pitchFamily="18" charset="0"/>
+                          </a:rPr>
+                          <m:t>𝐴</m:t>
+                        </m:r>
+                      </m:e>
+                      <m:sub>
+                        <m:r>
+                          <a:rPr lang="en-GB" b="0" i="1" smtClean="0">
+                            <a:latin typeface="Cambria Math" panose="02040503050406030204" pitchFamily="18" charset="0"/>
+                          </a:rPr>
+                          <m:t>𝑑</m:t>
+                        </m:r>
+                      </m:sub>
+                    </m:sSub>
+                    <m:sSup>
+                      <m:sSupPr>
+                        <m:ctrlPr>
+                          <a:rPr lang="en-GB" b="0" i="1" smtClean="0">
+                            <a:latin typeface="Cambria Math" panose="02040503050406030204" pitchFamily="18" charset="0"/>
+                          </a:rPr>
+                        </m:ctrlPr>
+                      </m:sSupPr>
+                      <m:e>
+                        <m:d>
+                          <m:dPr>
+                            <m:begChr m:val=""/>
+                            <m:endChr m:val="|"/>
+                            <m:ctrlPr>
+                              <a:rPr lang="en-GB" b="0" i="1" smtClean="0">
+                                <a:latin typeface="Cambria Math" panose="02040503050406030204" pitchFamily="18" charset="0"/>
+                              </a:rPr>
+                            </m:ctrlPr>
+                          </m:dPr>
+                          <m:e>
+                            <m:r>
+                              <a:rPr lang="en-DE">
+                                <a:latin typeface="Cambria Math" panose="02040503050406030204" pitchFamily="18" charset="0"/>
+                              </a:rPr>
+                              <m:t>​</m:t>
+                            </m:r>
+                          </m:e>
+                        </m:d>
+                      </m:e>
+                      <m:sup>
+                        <m:r>
+                          <a:rPr lang="en-GB" b="0" i="1" smtClean="0">
+                            <a:latin typeface="Cambria Math" panose="02040503050406030204" pitchFamily="18" charset="0"/>
+                          </a:rPr>
+                          <m:t>𝑘</m:t>
+                        </m:r>
+                      </m:sup>
+                    </m:sSup>
+                  </m:oMath>
+                </a14:m>
+                <a:endParaRPr lang="en-DE" dirty="0"/>
+              </a:p>
+            </p:txBody>
+          </p:sp>
+        </mc:Choice>
+        <mc:Fallback xmlns="">
+          <p:sp>
+            <p:nvSpPr>
+              <p:cNvPr id="2" name="Inhaltsplatzhalter 1">
+                <a:extLst>
+                  <a:ext uri="{FF2B5EF4-FFF2-40B4-BE49-F238E27FC236}">
+                    <a16:creationId xmlns:a16="http://schemas.microsoft.com/office/drawing/2014/main" id="{80FABA4A-1CF7-C6F8-FBCF-34B95A7D19F7}"/>
+                  </a:ext>
+                </a:extLst>
+              </p:cNvPr>
+              <p:cNvSpPr>
+                <a:spLocks noGrp="1" noRot="1" noChangeAspect="1" noMove="1" noResize="1" noEditPoints="1" noAdjustHandles="1" noChangeArrowheads="1" noChangeShapeType="1" noTextEdit="1"/>
+              </p:cNvSpPr>
+              <p:nvPr>
+                <p:ph sz="quarter" idx="10"/>
+              </p:nvPr>
+            </p:nvSpPr>
+            <p:spPr>
+              <a:blipFill>
+                <a:blip r:embed="rId2"/>
+                <a:stretch>
+                  <a:fillRect l="-1613" t="-2013"/>
+                </a:stretch>
+              </a:blipFill>
+            </p:spPr>
+            <p:txBody>
+              <a:bodyPr/>
+              <a:lstStyle/>
+              <a:p>
+                <a:r>
+                  <a:rPr lang="en-DE">
+                    <a:noFill/>
+                  </a:rPr>
+                  <a:t> </a:t>
+                </a:r>
+              </a:p>
+            </p:txBody>
+          </p:sp>
+        </mc:Fallback>
+      </mc:AlternateContent>
+      <p:sp>
+        <p:nvSpPr>
+          <p:cNvPr id="3" name="Textplatzhalter 2">
+            <a:extLst>
+              <a:ext uri="{FF2B5EF4-FFF2-40B4-BE49-F238E27FC236}">
+                <a16:creationId xmlns:a16="http://schemas.microsoft.com/office/drawing/2014/main" id="{27F12CF5-29DB-6CB3-B025-3A27E94A18C7}"/>
+              </a:ext>
+            </a:extLst>
+          </p:cNvPr>
+          <p:cNvSpPr>
+            <a:spLocks noGrp="1"/>
+          </p:cNvSpPr>
+          <p:nvPr>
+            <p:ph type="body" sz="quarter" idx="11"/>
+          </p:nvPr>
+        </p:nvSpPr>
+        <p:spPr/>
+        <p:txBody>
+          <a:bodyPr/>
+          <a:lstStyle/>
+          <a:p>
+            <a:r>
+              <a:rPr lang="en-GB" dirty="0"/>
+              <a:t>Area energy</a:t>
+            </a:r>
+            <a:endParaRPr lang="en-DE" dirty="0"/>
+          </a:p>
+        </p:txBody>
+      </p:sp>
+      <p:sp>
+        <p:nvSpPr>
+          <p:cNvPr id="4" name="Titel 3">
+            <a:extLst>
+              <a:ext uri="{FF2B5EF4-FFF2-40B4-BE49-F238E27FC236}">
+                <a16:creationId xmlns:a16="http://schemas.microsoft.com/office/drawing/2014/main" id="{A612C518-EC17-8A82-E280-4DF5DB627782}"/>
+              </a:ext>
+            </a:extLst>
+          </p:cNvPr>
+          <p:cNvSpPr>
+            <a:spLocks noGrp="1"/>
+          </p:cNvSpPr>
+          <p:nvPr>
+            <p:ph type="title"/>
+          </p:nvPr>
+        </p:nvSpPr>
+        <p:spPr>
+          <a:xfrm>
+            <a:off x="7810688" y="6097560"/>
+            <a:ext cx="3820383" cy="402070"/>
+          </a:xfrm>
+        </p:spPr>
+        <p:txBody>
+          <a:bodyPr/>
+          <a:lstStyle/>
+          <a:p>
+            <a:r>
+              <a:rPr lang="en-GB" dirty="0"/>
+              <a:t>1. DF model and dynamics</a:t>
+            </a:r>
+            <a:endParaRPr lang="en-DE" dirty="0"/>
+          </a:p>
+        </p:txBody>
+      </p:sp>
+    </p:spTree>
+    <p:extLst>
+      <p:ext uri="{BB962C8B-B14F-4D97-AF65-F5344CB8AC3E}">
+        <p14:creationId xmlns:p14="http://schemas.microsoft.com/office/powerpoint/2010/main" val="1165155181"/>
       </p:ext>
     </p:extLst>
   </p:cSld>
